--- a/DataStructuresAndAlgorithms/Lecture 02 - Complexidade e Programação Dinâmica/Lecture 02 - Complexidade e Programação Dinâmica.pptx
+++ b/DataStructuresAndAlgorithms/Lecture 02 - Complexidade e Programação Dinâmica/Lecture 02 - Complexidade e Programação Dinâmica.pptx
@@ -49,6 +49,7 @@
     <p:sldId id="270" r:id="rId42"/>
     <p:sldId id="271" r:id="rId43"/>
     <p:sldId id="272" r:id="rId44"/>
+    <p:sldId id="273" r:id="rId45"/>
   </p:sldIdLst>
   <p:sldSz cx="10080625" cy="7559675"/>
   <p:notesSz cx="7559675" cy="10691813"/>
@@ -379,7 +380,7 @@
             <a:pPr indent="0" algn="r">
               <a:buNone/>
             </a:pPr>
-            <a:fld id="{637846C7-91E7-4898-B52E-B69831CFA0D2}" type="slidenum">
+            <a:fld id="{D937835C-14BA-4528-8E92-73E202026C9A}" type="slidenum">
               <a:rPr b="0" lang="en-US" sz="1400" spc="-1" strike="noStrike">
                 <a:solidFill>
                   <a:srgbClr val="000000"/>
@@ -422,7 +423,7 @@
       </p:grpSpPr>
       <p:sp>
         <p:nvSpPr>
-          <p:cNvPr id="271" name="PlaceHolder 1"/>
+          <p:cNvPr id="277" name="PlaceHolder 1"/>
           <p:cNvSpPr>
             <a:spLocks noGrp="1"/>
           </p:cNvSpPr>
@@ -433,7 +434,7 @@
         <p:spPr>
           <a:xfrm>
             <a:off x="1376280" y="1336680"/>
-            <a:ext cx="4800960" cy="3601080"/>
+            <a:ext cx="4800600" cy="3600720"/>
           </a:xfrm>
           <a:prstGeom prst="rect">
             <a:avLst/>
@@ -445,7 +446,7 @@
       </p:sp>
       <p:sp>
         <p:nvSpPr>
-          <p:cNvPr id="272" name="PlaceHolder 2"/>
+          <p:cNvPr id="278" name="PlaceHolder 2"/>
           <p:cNvSpPr>
             <a:spLocks noGrp="1"/>
           </p:cNvSpPr>
@@ -456,7 +457,7 @@
         <p:spPr>
           <a:xfrm>
             <a:off x="756000" y="5145120"/>
-            <a:ext cx="6040440" cy="4202640"/>
+            <a:ext cx="6040080" cy="4202280"/>
           </a:xfrm>
           <a:prstGeom prst="rect">
             <a:avLst/>
@@ -485,14 +486,14 @@
       </p:sp>
       <p:sp>
         <p:nvSpPr>
-          <p:cNvPr id="273" name="CustomShape 3"/>
+          <p:cNvPr id="279" name="CustomShape 3"/>
           <p:cNvSpPr/>
           <p:nvPr/>
         </p:nvSpPr>
         <p:spPr>
           <a:xfrm>
             <a:off x="0" y="10155240"/>
-            <a:ext cx="3268800" cy="529200"/>
+            <a:ext cx="3268440" cy="528840"/>
           </a:xfrm>
           <a:prstGeom prst="rect">
             <a:avLst/>
@@ -543,6 +544,2091 @@
 </file>
 
 <file path=ppt/notesSlides/notesSlide10.xml><?xml version="1.0" encoding="utf-8"?>
+<p:notes xmlns:a="http://schemas.openxmlformats.org/drawingml/2006/main" xmlns:p="http://schemas.openxmlformats.org/presentationml/2006/main" xmlns:r="http://schemas.openxmlformats.org/officeDocument/2006/relationships" xmlns:p14="http://schemas.microsoft.com/office/powerpoint/2010/main" xmlns:p15="http://schemas.microsoft.com/office/powerpoint/2012/main" xmlns:mc="http://schemas.openxmlformats.org/markup-compatibility/2006">
+  <p:cSld>
+    <p:spTree>
+      <p:nvGrpSpPr>
+        <p:cNvPr id="1" name=""/>
+        <p:cNvGrpSpPr/>
+        <p:nvPr/>
+      </p:nvGrpSpPr>
+      <p:grpSpPr>
+        <a:xfrm>
+          <a:off x="0" y="0"/>
+          <a:ext cx="0" cy="0"/>
+          <a:chOff x="0" y="0"/>
+          <a:chExt cx="0" cy="0"/>
+        </a:xfrm>
+      </p:grpSpPr>
+      <p:sp>
+        <p:nvSpPr>
+          <p:cNvPr id="304" name="PlaceHolder 1"/>
+          <p:cNvSpPr>
+            <a:spLocks noGrp="1"/>
+          </p:cNvSpPr>
+          <p:nvPr>
+            <p:ph type="sldImg"/>
+          </p:nvPr>
+        </p:nvSpPr>
+        <p:spPr>
+          <a:xfrm>
+            <a:off x="1376280" y="1336680"/>
+            <a:ext cx="4800600" cy="3600720"/>
+          </a:xfrm>
+          <a:prstGeom prst="rect">
+            <a:avLst/>
+          </a:prstGeom>
+          <a:ln w="0">
+            <a:noFill/>
+          </a:ln>
+        </p:spPr>
+      </p:sp>
+      <p:sp>
+        <p:nvSpPr>
+          <p:cNvPr id="305" name="PlaceHolder 2"/>
+          <p:cNvSpPr>
+            <a:spLocks noGrp="1"/>
+          </p:cNvSpPr>
+          <p:nvPr>
+            <p:ph type="body"/>
+          </p:nvPr>
+        </p:nvSpPr>
+        <p:spPr>
+          <a:xfrm>
+            <a:off x="756000" y="5145120"/>
+            <a:ext cx="6040080" cy="4202280"/>
+          </a:xfrm>
+          <a:prstGeom prst="rect">
+            <a:avLst/>
+          </a:prstGeom>
+          <a:noFill/>
+          <a:ln w="0">
+            <a:noFill/>
+          </a:ln>
+        </p:spPr>
+        <p:txBody>
+          <a:bodyPr lIns="0" rIns="0" tIns="0" bIns="0" anchor="t">
+            <a:noAutofit/>
+          </a:bodyPr>
+          <a:p>
+            <a:pPr marL="216000" indent="-216000">
+              <a:buNone/>
+            </a:pPr>
+            <a:endParaRPr b="0" lang="en-US" sz="1800" spc="-1" strike="noStrike">
+              <a:solidFill>
+                <a:srgbClr val="000000"/>
+              </a:solidFill>
+              <a:latin typeface="Arial"/>
+            </a:endParaRPr>
+          </a:p>
+        </p:txBody>
+      </p:sp>
+      <p:sp>
+        <p:nvSpPr>
+          <p:cNvPr id="306" name="CustomShape 3"/>
+          <p:cNvSpPr/>
+          <p:nvPr/>
+        </p:nvSpPr>
+        <p:spPr>
+          <a:xfrm>
+            <a:off x="0" y="10155240"/>
+            <a:ext cx="3268440" cy="528840"/>
+          </a:xfrm>
+          <a:prstGeom prst="rect">
+            <a:avLst/>
+          </a:prstGeom>
+          <a:noFill/>
+          <a:ln w="0">
+            <a:noFill/>
+          </a:ln>
+        </p:spPr>
+        <p:style>
+          <a:lnRef idx="0"/>
+          <a:fillRef idx="0"/>
+          <a:effectRef idx="0"/>
+          <a:fontRef idx="minor"/>
+        </p:style>
+        <p:txBody>
+          <a:bodyPr lIns="90000" rIns="90000" tIns="45000" bIns="45000" anchor="b">
+            <a:noAutofit/>
+          </a:bodyPr>
+          <a:p>
+            <a:pPr>
+              <a:lnSpc>
+                <a:spcPct val="100000"/>
+              </a:lnSpc>
+            </a:pPr>
+            <a:r>
+              <a:rPr b="0" lang="pt-BR" sz="1200" spc="-1" strike="noStrike">
+                <a:solidFill>
+                  <a:srgbClr val="000000"/>
+                </a:solidFill>
+                <a:latin typeface="Times New Roman"/>
+                <a:ea typeface="+mn-ea"/>
+              </a:rPr>
+              <a:t>Prof. André Hochuli</a:t>
+            </a:r>
+            <a:endParaRPr b="0" lang="en-US" sz="1200" spc="-1" strike="noStrike">
+              <a:solidFill>
+                <a:srgbClr val="000000"/>
+              </a:solidFill>
+              <a:latin typeface="Arial"/>
+            </a:endParaRPr>
+          </a:p>
+        </p:txBody>
+      </p:sp>
+    </p:spTree>
+  </p:cSld>
+</p:notes>
+</file>
+
+<file path=ppt/notesSlides/notesSlide11.xml><?xml version="1.0" encoding="utf-8"?>
+<p:notes xmlns:a="http://schemas.openxmlformats.org/drawingml/2006/main" xmlns:p="http://schemas.openxmlformats.org/presentationml/2006/main" xmlns:r="http://schemas.openxmlformats.org/officeDocument/2006/relationships" xmlns:p14="http://schemas.microsoft.com/office/powerpoint/2010/main" xmlns:p15="http://schemas.microsoft.com/office/powerpoint/2012/main" xmlns:mc="http://schemas.openxmlformats.org/markup-compatibility/2006">
+  <p:cSld>
+    <p:spTree>
+      <p:nvGrpSpPr>
+        <p:cNvPr id="1" name=""/>
+        <p:cNvGrpSpPr/>
+        <p:nvPr/>
+      </p:nvGrpSpPr>
+      <p:grpSpPr>
+        <a:xfrm>
+          <a:off x="0" y="0"/>
+          <a:ext cx="0" cy="0"/>
+          <a:chOff x="0" y="0"/>
+          <a:chExt cx="0" cy="0"/>
+        </a:xfrm>
+      </p:grpSpPr>
+      <p:sp>
+        <p:nvSpPr>
+          <p:cNvPr id="307" name="PlaceHolder 1"/>
+          <p:cNvSpPr>
+            <a:spLocks noGrp="1"/>
+          </p:cNvSpPr>
+          <p:nvPr>
+            <p:ph type="sldImg"/>
+          </p:nvPr>
+        </p:nvSpPr>
+        <p:spPr>
+          <a:xfrm>
+            <a:off x="1376280" y="1336680"/>
+            <a:ext cx="4800600" cy="3600720"/>
+          </a:xfrm>
+          <a:prstGeom prst="rect">
+            <a:avLst/>
+          </a:prstGeom>
+          <a:ln w="0">
+            <a:noFill/>
+          </a:ln>
+        </p:spPr>
+      </p:sp>
+      <p:sp>
+        <p:nvSpPr>
+          <p:cNvPr id="308" name="PlaceHolder 2"/>
+          <p:cNvSpPr>
+            <a:spLocks noGrp="1"/>
+          </p:cNvSpPr>
+          <p:nvPr>
+            <p:ph type="body"/>
+          </p:nvPr>
+        </p:nvSpPr>
+        <p:spPr>
+          <a:xfrm>
+            <a:off x="756000" y="5145120"/>
+            <a:ext cx="6040080" cy="4202280"/>
+          </a:xfrm>
+          <a:prstGeom prst="rect">
+            <a:avLst/>
+          </a:prstGeom>
+          <a:noFill/>
+          <a:ln w="0">
+            <a:noFill/>
+          </a:ln>
+        </p:spPr>
+        <p:txBody>
+          <a:bodyPr lIns="0" rIns="0" tIns="0" bIns="0" anchor="t">
+            <a:noAutofit/>
+          </a:bodyPr>
+          <a:p>
+            <a:pPr marL="216000" indent="-216000">
+              <a:buNone/>
+            </a:pPr>
+            <a:endParaRPr b="0" lang="en-US" sz="1800" spc="-1" strike="noStrike">
+              <a:solidFill>
+                <a:srgbClr val="000000"/>
+              </a:solidFill>
+              <a:latin typeface="Arial"/>
+            </a:endParaRPr>
+          </a:p>
+        </p:txBody>
+      </p:sp>
+      <p:sp>
+        <p:nvSpPr>
+          <p:cNvPr id="309" name="CustomShape 3"/>
+          <p:cNvSpPr/>
+          <p:nvPr/>
+        </p:nvSpPr>
+        <p:spPr>
+          <a:xfrm>
+            <a:off x="0" y="10155240"/>
+            <a:ext cx="3268440" cy="528840"/>
+          </a:xfrm>
+          <a:prstGeom prst="rect">
+            <a:avLst/>
+          </a:prstGeom>
+          <a:noFill/>
+          <a:ln w="0">
+            <a:noFill/>
+          </a:ln>
+        </p:spPr>
+        <p:style>
+          <a:lnRef idx="0"/>
+          <a:fillRef idx="0"/>
+          <a:effectRef idx="0"/>
+          <a:fontRef idx="minor"/>
+        </p:style>
+        <p:txBody>
+          <a:bodyPr lIns="90000" rIns="90000" tIns="45000" bIns="45000" anchor="b">
+            <a:noAutofit/>
+          </a:bodyPr>
+          <a:p>
+            <a:pPr>
+              <a:lnSpc>
+                <a:spcPct val="100000"/>
+              </a:lnSpc>
+            </a:pPr>
+            <a:r>
+              <a:rPr b="0" lang="pt-BR" sz="1200" spc="-1" strike="noStrike">
+                <a:solidFill>
+                  <a:srgbClr val="000000"/>
+                </a:solidFill>
+                <a:latin typeface="Times New Roman"/>
+                <a:ea typeface="+mn-ea"/>
+              </a:rPr>
+              <a:t>Prof. André Hochuli</a:t>
+            </a:r>
+            <a:endParaRPr b="0" lang="en-US" sz="1200" spc="-1" strike="noStrike">
+              <a:solidFill>
+                <a:srgbClr val="000000"/>
+              </a:solidFill>
+              <a:latin typeface="Arial"/>
+            </a:endParaRPr>
+          </a:p>
+        </p:txBody>
+      </p:sp>
+    </p:spTree>
+  </p:cSld>
+</p:notes>
+</file>
+
+<file path=ppt/notesSlides/notesSlide12.xml><?xml version="1.0" encoding="utf-8"?>
+<p:notes xmlns:a="http://schemas.openxmlformats.org/drawingml/2006/main" xmlns:p="http://schemas.openxmlformats.org/presentationml/2006/main" xmlns:r="http://schemas.openxmlformats.org/officeDocument/2006/relationships" xmlns:p14="http://schemas.microsoft.com/office/powerpoint/2010/main" xmlns:p15="http://schemas.microsoft.com/office/powerpoint/2012/main" xmlns:mc="http://schemas.openxmlformats.org/markup-compatibility/2006">
+  <p:cSld>
+    <p:spTree>
+      <p:nvGrpSpPr>
+        <p:cNvPr id="1" name=""/>
+        <p:cNvGrpSpPr/>
+        <p:nvPr/>
+      </p:nvGrpSpPr>
+      <p:grpSpPr>
+        <a:xfrm>
+          <a:off x="0" y="0"/>
+          <a:ext cx="0" cy="0"/>
+          <a:chOff x="0" y="0"/>
+          <a:chExt cx="0" cy="0"/>
+        </a:xfrm>
+      </p:grpSpPr>
+      <p:sp>
+        <p:nvSpPr>
+          <p:cNvPr id="310" name="PlaceHolder 1"/>
+          <p:cNvSpPr>
+            <a:spLocks noGrp="1"/>
+          </p:cNvSpPr>
+          <p:nvPr>
+            <p:ph type="sldImg"/>
+          </p:nvPr>
+        </p:nvSpPr>
+        <p:spPr>
+          <a:xfrm>
+            <a:off x="1376280" y="1336680"/>
+            <a:ext cx="4800600" cy="3600720"/>
+          </a:xfrm>
+          <a:prstGeom prst="rect">
+            <a:avLst/>
+          </a:prstGeom>
+          <a:ln w="0">
+            <a:noFill/>
+          </a:ln>
+        </p:spPr>
+      </p:sp>
+      <p:sp>
+        <p:nvSpPr>
+          <p:cNvPr id="311" name="PlaceHolder 2"/>
+          <p:cNvSpPr>
+            <a:spLocks noGrp="1"/>
+          </p:cNvSpPr>
+          <p:nvPr>
+            <p:ph type="body"/>
+          </p:nvPr>
+        </p:nvSpPr>
+        <p:spPr>
+          <a:xfrm>
+            <a:off x="756000" y="5145120"/>
+            <a:ext cx="6040080" cy="4202280"/>
+          </a:xfrm>
+          <a:prstGeom prst="rect">
+            <a:avLst/>
+          </a:prstGeom>
+          <a:noFill/>
+          <a:ln w="0">
+            <a:noFill/>
+          </a:ln>
+        </p:spPr>
+        <p:txBody>
+          <a:bodyPr lIns="0" rIns="0" tIns="0" bIns="0" anchor="t">
+            <a:noAutofit/>
+          </a:bodyPr>
+          <a:p>
+            <a:pPr marL="216000" indent="-216000">
+              <a:buNone/>
+            </a:pPr>
+            <a:endParaRPr b="0" lang="en-US" sz="1800" spc="-1" strike="noStrike">
+              <a:solidFill>
+                <a:srgbClr val="000000"/>
+              </a:solidFill>
+              <a:latin typeface="Arial"/>
+            </a:endParaRPr>
+          </a:p>
+        </p:txBody>
+      </p:sp>
+      <p:sp>
+        <p:nvSpPr>
+          <p:cNvPr id="312" name="CustomShape 3"/>
+          <p:cNvSpPr/>
+          <p:nvPr/>
+        </p:nvSpPr>
+        <p:spPr>
+          <a:xfrm>
+            <a:off x="0" y="10155240"/>
+            <a:ext cx="3268440" cy="528840"/>
+          </a:xfrm>
+          <a:prstGeom prst="rect">
+            <a:avLst/>
+          </a:prstGeom>
+          <a:noFill/>
+          <a:ln w="0">
+            <a:noFill/>
+          </a:ln>
+        </p:spPr>
+        <p:style>
+          <a:lnRef idx="0"/>
+          <a:fillRef idx="0"/>
+          <a:effectRef idx="0"/>
+          <a:fontRef idx="minor"/>
+        </p:style>
+        <p:txBody>
+          <a:bodyPr lIns="90000" rIns="90000" tIns="45000" bIns="45000" anchor="b">
+            <a:noAutofit/>
+          </a:bodyPr>
+          <a:p>
+            <a:pPr>
+              <a:lnSpc>
+                <a:spcPct val="100000"/>
+              </a:lnSpc>
+            </a:pPr>
+            <a:r>
+              <a:rPr b="0" lang="pt-BR" sz="1200" spc="-1" strike="noStrike">
+                <a:solidFill>
+                  <a:srgbClr val="000000"/>
+                </a:solidFill>
+                <a:latin typeface="Times New Roman"/>
+                <a:ea typeface="+mn-ea"/>
+              </a:rPr>
+              <a:t>Prof. André Hochuli</a:t>
+            </a:r>
+            <a:endParaRPr b="0" lang="en-US" sz="1200" spc="-1" strike="noStrike">
+              <a:solidFill>
+                <a:srgbClr val="000000"/>
+              </a:solidFill>
+              <a:latin typeface="Arial"/>
+            </a:endParaRPr>
+          </a:p>
+        </p:txBody>
+      </p:sp>
+    </p:spTree>
+  </p:cSld>
+</p:notes>
+</file>
+
+<file path=ppt/notesSlides/notesSlide13.xml><?xml version="1.0" encoding="utf-8"?>
+<p:notes xmlns:a="http://schemas.openxmlformats.org/drawingml/2006/main" xmlns:p="http://schemas.openxmlformats.org/presentationml/2006/main" xmlns:r="http://schemas.openxmlformats.org/officeDocument/2006/relationships" xmlns:p14="http://schemas.microsoft.com/office/powerpoint/2010/main" xmlns:p15="http://schemas.microsoft.com/office/powerpoint/2012/main" xmlns:mc="http://schemas.openxmlformats.org/markup-compatibility/2006">
+  <p:cSld>
+    <p:spTree>
+      <p:nvGrpSpPr>
+        <p:cNvPr id="1" name=""/>
+        <p:cNvGrpSpPr/>
+        <p:nvPr/>
+      </p:nvGrpSpPr>
+      <p:grpSpPr>
+        <a:xfrm>
+          <a:off x="0" y="0"/>
+          <a:ext cx="0" cy="0"/>
+          <a:chOff x="0" y="0"/>
+          <a:chExt cx="0" cy="0"/>
+        </a:xfrm>
+      </p:grpSpPr>
+      <p:sp>
+        <p:nvSpPr>
+          <p:cNvPr id="313" name="PlaceHolder 1"/>
+          <p:cNvSpPr>
+            <a:spLocks noGrp="1"/>
+          </p:cNvSpPr>
+          <p:nvPr>
+            <p:ph type="sldImg"/>
+          </p:nvPr>
+        </p:nvSpPr>
+        <p:spPr>
+          <a:xfrm>
+            <a:off x="1376280" y="1336680"/>
+            <a:ext cx="4800600" cy="3600720"/>
+          </a:xfrm>
+          <a:prstGeom prst="rect">
+            <a:avLst/>
+          </a:prstGeom>
+          <a:ln w="0">
+            <a:noFill/>
+          </a:ln>
+        </p:spPr>
+      </p:sp>
+      <p:sp>
+        <p:nvSpPr>
+          <p:cNvPr id="314" name="PlaceHolder 2"/>
+          <p:cNvSpPr>
+            <a:spLocks noGrp="1"/>
+          </p:cNvSpPr>
+          <p:nvPr>
+            <p:ph type="body"/>
+          </p:nvPr>
+        </p:nvSpPr>
+        <p:spPr>
+          <a:xfrm>
+            <a:off x="756000" y="5145120"/>
+            <a:ext cx="6040080" cy="4202280"/>
+          </a:xfrm>
+          <a:prstGeom prst="rect">
+            <a:avLst/>
+          </a:prstGeom>
+          <a:noFill/>
+          <a:ln w="0">
+            <a:noFill/>
+          </a:ln>
+        </p:spPr>
+        <p:txBody>
+          <a:bodyPr lIns="0" rIns="0" tIns="0" bIns="0" anchor="t">
+            <a:noAutofit/>
+          </a:bodyPr>
+          <a:p>
+            <a:pPr marL="216000" indent="-216000">
+              <a:buNone/>
+            </a:pPr>
+            <a:endParaRPr b="0" lang="en-US" sz="1800" spc="-1" strike="noStrike">
+              <a:solidFill>
+                <a:srgbClr val="000000"/>
+              </a:solidFill>
+              <a:latin typeface="Arial"/>
+            </a:endParaRPr>
+          </a:p>
+        </p:txBody>
+      </p:sp>
+      <p:sp>
+        <p:nvSpPr>
+          <p:cNvPr id="315" name="CustomShape 3"/>
+          <p:cNvSpPr/>
+          <p:nvPr/>
+        </p:nvSpPr>
+        <p:spPr>
+          <a:xfrm>
+            <a:off x="0" y="10155240"/>
+            <a:ext cx="3268440" cy="528840"/>
+          </a:xfrm>
+          <a:prstGeom prst="rect">
+            <a:avLst/>
+          </a:prstGeom>
+          <a:noFill/>
+          <a:ln w="0">
+            <a:noFill/>
+          </a:ln>
+        </p:spPr>
+        <p:style>
+          <a:lnRef idx="0"/>
+          <a:fillRef idx="0"/>
+          <a:effectRef idx="0"/>
+          <a:fontRef idx="minor"/>
+        </p:style>
+        <p:txBody>
+          <a:bodyPr lIns="90000" rIns="90000" tIns="45000" bIns="45000" anchor="b">
+            <a:noAutofit/>
+          </a:bodyPr>
+          <a:p>
+            <a:pPr>
+              <a:lnSpc>
+                <a:spcPct val="100000"/>
+              </a:lnSpc>
+            </a:pPr>
+            <a:r>
+              <a:rPr b="0" lang="pt-BR" sz="1200" spc="-1" strike="noStrike">
+                <a:solidFill>
+                  <a:srgbClr val="000000"/>
+                </a:solidFill>
+                <a:latin typeface="Times New Roman"/>
+                <a:ea typeface="+mn-ea"/>
+              </a:rPr>
+              <a:t>Prof. André Hochuli</a:t>
+            </a:r>
+            <a:endParaRPr b="0" lang="en-US" sz="1200" spc="-1" strike="noStrike">
+              <a:solidFill>
+                <a:srgbClr val="000000"/>
+              </a:solidFill>
+              <a:latin typeface="Arial"/>
+            </a:endParaRPr>
+          </a:p>
+        </p:txBody>
+      </p:sp>
+    </p:spTree>
+  </p:cSld>
+</p:notes>
+</file>
+
+<file path=ppt/notesSlides/notesSlide14.xml><?xml version="1.0" encoding="utf-8"?>
+<p:notes xmlns:a="http://schemas.openxmlformats.org/drawingml/2006/main" xmlns:p="http://schemas.openxmlformats.org/presentationml/2006/main" xmlns:r="http://schemas.openxmlformats.org/officeDocument/2006/relationships" xmlns:p14="http://schemas.microsoft.com/office/powerpoint/2010/main" xmlns:p15="http://schemas.microsoft.com/office/powerpoint/2012/main" xmlns:mc="http://schemas.openxmlformats.org/markup-compatibility/2006">
+  <p:cSld>
+    <p:spTree>
+      <p:nvGrpSpPr>
+        <p:cNvPr id="1" name=""/>
+        <p:cNvGrpSpPr/>
+        <p:nvPr/>
+      </p:nvGrpSpPr>
+      <p:grpSpPr>
+        <a:xfrm>
+          <a:off x="0" y="0"/>
+          <a:ext cx="0" cy="0"/>
+          <a:chOff x="0" y="0"/>
+          <a:chExt cx="0" cy="0"/>
+        </a:xfrm>
+      </p:grpSpPr>
+      <p:sp>
+        <p:nvSpPr>
+          <p:cNvPr id="316" name="PlaceHolder 1"/>
+          <p:cNvSpPr>
+            <a:spLocks noGrp="1"/>
+          </p:cNvSpPr>
+          <p:nvPr>
+            <p:ph type="sldImg"/>
+          </p:nvPr>
+        </p:nvSpPr>
+        <p:spPr>
+          <a:xfrm>
+            <a:off x="1376280" y="1336680"/>
+            <a:ext cx="4800600" cy="3600720"/>
+          </a:xfrm>
+          <a:prstGeom prst="rect">
+            <a:avLst/>
+          </a:prstGeom>
+          <a:ln w="0">
+            <a:noFill/>
+          </a:ln>
+        </p:spPr>
+      </p:sp>
+      <p:sp>
+        <p:nvSpPr>
+          <p:cNvPr id="317" name="PlaceHolder 2"/>
+          <p:cNvSpPr>
+            <a:spLocks noGrp="1"/>
+          </p:cNvSpPr>
+          <p:nvPr>
+            <p:ph type="body"/>
+          </p:nvPr>
+        </p:nvSpPr>
+        <p:spPr>
+          <a:xfrm>
+            <a:off x="756000" y="5145120"/>
+            <a:ext cx="6040080" cy="4202280"/>
+          </a:xfrm>
+          <a:prstGeom prst="rect">
+            <a:avLst/>
+          </a:prstGeom>
+          <a:noFill/>
+          <a:ln w="0">
+            <a:noFill/>
+          </a:ln>
+        </p:spPr>
+        <p:txBody>
+          <a:bodyPr lIns="0" rIns="0" tIns="0" bIns="0" anchor="t">
+            <a:noAutofit/>
+          </a:bodyPr>
+          <a:p>
+            <a:pPr marL="216000" indent="-216000">
+              <a:buNone/>
+            </a:pPr>
+            <a:endParaRPr b="0" lang="en-US" sz="1800" spc="-1" strike="noStrike">
+              <a:solidFill>
+                <a:srgbClr val="000000"/>
+              </a:solidFill>
+              <a:latin typeface="Arial"/>
+            </a:endParaRPr>
+          </a:p>
+        </p:txBody>
+      </p:sp>
+      <p:sp>
+        <p:nvSpPr>
+          <p:cNvPr id="318" name="CustomShape 3"/>
+          <p:cNvSpPr/>
+          <p:nvPr/>
+        </p:nvSpPr>
+        <p:spPr>
+          <a:xfrm>
+            <a:off x="0" y="10155240"/>
+            <a:ext cx="3268440" cy="528840"/>
+          </a:xfrm>
+          <a:prstGeom prst="rect">
+            <a:avLst/>
+          </a:prstGeom>
+          <a:noFill/>
+          <a:ln w="0">
+            <a:noFill/>
+          </a:ln>
+        </p:spPr>
+        <p:style>
+          <a:lnRef idx="0"/>
+          <a:fillRef idx="0"/>
+          <a:effectRef idx="0"/>
+          <a:fontRef idx="minor"/>
+        </p:style>
+        <p:txBody>
+          <a:bodyPr lIns="90000" rIns="90000" tIns="45000" bIns="45000" anchor="b">
+            <a:noAutofit/>
+          </a:bodyPr>
+          <a:p>
+            <a:pPr>
+              <a:lnSpc>
+                <a:spcPct val="100000"/>
+              </a:lnSpc>
+            </a:pPr>
+            <a:r>
+              <a:rPr b="0" lang="pt-BR" sz="1200" spc="-1" strike="noStrike">
+                <a:solidFill>
+                  <a:srgbClr val="000000"/>
+                </a:solidFill>
+                <a:latin typeface="Times New Roman"/>
+                <a:ea typeface="+mn-ea"/>
+              </a:rPr>
+              <a:t>Prof. André Hochuli</a:t>
+            </a:r>
+            <a:endParaRPr b="0" lang="en-US" sz="1200" spc="-1" strike="noStrike">
+              <a:solidFill>
+                <a:srgbClr val="000000"/>
+              </a:solidFill>
+              <a:latin typeface="Arial"/>
+            </a:endParaRPr>
+          </a:p>
+        </p:txBody>
+      </p:sp>
+    </p:spTree>
+  </p:cSld>
+</p:notes>
+</file>
+
+<file path=ppt/notesSlides/notesSlide15.xml><?xml version="1.0" encoding="utf-8"?>
+<p:notes xmlns:a="http://schemas.openxmlformats.org/drawingml/2006/main" xmlns:p="http://schemas.openxmlformats.org/presentationml/2006/main" xmlns:r="http://schemas.openxmlformats.org/officeDocument/2006/relationships" xmlns:p14="http://schemas.microsoft.com/office/powerpoint/2010/main" xmlns:p15="http://schemas.microsoft.com/office/powerpoint/2012/main" xmlns:mc="http://schemas.openxmlformats.org/markup-compatibility/2006">
+  <p:cSld>
+    <p:spTree>
+      <p:nvGrpSpPr>
+        <p:cNvPr id="1" name=""/>
+        <p:cNvGrpSpPr/>
+        <p:nvPr/>
+      </p:nvGrpSpPr>
+      <p:grpSpPr>
+        <a:xfrm>
+          <a:off x="0" y="0"/>
+          <a:ext cx="0" cy="0"/>
+          <a:chOff x="0" y="0"/>
+          <a:chExt cx="0" cy="0"/>
+        </a:xfrm>
+      </p:grpSpPr>
+      <p:sp>
+        <p:nvSpPr>
+          <p:cNvPr id="319" name="PlaceHolder 1"/>
+          <p:cNvSpPr>
+            <a:spLocks noGrp="1"/>
+          </p:cNvSpPr>
+          <p:nvPr>
+            <p:ph type="sldImg"/>
+          </p:nvPr>
+        </p:nvSpPr>
+        <p:spPr>
+          <a:xfrm>
+            <a:off x="1376280" y="1336680"/>
+            <a:ext cx="4800600" cy="3600720"/>
+          </a:xfrm>
+          <a:prstGeom prst="rect">
+            <a:avLst/>
+          </a:prstGeom>
+          <a:ln w="0">
+            <a:noFill/>
+          </a:ln>
+        </p:spPr>
+      </p:sp>
+      <p:sp>
+        <p:nvSpPr>
+          <p:cNvPr id="320" name="PlaceHolder 2"/>
+          <p:cNvSpPr>
+            <a:spLocks noGrp="1"/>
+          </p:cNvSpPr>
+          <p:nvPr>
+            <p:ph type="body"/>
+          </p:nvPr>
+        </p:nvSpPr>
+        <p:spPr>
+          <a:xfrm>
+            <a:off x="756000" y="5145120"/>
+            <a:ext cx="6040080" cy="4202280"/>
+          </a:xfrm>
+          <a:prstGeom prst="rect">
+            <a:avLst/>
+          </a:prstGeom>
+          <a:noFill/>
+          <a:ln w="0">
+            <a:noFill/>
+          </a:ln>
+        </p:spPr>
+        <p:txBody>
+          <a:bodyPr lIns="0" rIns="0" tIns="0" bIns="0" anchor="t">
+            <a:noAutofit/>
+          </a:bodyPr>
+          <a:p>
+            <a:pPr marL="216000" indent="-216000">
+              <a:buNone/>
+            </a:pPr>
+            <a:endParaRPr b="0" lang="en-US" sz="1800" spc="-1" strike="noStrike">
+              <a:solidFill>
+                <a:srgbClr val="000000"/>
+              </a:solidFill>
+              <a:latin typeface="Arial"/>
+            </a:endParaRPr>
+          </a:p>
+        </p:txBody>
+      </p:sp>
+      <p:sp>
+        <p:nvSpPr>
+          <p:cNvPr id="321" name="CustomShape 14"/>
+          <p:cNvSpPr/>
+          <p:nvPr/>
+        </p:nvSpPr>
+        <p:spPr>
+          <a:xfrm>
+            <a:off x="0" y="10155240"/>
+            <a:ext cx="3268440" cy="528840"/>
+          </a:xfrm>
+          <a:prstGeom prst="rect">
+            <a:avLst/>
+          </a:prstGeom>
+          <a:noFill/>
+          <a:ln w="0">
+            <a:noFill/>
+          </a:ln>
+        </p:spPr>
+        <p:style>
+          <a:lnRef idx="0"/>
+          <a:fillRef idx="0"/>
+          <a:effectRef idx="0"/>
+          <a:fontRef idx="minor"/>
+        </p:style>
+        <p:txBody>
+          <a:bodyPr lIns="90000" rIns="90000" tIns="45000" bIns="45000" anchor="b">
+            <a:noAutofit/>
+          </a:bodyPr>
+          <a:p>
+            <a:pPr>
+              <a:lnSpc>
+                <a:spcPct val="100000"/>
+              </a:lnSpc>
+            </a:pPr>
+            <a:r>
+              <a:rPr b="0" lang="pt-BR" sz="1200" spc="-1" strike="noStrike">
+                <a:solidFill>
+                  <a:srgbClr val="000000"/>
+                </a:solidFill>
+                <a:latin typeface="Times New Roman"/>
+                <a:ea typeface="+mn-ea"/>
+              </a:rPr>
+              <a:t>Prof. André Hochuli</a:t>
+            </a:r>
+            <a:endParaRPr b="0" lang="en-US" sz="1200" spc="-1" strike="noStrike">
+              <a:solidFill>
+                <a:srgbClr val="000000"/>
+              </a:solidFill>
+              <a:latin typeface="Arial"/>
+            </a:endParaRPr>
+          </a:p>
+        </p:txBody>
+      </p:sp>
+    </p:spTree>
+  </p:cSld>
+</p:notes>
+</file>
+
+<file path=ppt/notesSlides/notesSlide16.xml><?xml version="1.0" encoding="utf-8"?>
+<p:notes xmlns:a="http://schemas.openxmlformats.org/drawingml/2006/main" xmlns:p="http://schemas.openxmlformats.org/presentationml/2006/main" xmlns:r="http://schemas.openxmlformats.org/officeDocument/2006/relationships" xmlns:p14="http://schemas.microsoft.com/office/powerpoint/2010/main" xmlns:p15="http://schemas.microsoft.com/office/powerpoint/2012/main" xmlns:mc="http://schemas.openxmlformats.org/markup-compatibility/2006">
+  <p:cSld>
+    <p:spTree>
+      <p:nvGrpSpPr>
+        <p:cNvPr id="1" name=""/>
+        <p:cNvGrpSpPr/>
+        <p:nvPr/>
+      </p:nvGrpSpPr>
+      <p:grpSpPr>
+        <a:xfrm>
+          <a:off x="0" y="0"/>
+          <a:ext cx="0" cy="0"/>
+          <a:chOff x="0" y="0"/>
+          <a:chExt cx="0" cy="0"/>
+        </a:xfrm>
+      </p:grpSpPr>
+      <p:sp>
+        <p:nvSpPr>
+          <p:cNvPr id="322" name="PlaceHolder 1"/>
+          <p:cNvSpPr>
+            <a:spLocks noGrp="1"/>
+          </p:cNvSpPr>
+          <p:nvPr>
+            <p:ph type="sldImg"/>
+          </p:nvPr>
+        </p:nvSpPr>
+        <p:spPr>
+          <a:xfrm>
+            <a:off x="1376280" y="1336680"/>
+            <a:ext cx="4800600" cy="3600720"/>
+          </a:xfrm>
+          <a:prstGeom prst="rect">
+            <a:avLst/>
+          </a:prstGeom>
+          <a:ln w="0">
+            <a:noFill/>
+          </a:ln>
+        </p:spPr>
+      </p:sp>
+      <p:sp>
+        <p:nvSpPr>
+          <p:cNvPr id="323" name="PlaceHolder 2"/>
+          <p:cNvSpPr>
+            <a:spLocks noGrp="1"/>
+          </p:cNvSpPr>
+          <p:nvPr>
+            <p:ph type="body"/>
+          </p:nvPr>
+        </p:nvSpPr>
+        <p:spPr>
+          <a:xfrm>
+            <a:off x="756000" y="5145120"/>
+            <a:ext cx="6040080" cy="4202280"/>
+          </a:xfrm>
+          <a:prstGeom prst="rect">
+            <a:avLst/>
+          </a:prstGeom>
+          <a:noFill/>
+          <a:ln w="0">
+            <a:noFill/>
+          </a:ln>
+        </p:spPr>
+        <p:txBody>
+          <a:bodyPr lIns="0" rIns="0" tIns="0" bIns="0" anchor="t">
+            <a:noAutofit/>
+          </a:bodyPr>
+          <a:p>
+            <a:pPr marL="216000" indent="-216000">
+              <a:buNone/>
+            </a:pPr>
+            <a:endParaRPr b="0" lang="en-US" sz="1800" spc="-1" strike="noStrike">
+              <a:solidFill>
+                <a:srgbClr val="000000"/>
+              </a:solidFill>
+              <a:latin typeface="Arial"/>
+            </a:endParaRPr>
+          </a:p>
+        </p:txBody>
+      </p:sp>
+      <p:sp>
+        <p:nvSpPr>
+          <p:cNvPr id="324" name="CustomShape 9"/>
+          <p:cNvSpPr/>
+          <p:nvPr/>
+        </p:nvSpPr>
+        <p:spPr>
+          <a:xfrm>
+            <a:off x="0" y="10155240"/>
+            <a:ext cx="3268440" cy="528840"/>
+          </a:xfrm>
+          <a:prstGeom prst="rect">
+            <a:avLst/>
+          </a:prstGeom>
+          <a:noFill/>
+          <a:ln w="0">
+            <a:noFill/>
+          </a:ln>
+        </p:spPr>
+        <p:style>
+          <a:lnRef idx="0"/>
+          <a:fillRef idx="0"/>
+          <a:effectRef idx="0"/>
+          <a:fontRef idx="minor"/>
+        </p:style>
+        <p:txBody>
+          <a:bodyPr lIns="90000" rIns="90000" tIns="45000" bIns="45000" anchor="b">
+            <a:noAutofit/>
+          </a:bodyPr>
+          <a:p>
+            <a:pPr>
+              <a:lnSpc>
+                <a:spcPct val="100000"/>
+              </a:lnSpc>
+            </a:pPr>
+            <a:r>
+              <a:rPr b="0" lang="pt-BR" sz="1200" spc="-1" strike="noStrike">
+                <a:solidFill>
+                  <a:srgbClr val="000000"/>
+                </a:solidFill>
+                <a:latin typeface="Times New Roman"/>
+                <a:ea typeface="+mn-ea"/>
+              </a:rPr>
+              <a:t>Prof. André Hochuli</a:t>
+            </a:r>
+            <a:endParaRPr b="0" lang="en-US" sz="1200" spc="-1" strike="noStrike">
+              <a:solidFill>
+                <a:srgbClr val="000000"/>
+              </a:solidFill>
+              <a:latin typeface="Arial"/>
+            </a:endParaRPr>
+          </a:p>
+        </p:txBody>
+      </p:sp>
+    </p:spTree>
+  </p:cSld>
+</p:notes>
+</file>
+
+<file path=ppt/notesSlides/notesSlide17.xml><?xml version="1.0" encoding="utf-8"?>
+<p:notes xmlns:a="http://schemas.openxmlformats.org/drawingml/2006/main" xmlns:p="http://schemas.openxmlformats.org/presentationml/2006/main" xmlns:r="http://schemas.openxmlformats.org/officeDocument/2006/relationships" xmlns:p14="http://schemas.microsoft.com/office/powerpoint/2010/main" xmlns:p15="http://schemas.microsoft.com/office/powerpoint/2012/main" xmlns:mc="http://schemas.openxmlformats.org/markup-compatibility/2006">
+  <p:cSld>
+    <p:spTree>
+      <p:nvGrpSpPr>
+        <p:cNvPr id="1" name=""/>
+        <p:cNvGrpSpPr/>
+        <p:nvPr/>
+      </p:nvGrpSpPr>
+      <p:grpSpPr>
+        <a:xfrm>
+          <a:off x="0" y="0"/>
+          <a:ext cx="0" cy="0"/>
+          <a:chOff x="0" y="0"/>
+          <a:chExt cx="0" cy="0"/>
+        </a:xfrm>
+      </p:grpSpPr>
+      <p:sp>
+        <p:nvSpPr>
+          <p:cNvPr id="325" name="PlaceHolder 1"/>
+          <p:cNvSpPr>
+            <a:spLocks noGrp="1"/>
+          </p:cNvSpPr>
+          <p:nvPr>
+            <p:ph type="sldImg"/>
+          </p:nvPr>
+        </p:nvSpPr>
+        <p:spPr>
+          <a:xfrm>
+            <a:off x="1376280" y="1336680"/>
+            <a:ext cx="4800600" cy="3600720"/>
+          </a:xfrm>
+          <a:prstGeom prst="rect">
+            <a:avLst/>
+          </a:prstGeom>
+          <a:ln w="0">
+            <a:noFill/>
+          </a:ln>
+        </p:spPr>
+      </p:sp>
+      <p:sp>
+        <p:nvSpPr>
+          <p:cNvPr id="326" name="PlaceHolder 2"/>
+          <p:cNvSpPr>
+            <a:spLocks noGrp="1"/>
+          </p:cNvSpPr>
+          <p:nvPr>
+            <p:ph type="body"/>
+          </p:nvPr>
+        </p:nvSpPr>
+        <p:spPr>
+          <a:xfrm>
+            <a:off x="756000" y="5145120"/>
+            <a:ext cx="6040080" cy="4202280"/>
+          </a:xfrm>
+          <a:prstGeom prst="rect">
+            <a:avLst/>
+          </a:prstGeom>
+          <a:noFill/>
+          <a:ln w="0">
+            <a:noFill/>
+          </a:ln>
+        </p:spPr>
+        <p:txBody>
+          <a:bodyPr lIns="0" rIns="0" tIns="0" bIns="0" anchor="t">
+            <a:noAutofit/>
+          </a:bodyPr>
+          <a:p>
+            <a:pPr marL="216000" indent="-216000">
+              <a:buNone/>
+            </a:pPr>
+            <a:endParaRPr b="0" lang="en-US" sz="1800" spc="-1" strike="noStrike">
+              <a:solidFill>
+                <a:srgbClr val="000000"/>
+              </a:solidFill>
+              <a:latin typeface="Arial"/>
+            </a:endParaRPr>
+          </a:p>
+        </p:txBody>
+      </p:sp>
+      <p:sp>
+        <p:nvSpPr>
+          <p:cNvPr id="327" name="CustomShape 3"/>
+          <p:cNvSpPr/>
+          <p:nvPr/>
+        </p:nvSpPr>
+        <p:spPr>
+          <a:xfrm>
+            <a:off x="0" y="10155240"/>
+            <a:ext cx="3268440" cy="528840"/>
+          </a:xfrm>
+          <a:prstGeom prst="rect">
+            <a:avLst/>
+          </a:prstGeom>
+          <a:noFill/>
+          <a:ln w="0">
+            <a:noFill/>
+          </a:ln>
+        </p:spPr>
+        <p:style>
+          <a:lnRef idx="0"/>
+          <a:fillRef idx="0"/>
+          <a:effectRef idx="0"/>
+          <a:fontRef idx="minor"/>
+        </p:style>
+        <p:txBody>
+          <a:bodyPr lIns="90000" rIns="90000" tIns="45000" bIns="45000" anchor="b">
+            <a:noAutofit/>
+          </a:bodyPr>
+          <a:p>
+            <a:pPr>
+              <a:lnSpc>
+                <a:spcPct val="100000"/>
+              </a:lnSpc>
+            </a:pPr>
+            <a:r>
+              <a:rPr b="0" lang="pt-BR" sz="1200" spc="-1" strike="noStrike">
+                <a:solidFill>
+                  <a:srgbClr val="000000"/>
+                </a:solidFill>
+                <a:latin typeface="Times New Roman"/>
+                <a:ea typeface="+mn-ea"/>
+              </a:rPr>
+              <a:t>Prof. André Hochuli</a:t>
+            </a:r>
+            <a:endParaRPr b="0" lang="en-US" sz="1200" spc="-1" strike="noStrike">
+              <a:solidFill>
+                <a:srgbClr val="000000"/>
+              </a:solidFill>
+              <a:latin typeface="Arial"/>
+            </a:endParaRPr>
+          </a:p>
+        </p:txBody>
+      </p:sp>
+    </p:spTree>
+  </p:cSld>
+</p:notes>
+</file>
+
+<file path=ppt/notesSlides/notesSlide18.xml><?xml version="1.0" encoding="utf-8"?>
+<p:notes xmlns:a="http://schemas.openxmlformats.org/drawingml/2006/main" xmlns:p="http://schemas.openxmlformats.org/presentationml/2006/main" xmlns:r="http://schemas.openxmlformats.org/officeDocument/2006/relationships" xmlns:p14="http://schemas.microsoft.com/office/powerpoint/2010/main" xmlns:p15="http://schemas.microsoft.com/office/powerpoint/2012/main" xmlns:mc="http://schemas.openxmlformats.org/markup-compatibility/2006">
+  <p:cSld>
+    <p:spTree>
+      <p:nvGrpSpPr>
+        <p:cNvPr id="1" name=""/>
+        <p:cNvGrpSpPr/>
+        <p:nvPr/>
+      </p:nvGrpSpPr>
+      <p:grpSpPr>
+        <a:xfrm>
+          <a:off x="0" y="0"/>
+          <a:ext cx="0" cy="0"/>
+          <a:chOff x="0" y="0"/>
+          <a:chExt cx="0" cy="0"/>
+        </a:xfrm>
+      </p:grpSpPr>
+      <p:sp>
+        <p:nvSpPr>
+          <p:cNvPr id="328" name="PlaceHolder 1"/>
+          <p:cNvSpPr>
+            <a:spLocks noGrp="1"/>
+          </p:cNvSpPr>
+          <p:nvPr>
+            <p:ph type="sldImg"/>
+          </p:nvPr>
+        </p:nvSpPr>
+        <p:spPr>
+          <a:xfrm>
+            <a:off x="1376280" y="1336680"/>
+            <a:ext cx="4800600" cy="3600720"/>
+          </a:xfrm>
+          <a:prstGeom prst="rect">
+            <a:avLst/>
+          </a:prstGeom>
+          <a:ln w="0">
+            <a:noFill/>
+          </a:ln>
+        </p:spPr>
+      </p:sp>
+      <p:sp>
+        <p:nvSpPr>
+          <p:cNvPr id="329" name="PlaceHolder 2"/>
+          <p:cNvSpPr>
+            <a:spLocks noGrp="1"/>
+          </p:cNvSpPr>
+          <p:nvPr>
+            <p:ph type="body"/>
+          </p:nvPr>
+        </p:nvSpPr>
+        <p:spPr>
+          <a:xfrm>
+            <a:off x="756000" y="5145120"/>
+            <a:ext cx="6040080" cy="4202280"/>
+          </a:xfrm>
+          <a:prstGeom prst="rect">
+            <a:avLst/>
+          </a:prstGeom>
+          <a:noFill/>
+          <a:ln w="0">
+            <a:noFill/>
+          </a:ln>
+        </p:spPr>
+        <p:txBody>
+          <a:bodyPr lIns="0" rIns="0" tIns="0" bIns="0" anchor="t">
+            <a:noAutofit/>
+          </a:bodyPr>
+          <a:p>
+            <a:pPr marL="216000" indent="-216000">
+              <a:buNone/>
+            </a:pPr>
+            <a:endParaRPr b="0" lang="en-US" sz="1800" spc="-1" strike="noStrike">
+              <a:solidFill>
+                <a:srgbClr val="000000"/>
+              </a:solidFill>
+              <a:latin typeface="Arial"/>
+            </a:endParaRPr>
+          </a:p>
+        </p:txBody>
+      </p:sp>
+      <p:sp>
+        <p:nvSpPr>
+          <p:cNvPr id="330" name="CustomShape 3"/>
+          <p:cNvSpPr/>
+          <p:nvPr/>
+        </p:nvSpPr>
+        <p:spPr>
+          <a:xfrm>
+            <a:off x="0" y="10155240"/>
+            <a:ext cx="3268440" cy="528840"/>
+          </a:xfrm>
+          <a:prstGeom prst="rect">
+            <a:avLst/>
+          </a:prstGeom>
+          <a:noFill/>
+          <a:ln w="0">
+            <a:noFill/>
+          </a:ln>
+        </p:spPr>
+        <p:style>
+          <a:lnRef idx="0"/>
+          <a:fillRef idx="0"/>
+          <a:effectRef idx="0"/>
+          <a:fontRef idx="minor"/>
+        </p:style>
+        <p:txBody>
+          <a:bodyPr lIns="90000" rIns="90000" tIns="45000" bIns="45000" anchor="b">
+            <a:noAutofit/>
+          </a:bodyPr>
+          <a:p>
+            <a:pPr>
+              <a:lnSpc>
+                <a:spcPct val="100000"/>
+              </a:lnSpc>
+            </a:pPr>
+            <a:r>
+              <a:rPr b="0" lang="pt-BR" sz="1200" spc="-1" strike="noStrike">
+                <a:solidFill>
+                  <a:srgbClr val="000000"/>
+                </a:solidFill>
+                <a:latin typeface="Times New Roman"/>
+                <a:ea typeface="+mn-ea"/>
+              </a:rPr>
+              <a:t>Prof. André Hochuli</a:t>
+            </a:r>
+            <a:endParaRPr b="0" lang="en-US" sz="1200" spc="-1" strike="noStrike">
+              <a:solidFill>
+                <a:srgbClr val="000000"/>
+              </a:solidFill>
+              <a:latin typeface="Arial"/>
+            </a:endParaRPr>
+          </a:p>
+        </p:txBody>
+      </p:sp>
+    </p:spTree>
+  </p:cSld>
+</p:notes>
+</file>
+
+<file path=ppt/notesSlides/notesSlide2.xml><?xml version="1.0" encoding="utf-8"?>
+<p:notes xmlns:a="http://schemas.openxmlformats.org/drawingml/2006/main" xmlns:p="http://schemas.openxmlformats.org/presentationml/2006/main" xmlns:r="http://schemas.openxmlformats.org/officeDocument/2006/relationships" xmlns:p14="http://schemas.microsoft.com/office/powerpoint/2010/main" xmlns:p15="http://schemas.microsoft.com/office/powerpoint/2012/main" xmlns:mc="http://schemas.openxmlformats.org/markup-compatibility/2006">
+  <p:cSld>
+    <p:spTree>
+      <p:nvGrpSpPr>
+        <p:cNvPr id="1" name=""/>
+        <p:cNvGrpSpPr/>
+        <p:nvPr/>
+      </p:nvGrpSpPr>
+      <p:grpSpPr>
+        <a:xfrm>
+          <a:off x="0" y="0"/>
+          <a:ext cx="0" cy="0"/>
+          <a:chOff x="0" y="0"/>
+          <a:chExt cx="0" cy="0"/>
+        </a:xfrm>
+      </p:grpSpPr>
+      <p:sp>
+        <p:nvSpPr>
+          <p:cNvPr id="280" name="PlaceHolder 1"/>
+          <p:cNvSpPr>
+            <a:spLocks noGrp="1"/>
+          </p:cNvSpPr>
+          <p:nvPr>
+            <p:ph type="sldImg"/>
+          </p:nvPr>
+        </p:nvSpPr>
+        <p:spPr>
+          <a:xfrm>
+            <a:off x="1376280" y="1336680"/>
+            <a:ext cx="4800600" cy="3600720"/>
+          </a:xfrm>
+          <a:prstGeom prst="rect">
+            <a:avLst/>
+          </a:prstGeom>
+          <a:ln w="0">
+            <a:noFill/>
+          </a:ln>
+        </p:spPr>
+      </p:sp>
+      <p:sp>
+        <p:nvSpPr>
+          <p:cNvPr id="281" name="PlaceHolder 2"/>
+          <p:cNvSpPr>
+            <a:spLocks noGrp="1"/>
+          </p:cNvSpPr>
+          <p:nvPr>
+            <p:ph type="body"/>
+          </p:nvPr>
+        </p:nvSpPr>
+        <p:spPr>
+          <a:xfrm>
+            <a:off x="756000" y="5145120"/>
+            <a:ext cx="6040080" cy="4202280"/>
+          </a:xfrm>
+          <a:prstGeom prst="rect">
+            <a:avLst/>
+          </a:prstGeom>
+          <a:noFill/>
+          <a:ln w="0">
+            <a:noFill/>
+          </a:ln>
+        </p:spPr>
+        <p:txBody>
+          <a:bodyPr lIns="0" rIns="0" tIns="0" bIns="0" anchor="t">
+            <a:noAutofit/>
+          </a:bodyPr>
+          <a:p>
+            <a:pPr marL="216000" indent="-216000">
+              <a:buNone/>
+            </a:pPr>
+            <a:endParaRPr b="0" lang="en-US" sz="1800" spc="-1" strike="noStrike">
+              <a:solidFill>
+                <a:srgbClr val="000000"/>
+              </a:solidFill>
+              <a:latin typeface="Arial"/>
+            </a:endParaRPr>
+          </a:p>
+        </p:txBody>
+      </p:sp>
+      <p:sp>
+        <p:nvSpPr>
+          <p:cNvPr id="282" name="CustomShape 3"/>
+          <p:cNvSpPr/>
+          <p:nvPr/>
+        </p:nvSpPr>
+        <p:spPr>
+          <a:xfrm>
+            <a:off x="0" y="10155240"/>
+            <a:ext cx="3268440" cy="528840"/>
+          </a:xfrm>
+          <a:prstGeom prst="rect">
+            <a:avLst/>
+          </a:prstGeom>
+          <a:noFill/>
+          <a:ln w="0">
+            <a:noFill/>
+          </a:ln>
+        </p:spPr>
+        <p:style>
+          <a:lnRef idx="0"/>
+          <a:fillRef idx="0"/>
+          <a:effectRef idx="0"/>
+          <a:fontRef idx="minor"/>
+        </p:style>
+        <p:txBody>
+          <a:bodyPr lIns="90000" rIns="90000" tIns="45000" bIns="45000" anchor="b">
+            <a:noAutofit/>
+          </a:bodyPr>
+          <a:p>
+            <a:pPr>
+              <a:lnSpc>
+                <a:spcPct val="100000"/>
+              </a:lnSpc>
+            </a:pPr>
+            <a:r>
+              <a:rPr b="0" lang="pt-BR" sz="1200" spc="-1" strike="noStrike">
+                <a:solidFill>
+                  <a:srgbClr val="000000"/>
+                </a:solidFill>
+                <a:latin typeface="Times New Roman"/>
+                <a:ea typeface="+mn-ea"/>
+              </a:rPr>
+              <a:t>Prof. André Hochuli</a:t>
+            </a:r>
+            <a:endParaRPr b="0" lang="en-US" sz="1200" spc="-1" strike="noStrike">
+              <a:solidFill>
+                <a:srgbClr val="000000"/>
+              </a:solidFill>
+              <a:latin typeface="Arial"/>
+            </a:endParaRPr>
+          </a:p>
+        </p:txBody>
+      </p:sp>
+    </p:spTree>
+  </p:cSld>
+</p:notes>
+</file>
+
+<file path=ppt/notesSlides/notesSlide3.xml><?xml version="1.0" encoding="utf-8"?>
+<p:notes xmlns:a="http://schemas.openxmlformats.org/drawingml/2006/main" xmlns:p="http://schemas.openxmlformats.org/presentationml/2006/main" xmlns:r="http://schemas.openxmlformats.org/officeDocument/2006/relationships" xmlns:p14="http://schemas.microsoft.com/office/powerpoint/2010/main" xmlns:p15="http://schemas.microsoft.com/office/powerpoint/2012/main" xmlns:mc="http://schemas.openxmlformats.org/markup-compatibility/2006">
+  <p:cSld>
+    <p:spTree>
+      <p:nvGrpSpPr>
+        <p:cNvPr id="1" name=""/>
+        <p:cNvGrpSpPr/>
+        <p:nvPr/>
+      </p:nvGrpSpPr>
+      <p:grpSpPr>
+        <a:xfrm>
+          <a:off x="0" y="0"/>
+          <a:ext cx="0" cy="0"/>
+          <a:chOff x="0" y="0"/>
+          <a:chExt cx="0" cy="0"/>
+        </a:xfrm>
+      </p:grpSpPr>
+      <p:sp>
+        <p:nvSpPr>
+          <p:cNvPr id="283" name="PlaceHolder 1"/>
+          <p:cNvSpPr>
+            <a:spLocks noGrp="1"/>
+          </p:cNvSpPr>
+          <p:nvPr>
+            <p:ph type="sldImg"/>
+          </p:nvPr>
+        </p:nvSpPr>
+        <p:spPr>
+          <a:xfrm>
+            <a:off x="1376280" y="1336680"/>
+            <a:ext cx="4800600" cy="3600720"/>
+          </a:xfrm>
+          <a:prstGeom prst="rect">
+            <a:avLst/>
+          </a:prstGeom>
+          <a:ln w="0">
+            <a:noFill/>
+          </a:ln>
+        </p:spPr>
+      </p:sp>
+      <p:sp>
+        <p:nvSpPr>
+          <p:cNvPr id="284" name="PlaceHolder 2"/>
+          <p:cNvSpPr>
+            <a:spLocks noGrp="1"/>
+          </p:cNvSpPr>
+          <p:nvPr>
+            <p:ph type="body"/>
+          </p:nvPr>
+        </p:nvSpPr>
+        <p:spPr>
+          <a:xfrm>
+            <a:off x="756000" y="5145120"/>
+            <a:ext cx="6040080" cy="4202280"/>
+          </a:xfrm>
+          <a:prstGeom prst="rect">
+            <a:avLst/>
+          </a:prstGeom>
+          <a:noFill/>
+          <a:ln w="0">
+            <a:noFill/>
+          </a:ln>
+        </p:spPr>
+        <p:txBody>
+          <a:bodyPr lIns="0" rIns="0" tIns="0" bIns="0" anchor="t">
+            <a:noAutofit/>
+          </a:bodyPr>
+          <a:p>
+            <a:pPr marL="216000" indent="-216000">
+              <a:buNone/>
+            </a:pPr>
+            <a:endParaRPr b="0" lang="en-US" sz="1800" spc="-1" strike="noStrike">
+              <a:solidFill>
+                <a:srgbClr val="000000"/>
+              </a:solidFill>
+              <a:latin typeface="Arial"/>
+            </a:endParaRPr>
+          </a:p>
+        </p:txBody>
+      </p:sp>
+      <p:sp>
+        <p:nvSpPr>
+          <p:cNvPr id="285" name="CustomShape 8"/>
+          <p:cNvSpPr/>
+          <p:nvPr/>
+        </p:nvSpPr>
+        <p:spPr>
+          <a:xfrm>
+            <a:off x="0" y="10155240"/>
+            <a:ext cx="3268440" cy="528840"/>
+          </a:xfrm>
+          <a:prstGeom prst="rect">
+            <a:avLst/>
+          </a:prstGeom>
+          <a:noFill/>
+          <a:ln w="0">
+            <a:noFill/>
+          </a:ln>
+        </p:spPr>
+        <p:style>
+          <a:lnRef idx="0"/>
+          <a:fillRef idx="0"/>
+          <a:effectRef idx="0"/>
+          <a:fontRef idx="minor"/>
+        </p:style>
+        <p:txBody>
+          <a:bodyPr lIns="90000" rIns="90000" tIns="45000" bIns="45000" anchor="b">
+            <a:noAutofit/>
+          </a:bodyPr>
+          <a:p>
+            <a:pPr>
+              <a:lnSpc>
+                <a:spcPct val="100000"/>
+              </a:lnSpc>
+            </a:pPr>
+            <a:r>
+              <a:rPr b="0" lang="pt-BR" sz="1200" spc="-1" strike="noStrike">
+                <a:solidFill>
+                  <a:srgbClr val="000000"/>
+                </a:solidFill>
+                <a:latin typeface="Times New Roman"/>
+                <a:ea typeface="+mn-ea"/>
+              </a:rPr>
+              <a:t>Prof. André Hochuli</a:t>
+            </a:r>
+            <a:endParaRPr b="0" lang="en-US" sz="1200" spc="-1" strike="noStrike">
+              <a:solidFill>
+                <a:srgbClr val="000000"/>
+              </a:solidFill>
+              <a:latin typeface="Arial"/>
+            </a:endParaRPr>
+          </a:p>
+        </p:txBody>
+      </p:sp>
+    </p:spTree>
+  </p:cSld>
+</p:notes>
+</file>
+
+<file path=ppt/notesSlides/notesSlide4.xml><?xml version="1.0" encoding="utf-8"?>
+<p:notes xmlns:a="http://schemas.openxmlformats.org/drawingml/2006/main" xmlns:p="http://schemas.openxmlformats.org/presentationml/2006/main" xmlns:r="http://schemas.openxmlformats.org/officeDocument/2006/relationships" xmlns:p14="http://schemas.microsoft.com/office/powerpoint/2010/main" xmlns:p15="http://schemas.microsoft.com/office/powerpoint/2012/main" xmlns:mc="http://schemas.openxmlformats.org/markup-compatibility/2006">
+  <p:cSld>
+    <p:spTree>
+      <p:nvGrpSpPr>
+        <p:cNvPr id="1" name=""/>
+        <p:cNvGrpSpPr/>
+        <p:nvPr/>
+      </p:nvGrpSpPr>
+      <p:grpSpPr>
+        <a:xfrm>
+          <a:off x="0" y="0"/>
+          <a:ext cx="0" cy="0"/>
+          <a:chOff x="0" y="0"/>
+          <a:chExt cx="0" cy="0"/>
+        </a:xfrm>
+      </p:grpSpPr>
+      <p:sp>
+        <p:nvSpPr>
+          <p:cNvPr id="286" name="PlaceHolder 1"/>
+          <p:cNvSpPr>
+            <a:spLocks noGrp="1"/>
+          </p:cNvSpPr>
+          <p:nvPr>
+            <p:ph type="sldImg"/>
+          </p:nvPr>
+        </p:nvSpPr>
+        <p:spPr>
+          <a:xfrm>
+            <a:off x="1376280" y="1336680"/>
+            <a:ext cx="4800600" cy="3600720"/>
+          </a:xfrm>
+          <a:prstGeom prst="rect">
+            <a:avLst/>
+          </a:prstGeom>
+          <a:ln w="0">
+            <a:noFill/>
+          </a:ln>
+        </p:spPr>
+      </p:sp>
+      <p:sp>
+        <p:nvSpPr>
+          <p:cNvPr id="287" name="PlaceHolder 2"/>
+          <p:cNvSpPr>
+            <a:spLocks noGrp="1"/>
+          </p:cNvSpPr>
+          <p:nvPr>
+            <p:ph type="body"/>
+          </p:nvPr>
+        </p:nvSpPr>
+        <p:spPr>
+          <a:xfrm>
+            <a:off x="756000" y="5145120"/>
+            <a:ext cx="6040080" cy="4202280"/>
+          </a:xfrm>
+          <a:prstGeom prst="rect">
+            <a:avLst/>
+          </a:prstGeom>
+          <a:noFill/>
+          <a:ln w="0">
+            <a:noFill/>
+          </a:ln>
+        </p:spPr>
+        <p:txBody>
+          <a:bodyPr lIns="0" rIns="0" tIns="0" bIns="0" anchor="t">
+            <a:noAutofit/>
+          </a:bodyPr>
+          <a:p>
+            <a:pPr marL="216000" indent="-216000">
+              <a:buNone/>
+            </a:pPr>
+            <a:endParaRPr b="0" lang="en-US" sz="1800" spc="-1" strike="noStrike">
+              <a:solidFill>
+                <a:srgbClr val="000000"/>
+              </a:solidFill>
+              <a:latin typeface="Arial"/>
+            </a:endParaRPr>
+          </a:p>
+        </p:txBody>
+      </p:sp>
+      <p:sp>
+        <p:nvSpPr>
+          <p:cNvPr id="288" name="CustomShape 3"/>
+          <p:cNvSpPr/>
+          <p:nvPr/>
+        </p:nvSpPr>
+        <p:spPr>
+          <a:xfrm>
+            <a:off x="0" y="10155240"/>
+            <a:ext cx="3268440" cy="528840"/>
+          </a:xfrm>
+          <a:prstGeom prst="rect">
+            <a:avLst/>
+          </a:prstGeom>
+          <a:noFill/>
+          <a:ln w="0">
+            <a:noFill/>
+          </a:ln>
+        </p:spPr>
+        <p:style>
+          <a:lnRef idx="0"/>
+          <a:fillRef idx="0"/>
+          <a:effectRef idx="0"/>
+          <a:fontRef idx="minor"/>
+        </p:style>
+        <p:txBody>
+          <a:bodyPr lIns="90000" rIns="90000" tIns="45000" bIns="45000" anchor="b">
+            <a:noAutofit/>
+          </a:bodyPr>
+          <a:p>
+            <a:pPr>
+              <a:lnSpc>
+                <a:spcPct val="100000"/>
+              </a:lnSpc>
+            </a:pPr>
+            <a:r>
+              <a:rPr b="0" lang="pt-BR" sz="1200" spc="-1" strike="noStrike">
+                <a:solidFill>
+                  <a:srgbClr val="000000"/>
+                </a:solidFill>
+                <a:latin typeface="Times New Roman"/>
+                <a:ea typeface="+mn-ea"/>
+              </a:rPr>
+              <a:t>Prof. André Hochuli</a:t>
+            </a:r>
+            <a:endParaRPr b="0" lang="en-US" sz="1200" spc="-1" strike="noStrike">
+              <a:solidFill>
+                <a:srgbClr val="000000"/>
+              </a:solidFill>
+              <a:latin typeface="Arial"/>
+            </a:endParaRPr>
+          </a:p>
+        </p:txBody>
+      </p:sp>
+    </p:spTree>
+  </p:cSld>
+</p:notes>
+</file>
+
+<file path=ppt/notesSlides/notesSlide5.xml><?xml version="1.0" encoding="utf-8"?>
+<p:notes xmlns:a="http://schemas.openxmlformats.org/drawingml/2006/main" xmlns:p="http://schemas.openxmlformats.org/presentationml/2006/main" xmlns:r="http://schemas.openxmlformats.org/officeDocument/2006/relationships" xmlns:p14="http://schemas.microsoft.com/office/powerpoint/2010/main" xmlns:p15="http://schemas.microsoft.com/office/powerpoint/2012/main" xmlns:mc="http://schemas.openxmlformats.org/markup-compatibility/2006">
+  <p:cSld>
+    <p:spTree>
+      <p:nvGrpSpPr>
+        <p:cNvPr id="1" name=""/>
+        <p:cNvGrpSpPr/>
+        <p:nvPr/>
+      </p:nvGrpSpPr>
+      <p:grpSpPr>
+        <a:xfrm>
+          <a:off x="0" y="0"/>
+          <a:ext cx="0" cy="0"/>
+          <a:chOff x="0" y="0"/>
+          <a:chExt cx="0" cy="0"/>
+        </a:xfrm>
+      </p:grpSpPr>
+      <p:sp>
+        <p:nvSpPr>
+          <p:cNvPr id="289" name="PlaceHolder 1"/>
+          <p:cNvSpPr>
+            <a:spLocks noGrp="1"/>
+          </p:cNvSpPr>
+          <p:nvPr>
+            <p:ph type="sldImg"/>
+          </p:nvPr>
+        </p:nvSpPr>
+        <p:spPr>
+          <a:xfrm>
+            <a:off x="1376280" y="1336680"/>
+            <a:ext cx="4800600" cy="3600720"/>
+          </a:xfrm>
+          <a:prstGeom prst="rect">
+            <a:avLst/>
+          </a:prstGeom>
+          <a:ln w="0">
+            <a:noFill/>
+          </a:ln>
+        </p:spPr>
+      </p:sp>
+      <p:sp>
+        <p:nvSpPr>
+          <p:cNvPr id="290" name="PlaceHolder 2"/>
+          <p:cNvSpPr>
+            <a:spLocks noGrp="1"/>
+          </p:cNvSpPr>
+          <p:nvPr>
+            <p:ph type="body"/>
+          </p:nvPr>
+        </p:nvSpPr>
+        <p:spPr>
+          <a:xfrm>
+            <a:off x="756000" y="5145120"/>
+            <a:ext cx="6040080" cy="4202280"/>
+          </a:xfrm>
+          <a:prstGeom prst="rect">
+            <a:avLst/>
+          </a:prstGeom>
+          <a:noFill/>
+          <a:ln w="0">
+            <a:noFill/>
+          </a:ln>
+        </p:spPr>
+        <p:txBody>
+          <a:bodyPr lIns="0" rIns="0" tIns="0" bIns="0" anchor="t">
+            <a:noAutofit/>
+          </a:bodyPr>
+          <a:p>
+            <a:pPr marL="216000" indent="-216000">
+              <a:buNone/>
+            </a:pPr>
+            <a:endParaRPr b="0" lang="en-US" sz="1800" spc="-1" strike="noStrike">
+              <a:solidFill>
+                <a:srgbClr val="000000"/>
+              </a:solidFill>
+              <a:latin typeface="Arial"/>
+            </a:endParaRPr>
+          </a:p>
+        </p:txBody>
+      </p:sp>
+      <p:sp>
+        <p:nvSpPr>
+          <p:cNvPr id="291" name="CustomShape 3"/>
+          <p:cNvSpPr/>
+          <p:nvPr/>
+        </p:nvSpPr>
+        <p:spPr>
+          <a:xfrm>
+            <a:off x="0" y="10155240"/>
+            <a:ext cx="3268440" cy="528840"/>
+          </a:xfrm>
+          <a:prstGeom prst="rect">
+            <a:avLst/>
+          </a:prstGeom>
+          <a:noFill/>
+          <a:ln w="0">
+            <a:noFill/>
+          </a:ln>
+        </p:spPr>
+        <p:style>
+          <a:lnRef idx="0"/>
+          <a:fillRef idx="0"/>
+          <a:effectRef idx="0"/>
+          <a:fontRef idx="minor"/>
+        </p:style>
+        <p:txBody>
+          <a:bodyPr lIns="90000" rIns="90000" tIns="45000" bIns="45000" anchor="b">
+            <a:noAutofit/>
+          </a:bodyPr>
+          <a:p>
+            <a:pPr>
+              <a:lnSpc>
+                <a:spcPct val="100000"/>
+              </a:lnSpc>
+            </a:pPr>
+            <a:r>
+              <a:rPr b="0" lang="pt-BR" sz="1200" spc="-1" strike="noStrike">
+                <a:solidFill>
+                  <a:srgbClr val="000000"/>
+                </a:solidFill>
+                <a:latin typeface="Times New Roman"/>
+                <a:ea typeface="+mn-ea"/>
+              </a:rPr>
+              <a:t>Prof. André Hochuli</a:t>
+            </a:r>
+            <a:endParaRPr b="0" lang="en-US" sz="1200" spc="-1" strike="noStrike">
+              <a:solidFill>
+                <a:srgbClr val="000000"/>
+              </a:solidFill>
+              <a:latin typeface="Arial"/>
+            </a:endParaRPr>
+          </a:p>
+        </p:txBody>
+      </p:sp>
+    </p:spTree>
+  </p:cSld>
+</p:notes>
+</file>
+
+<file path=ppt/notesSlides/notesSlide6.xml><?xml version="1.0" encoding="utf-8"?>
+<p:notes xmlns:a="http://schemas.openxmlformats.org/drawingml/2006/main" xmlns:p="http://schemas.openxmlformats.org/presentationml/2006/main" xmlns:r="http://schemas.openxmlformats.org/officeDocument/2006/relationships" xmlns:p14="http://schemas.microsoft.com/office/powerpoint/2010/main" xmlns:p15="http://schemas.microsoft.com/office/powerpoint/2012/main" xmlns:mc="http://schemas.openxmlformats.org/markup-compatibility/2006">
+  <p:cSld>
+    <p:spTree>
+      <p:nvGrpSpPr>
+        <p:cNvPr id="1" name=""/>
+        <p:cNvGrpSpPr/>
+        <p:nvPr/>
+      </p:nvGrpSpPr>
+      <p:grpSpPr>
+        <a:xfrm>
+          <a:off x="0" y="0"/>
+          <a:ext cx="0" cy="0"/>
+          <a:chOff x="0" y="0"/>
+          <a:chExt cx="0" cy="0"/>
+        </a:xfrm>
+      </p:grpSpPr>
+      <p:sp>
+        <p:nvSpPr>
+          <p:cNvPr id="292" name="PlaceHolder 1"/>
+          <p:cNvSpPr>
+            <a:spLocks noGrp="1"/>
+          </p:cNvSpPr>
+          <p:nvPr>
+            <p:ph type="sldImg"/>
+          </p:nvPr>
+        </p:nvSpPr>
+        <p:spPr>
+          <a:xfrm>
+            <a:off x="1376280" y="1336680"/>
+            <a:ext cx="4800600" cy="3600720"/>
+          </a:xfrm>
+          <a:prstGeom prst="rect">
+            <a:avLst/>
+          </a:prstGeom>
+          <a:ln w="0">
+            <a:noFill/>
+          </a:ln>
+        </p:spPr>
+      </p:sp>
+      <p:sp>
+        <p:nvSpPr>
+          <p:cNvPr id="293" name="PlaceHolder 2"/>
+          <p:cNvSpPr>
+            <a:spLocks noGrp="1"/>
+          </p:cNvSpPr>
+          <p:nvPr>
+            <p:ph type="body"/>
+          </p:nvPr>
+        </p:nvSpPr>
+        <p:spPr>
+          <a:xfrm>
+            <a:off x="756000" y="5145120"/>
+            <a:ext cx="6040080" cy="4202280"/>
+          </a:xfrm>
+          <a:prstGeom prst="rect">
+            <a:avLst/>
+          </a:prstGeom>
+          <a:noFill/>
+          <a:ln w="0">
+            <a:noFill/>
+          </a:ln>
+        </p:spPr>
+        <p:txBody>
+          <a:bodyPr lIns="0" rIns="0" tIns="0" bIns="0" anchor="t">
+            <a:noAutofit/>
+          </a:bodyPr>
+          <a:p>
+            <a:pPr marL="216000" indent="-216000">
+              <a:buNone/>
+            </a:pPr>
+            <a:endParaRPr b="0" lang="en-US" sz="1800" spc="-1" strike="noStrike">
+              <a:solidFill>
+                <a:srgbClr val="000000"/>
+              </a:solidFill>
+              <a:latin typeface="Arial"/>
+            </a:endParaRPr>
+          </a:p>
+        </p:txBody>
+      </p:sp>
+      <p:sp>
+        <p:nvSpPr>
+          <p:cNvPr id="294" name="CustomShape 3"/>
+          <p:cNvSpPr/>
+          <p:nvPr/>
+        </p:nvSpPr>
+        <p:spPr>
+          <a:xfrm>
+            <a:off x="0" y="10155240"/>
+            <a:ext cx="3268440" cy="528840"/>
+          </a:xfrm>
+          <a:prstGeom prst="rect">
+            <a:avLst/>
+          </a:prstGeom>
+          <a:noFill/>
+          <a:ln w="0">
+            <a:noFill/>
+          </a:ln>
+        </p:spPr>
+        <p:style>
+          <a:lnRef idx="0"/>
+          <a:fillRef idx="0"/>
+          <a:effectRef idx="0"/>
+          <a:fontRef idx="minor"/>
+        </p:style>
+        <p:txBody>
+          <a:bodyPr lIns="90000" rIns="90000" tIns="45000" bIns="45000" anchor="b">
+            <a:noAutofit/>
+          </a:bodyPr>
+          <a:p>
+            <a:pPr>
+              <a:lnSpc>
+                <a:spcPct val="100000"/>
+              </a:lnSpc>
+            </a:pPr>
+            <a:r>
+              <a:rPr b="0" lang="pt-BR" sz="1200" spc="-1" strike="noStrike">
+                <a:solidFill>
+                  <a:srgbClr val="000000"/>
+                </a:solidFill>
+                <a:latin typeface="Times New Roman"/>
+                <a:ea typeface="+mn-ea"/>
+              </a:rPr>
+              <a:t>Prof. André Hochuli</a:t>
+            </a:r>
+            <a:endParaRPr b="0" lang="en-US" sz="1200" spc="-1" strike="noStrike">
+              <a:solidFill>
+                <a:srgbClr val="000000"/>
+              </a:solidFill>
+              <a:latin typeface="Arial"/>
+            </a:endParaRPr>
+          </a:p>
+        </p:txBody>
+      </p:sp>
+    </p:spTree>
+  </p:cSld>
+</p:notes>
+</file>
+
+<file path=ppt/notesSlides/notesSlide7.xml><?xml version="1.0" encoding="utf-8"?>
+<p:notes xmlns:a="http://schemas.openxmlformats.org/drawingml/2006/main" xmlns:p="http://schemas.openxmlformats.org/presentationml/2006/main" xmlns:r="http://schemas.openxmlformats.org/officeDocument/2006/relationships" xmlns:p14="http://schemas.microsoft.com/office/powerpoint/2010/main" xmlns:p15="http://schemas.microsoft.com/office/powerpoint/2012/main" xmlns:mc="http://schemas.openxmlformats.org/markup-compatibility/2006">
+  <p:cSld>
+    <p:spTree>
+      <p:nvGrpSpPr>
+        <p:cNvPr id="1" name=""/>
+        <p:cNvGrpSpPr/>
+        <p:nvPr/>
+      </p:nvGrpSpPr>
+      <p:grpSpPr>
+        <a:xfrm>
+          <a:off x="0" y="0"/>
+          <a:ext cx="0" cy="0"/>
+          <a:chOff x="0" y="0"/>
+          <a:chExt cx="0" cy="0"/>
+        </a:xfrm>
+      </p:grpSpPr>
+      <p:sp>
+        <p:nvSpPr>
+          <p:cNvPr id="295" name="PlaceHolder 1"/>
+          <p:cNvSpPr>
+            <a:spLocks noGrp="1"/>
+          </p:cNvSpPr>
+          <p:nvPr>
+            <p:ph type="sldImg"/>
+          </p:nvPr>
+        </p:nvSpPr>
+        <p:spPr>
+          <a:xfrm>
+            <a:off x="1376280" y="1336680"/>
+            <a:ext cx="4800600" cy="3600720"/>
+          </a:xfrm>
+          <a:prstGeom prst="rect">
+            <a:avLst/>
+          </a:prstGeom>
+          <a:ln w="0">
+            <a:noFill/>
+          </a:ln>
+        </p:spPr>
+      </p:sp>
+      <p:sp>
+        <p:nvSpPr>
+          <p:cNvPr id="296" name="PlaceHolder 2"/>
+          <p:cNvSpPr>
+            <a:spLocks noGrp="1"/>
+          </p:cNvSpPr>
+          <p:nvPr>
+            <p:ph type="body"/>
+          </p:nvPr>
+        </p:nvSpPr>
+        <p:spPr>
+          <a:xfrm>
+            <a:off x="756000" y="5145120"/>
+            <a:ext cx="6040080" cy="4202280"/>
+          </a:xfrm>
+          <a:prstGeom prst="rect">
+            <a:avLst/>
+          </a:prstGeom>
+          <a:noFill/>
+          <a:ln w="0">
+            <a:noFill/>
+          </a:ln>
+        </p:spPr>
+        <p:txBody>
+          <a:bodyPr lIns="0" rIns="0" tIns="0" bIns="0" anchor="t">
+            <a:noAutofit/>
+          </a:bodyPr>
+          <a:p>
+            <a:pPr marL="216000" indent="-216000">
+              <a:buNone/>
+            </a:pPr>
+            <a:endParaRPr b="0" lang="en-US" sz="1800" spc="-1" strike="noStrike">
+              <a:solidFill>
+                <a:srgbClr val="000000"/>
+              </a:solidFill>
+              <a:latin typeface="Arial"/>
+            </a:endParaRPr>
+          </a:p>
+        </p:txBody>
+      </p:sp>
+      <p:sp>
+        <p:nvSpPr>
+          <p:cNvPr id="297" name="CustomShape 3"/>
+          <p:cNvSpPr/>
+          <p:nvPr/>
+        </p:nvSpPr>
+        <p:spPr>
+          <a:xfrm>
+            <a:off x="0" y="10155240"/>
+            <a:ext cx="3268440" cy="528840"/>
+          </a:xfrm>
+          <a:prstGeom prst="rect">
+            <a:avLst/>
+          </a:prstGeom>
+          <a:noFill/>
+          <a:ln w="0">
+            <a:noFill/>
+          </a:ln>
+        </p:spPr>
+        <p:style>
+          <a:lnRef idx="0"/>
+          <a:fillRef idx="0"/>
+          <a:effectRef idx="0"/>
+          <a:fontRef idx="minor"/>
+        </p:style>
+        <p:txBody>
+          <a:bodyPr lIns="90000" rIns="90000" tIns="45000" bIns="45000" anchor="b">
+            <a:noAutofit/>
+          </a:bodyPr>
+          <a:p>
+            <a:pPr>
+              <a:lnSpc>
+                <a:spcPct val="100000"/>
+              </a:lnSpc>
+            </a:pPr>
+            <a:r>
+              <a:rPr b="0" lang="pt-BR" sz="1200" spc="-1" strike="noStrike">
+                <a:solidFill>
+                  <a:srgbClr val="000000"/>
+                </a:solidFill>
+                <a:latin typeface="Times New Roman"/>
+                <a:ea typeface="+mn-ea"/>
+              </a:rPr>
+              <a:t>Prof. André Hochuli</a:t>
+            </a:r>
+            <a:endParaRPr b="0" lang="en-US" sz="1200" spc="-1" strike="noStrike">
+              <a:solidFill>
+                <a:srgbClr val="000000"/>
+              </a:solidFill>
+              <a:latin typeface="Arial"/>
+            </a:endParaRPr>
+          </a:p>
+        </p:txBody>
+      </p:sp>
+    </p:spTree>
+  </p:cSld>
+</p:notes>
+</file>
+
+<file path=ppt/notesSlides/notesSlide8.xml><?xml version="1.0" encoding="utf-8"?>
 <p:notes xmlns:a="http://schemas.openxmlformats.org/drawingml/2006/main" xmlns:p="http://schemas.openxmlformats.org/presentationml/2006/main" xmlns:r="http://schemas.openxmlformats.org/officeDocument/2006/relationships" xmlns:p14="http://schemas.microsoft.com/office/powerpoint/2010/main" xmlns:p15="http://schemas.microsoft.com/office/powerpoint/2012/main" xmlns:mc="http://schemas.openxmlformats.org/markup-compatibility/2006">
   <p:cSld>
     <p:spTree>
@@ -572,7 +2658,7 @@
         <p:spPr>
           <a:xfrm>
             <a:off x="1376280" y="1336680"/>
-            <a:ext cx="4800960" cy="3601080"/>
+            <a:ext cx="4800600" cy="3600720"/>
           </a:xfrm>
           <a:prstGeom prst="rect">
             <a:avLst/>
@@ -595,7 +2681,7 @@
         <p:spPr>
           <a:xfrm>
             <a:off x="756000" y="5145120"/>
-            <a:ext cx="6040440" cy="4202640"/>
+            <a:ext cx="6040080" cy="4202280"/>
           </a:xfrm>
           <a:prstGeom prst="rect">
             <a:avLst/>
@@ -631,7 +2717,7 @@
         <p:spPr>
           <a:xfrm>
             <a:off x="0" y="10155240"/>
-            <a:ext cx="3268800" cy="529200"/>
+            <a:ext cx="3268440" cy="528840"/>
           </a:xfrm>
           <a:prstGeom prst="rect">
             <a:avLst/>
@@ -681,7 +2767,7 @@
 </p:notes>
 </file>
 
-<file path=ppt/notesSlides/notesSlide11.xml><?xml version="1.0" encoding="utf-8"?>
+<file path=ppt/notesSlides/notesSlide9.xml><?xml version="1.0" encoding="utf-8"?>
 <p:notes xmlns:a="http://schemas.openxmlformats.org/drawingml/2006/main" xmlns:p="http://schemas.openxmlformats.org/presentationml/2006/main" xmlns:r="http://schemas.openxmlformats.org/officeDocument/2006/relationships" xmlns:p14="http://schemas.microsoft.com/office/powerpoint/2010/main" xmlns:p15="http://schemas.microsoft.com/office/powerpoint/2012/main" xmlns:mc="http://schemas.openxmlformats.org/markup-compatibility/2006">
   <p:cSld>
     <p:spTree>
@@ -711,7 +2797,7 @@
         <p:spPr>
           <a:xfrm>
             <a:off x="1376280" y="1336680"/>
-            <a:ext cx="4800960" cy="3601080"/>
+            <a:ext cx="4800600" cy="3600720"/>
           </a:xfrm>
           <a:prstGeom prst="rect">
             <a:avLst/>
@@ -734,7 +2820,7 @@
         <p:spPr>
           <a:xfrm>
             <a:off x="756000" y="5145120"/>
-            <a:ext cx="6040440" cy="4202640"/>
+            <a:ext cx="6040080" cy="4202280"/>
           </a:xfrm>
           <a:prstGeom prst="rect">
             <a:avLst/>
@@ -770,1953 +2856,7 @@
         <p:spPr>
           <a:xfrm>
             <a:off x="0" y="10155240"/>
-            <a:ext cx="3268800" cy="529200"/>
-          </a:xfrm>
-          <a:prstGeom prst="rect">
-            <a:avLst/>
-          </a:prstGeom>
-          <a:noFill/>
-          <a:ln w="0">
-            <a:noFill/>
-          </a:ln>
-        </p:spPr>
-        <p:style>
-          <a:lnRef idx="0"/>
-          <a:fillRef idx="0"/>
-          <a:effectRef idx="0"/>
-          <a:fontRef idx="minor"/>
-        </p:style>
-        <p:txBody>
-          <a:bodyPr lIns="90000" rIns="90000" tIns="45000" bIns="45000" anchor="b">
-            <a:noAutofit/>
-          </a:bodyPr>
-          <a:p>
-            <a:pPr>
-              <a:lnSpc>
-                <a:spcPct val="100000"/>
-              </a:lnSpc>
-            </a:pPr>
-            <a:r>
-              <a:rPr b="0" lang="pt-BR" sz="1200" spc="-1" strike="noStrike">
-                <a:solidFill>
-                  <a:srgbClr val="000000"/>
-                </a:solidFill>
-                <a:latin typeface="Times New Roman"/>
-                <a:ea typeface="+mn-ea"/>
-              </a:rPr>
-              <a:t>Prof. André Hochuli</a:t>
-            </a:r>
-            <a:endParaRPr b="0" lang="en-US" sz="1200" spc="-1" strike="noStrike">
-              <a:solidFill>
-                <a:srgbClr val="000000"/>
-              </a:solidFill>
-              <a:latin typeface="Arial"/>
-            </a:endParaRPr>
-          </a:p>
-        </p:txBody>
-      </p:sp>
-    </p:spTree>
-  </p:cSld>
-</p:notes>
-</file>
-
-<file path=ppt/notesSlides/notesSlide12.xml><?xml version="1.0" encoding="utf-8"?>
-<p:notes xmlns:a="http://schemas.openxmlformats.org/drawingml/2006/main" xmlns:p="http://schemas.openxmlformats.org/presentationml/2006/main" xmlns:r="http://schemas.openxmlformats.org/officeDocument/2006/relationships" xmlns:p14="http://schemas.microsoft.com/office/powerpoint/2010/main" xmlns:p15="http://schemas.microsoft.com/office/powerpoint/2012/main" xmlns:mc="http://schemas.openxmlformats.org/markup-compatibility/2006">
-  <p:cSld>
-    <p:spTree>
-      <p:nvGrpSpPr>
-        <p:cNvPr id="1" name=""/>
-        <p:cNvGrpSpPr/>
-        <p:nvPr/>
-      </p:nvGrpSpPr>
-      <p:grpSpPr>
-        <a:xfrm>
-          <a:off x="0" y="0"/>
-          <a:ext cx="0" cy="0"/>
-          <a:chOff x="0" y="0"/>
-          <a:chExt cx="0" cy="0"/>
-        </a:xfrm>
-      </p:grpSpPr>
-      <p:sp>
-        <p:nvSpPr>
-          <p:cNvPr id="304" name="PlaceHolder 1"/>
-          <p:cNvSpPr>
-            <a:spLocks noGrp="1"/>
-          </p:cNvSpPr>
-          <p:nvPr>
-            <p:ph type="sldImg"/>
-          </p:nvPr>
-        </p:nvSpPr>
-        <p:spPr>
-          <a:xfrm>
-            <a:off x="1376280" y="1336680"/>
-            <a:ext cx="4800960" cy="3601080"/>
-          </a:xfrm>
-          <a:prstGeom prst="rect">
-            <a:avLst/>
-          </a:prstGeom>
-          <a:ln w="0">
-            <a:noFill/>
-          </a:ln>
-        </p:spPr>
-      </p:sp>
-      <p:sp>
-        <p:nvSpPr>
-          <p:cNvPr id="305" name="PlaceHolder 2"/>
-          <p:cNvSpPr>
-            <a:spLocks noGrp="1"/>
-          </p:cNvSpPr>
-          <p:nvPr>
-            <p:ph type="body"/>
-          </p:nvPr>
-        </p:nvSpPr>
-        <p:spPr>
-          <a:xfrm>
-            <a:off x="756000" y="5145120"/>
-            <a:ext cx="6040440" cy="4202640"/>
-          </a:xfrm>
-          <a:prstGeom prst="rect">
-            <a:avLst/>
-          </a:prstGeom>
-          <a:noFill/>
-          <a:ln w="0">
-            <a:noFill/>
-          </a:ln>
-        </p:spPr>
-        <p:txBody>
-          <a:bodyPr lIns="0" rIns="0" tIns="0" bIns="0" anchor="t">
-            <a:noAutofit/>
-          </a:bodyPr>
-          <a:p>
-            <a:pPr marL="216000" indent="-216000">
-              <a:buNone/>
-            </a:pPr>
-            <a:endParaRPr b="0" lang="en-US" sz="1800" spc="-1" strike="noStrike">
-              <a:solidFill>
-                <a:srgbClr val="000000"/>
-              </a:solidFill>
-              <a:latin typeface="Arial"/>
-            </a:endParaRPr>
-          </a:p>
-        </p:txBody>
-      </p:sp>
-      <p:sp>
-        <p:nvSpPr>
-          <p:cNvPr id="306" name="CustomShape 3"/>
-          <p:cNvSpPr/>
-          <p:nvPr/>
-        </p:nvSpPr>
-        <p:spPr>
-          <a:xfrm>
-            <a:off x="0" y="10155240"/>
-            <a:ext cx="3268800" cy="529200"/>
-          </a:xfrm>
-          <a:prstGeom prst="rect">
-            <a:avLst/>
-          </a:prstGeom>
-          <a:noFill/>
-          <a:ln w="0">
-            <a:noFill/>
-          </a:ln>
-        </p:spPr>
-        <p:style>
-          <a:lnRef idx="0"/>
-          <a:fillRef idx="0"/>
-          <a:effectRef idx="0"/>
-          <a:fontRef idx="minor"/>
-        </p:style>
-        <p:txBody>
-          <a:bodyPr lIns="90000" rIns="90000" tIns="45000" bIns="45000" anchor="b">
-            <a:noAutofit/>
-          </a:bodyPr>
-          <a:p>
-            <a:pPr>
-              <a:lnSpc>
-                <a:spcPct val="100000"/>
-              </a:lnSpc>
-            </a:pPr>
-            <a:r>
-              <a:rPr b="0" lang="pt-BR" sz="1200" spc="-1" strike="noStrike">
-                <a:solidFill>
-                  <a:srgbClr val="000000"/>
-                </a:solidFill>
-                <a:latin typeface="Times New Roman"/>
-                <a:ea typeface="+mn-ea"/>
-              </a:rPr>
-              <a:t>Prof. André Hochuli</a:t>
-            </a:r>
-            <a:endParaRPr b="0" lang="en-US" sz="1200" spc="-1" strike="noStrike">
-              <a:solidFill>
-                <a:srgbClr val="000000"/>
-              </a:solidFill>
-              <a:latin typeface="Arial"/>
-            </a:endParaRPr>
-          </a:p>
-        </p:txBody>
-      </p:sp>
-    </p:spTree>
-  </p:cSld>
-</p:notes>
-</file>
-
-<file path=ppt/notesSlides/notesSlide13.xml><?xml version="1.0" encoding="utf-8"?>
-<p:notes xmlns:a="http://schemas.openxmlformats.org/drawingml/2006/main" xmlns:p="http://schemas.openxmlformats.org/presentationml/2006/main" xmlns:r="http://schemas.openxmlformats.org/officeDocument/2006/relationships" xmlns:p14="http://schemas.microsoft.com/office/powerpoint/2010/main" xmlns:p15="http://schemas.microsoft.com/office/powerpoint/2012/main" xmlns:mc="http://schemas.openxmlformats.org/markup-compatibility/2006">
-  <p:cSld>
-    <p:spTree>
-      <p:nvGrpSpPr>
-        <p:cNvPr id="1" name=""/>
-        <p:cNvGrpSpPr/>
-        <p:nvPr/>
-      </p:nvGrpSpPr>
-      <p:grpSpPr>
-        <a:xfrm>
-          <a:off x="0" y="0"/>
-          <a:ext cx="0" cy="0"/>
-          <a:chOff x="0" y="0"/>
-          <a:chExt cx="0" cy="0"/>
-        </a:xfrm>
-      </p:grpSpPr>
-      <p:sp>
-        <p:nvSpPr>
-          <p:cNvPr id="307" name="PlaceHolder 1"/>
-          <p:cNvSpPr>
-            <a:spLocks noGrp="1"/>
-          </p:cNvSpPr>
-          <p:nvPr>
-            <p:ph type="sldImg"/>
-          </p:nvPr>
-        </p:nvSpPr>
-        <p:spPr>
-          <a:xfrm>
-            <a:off x="1376280" y="1336680"/>
-            <a:ext cx="4800960" cy="3601080"/>
-          </a:xfrm>
-          <a:prstGeom prst="rect">
-            <a:avLst/>
-          </a:prstGeom>
-          <a:ln w="0">
-            <a:noFill/>
-          </a:ln>
-        </p:spPr>
-      </p:sp>
-      <p:sp>
-        <p:nvSpPr>
-          <p:cNvPr id="308" name="PlaceHolder 2"/>
-          <p:cNvSpPr>
-            <a:spLocks noGrp="1"/>
-          </p:cNvSpPr>
-          <p:nvPr>
-            <p:ph type="body"/>
-          </p:nvPr>
-        </p:nvSpPr>
-        <p:spPr>
-          <a:xfrm>
-            <a:off x="756000" y="5145120"/>
-            <a:ext cx="6040440" cy="4202640"/>
-          </a:xfrm>
-          <a:prstGeom prst="rect">
-            <a:avLst/>
-          </a:prstGeom>
-          <a:noFill/>
-          <a:ln w="0">
-            <a:noFill/>
-          </a:ln>
-        </p:spPr>
-        <p:txBody>
-          <a:bodyPr lIns="0" rIns="0" tIns="0" bIns="0" anchor="t">
-            <a:noAutofit/>
-          </a:bodyPr>
-          <a:p>
-            <a:pPr marL="216000" indent="-216000">
-              <a:buNone/>
-            </a:pPr>
-            <a:endParaRPr b="0" lang="en-US" sz="1800" spc="-1" strike="noStrike">
-              <a:solidFill>
-                <a:srgbClr val="000000"/>
-              </a:solidFill>
-              <a:latin typeface="Arial"/>
-            </a:endParaRPr>
-          </a:p>
-        </p:txBody>
-      </p:sp>
-      <p:sp>
-        <p:nvSpPr>
-          <p:cNvPr id="309" name="CustomShape 3"/>
-          <p:cNvSpPr/>
-          <p:nvPr/>
-        </p:nvSpPr>
-        <p:spPr>
-          <a:xfrm>
-            <a:off x="0" y="10155240"/>
-            <a:ext cx="3268800" cy="529200"/>
-          </a:xfrm>
-          <a:prstGeom prst="rect">
-            <a:avLst/>
-          </a:prstGeom>
-          <a:noFill/>
-          <a:ln w="0">
-            <a:noFill/>
-          </a:ln>
-        </p:spPr>
-        <p:style>
-          <a:lnRef idx="0"/>
-          <a:fillRef idx="0"/>
-          <a:effectRef idx="0"/>
-          <a:fontRef idx="minor"/>
-        </p:style>
-        <p:txBody>
-          <a:bodyPr lIns="90000" rIns="90000" tIns="45000" bIns="45000" anchor="b">
-            <a:noAutofit/>
-          </a:bodyPr>
-          <a:p>
-            <a:pPr>
-              <a:lnSpc>
-                <a:spcPct val="100000"/>
-              </a:lnSpc>
-            </a:pPr>
-            <a:r>
-              <a:rPr b="0" lang="pt-BR" sz="1200" spc="-1" strike="noStrike">
-                <a:solidFill>
-                  <a:srgbClr val="000000"/>
-                </a:solidFill>
-                <a:latin typeface="Times New Roman"/>
-                <a:ea typeface="+mn-ea"/>
-              </a:rPr>
-              <a:t>Prof. André Hochuli</a:t>
-            </a:r>
-            <a:endParaRPr b="0" lang="en-US" sz="1200" spc="-1" strike="noStrike">
-              <a:solidFill>
-                <a:srgbClr val="000000"/>
-              </a:solidFill>
-              <a:latin typeface="Arial"/>
-            </a:endParaRPr>
-          </a:p>
-        </p:txBody>
-      </p:sp>
-    </p:spTree>
-  </p:cSld>
-</p:notes>
-</file>
-
-<file path=ppt/notesSlides/notesSlide14.xml><?xml version="1.0" encoding="utf-8"?>
-<p:notes xmlns:a="http://schemas.openxmlformats.org/drawingml/2006/main" xmlns:p="http://schemas.openxmlformats.org/presentationml/2006/main" xmlns:r="http://schemas.openxmlformats.org/officeDocument/2006/relationships" xmlns:p14="http://schemas.microsoft.com/office/powerpoint/2010/main" xmlns:p15="http://schemas.microsoft.com/office/powerpoint/2012/main" xmlns:mc="http://schemas.openxmlformats.org/markup-compatibility/2006">
-  <p:cSld>
-    <p:spTree>
-      <p:nvGrpSpPr>
-        <p:cNvPr id="1" name=""/>
-        <p:cNvGrpSpPr/>
-        <p:nvPr/>
-      </p:nvGrpSpPr>
-      <p:grpSpPr>
-        <a:xfrm>
-          <a:off x="0" y="0"/>
-          <a:ext cx="0" cy="0"/>
-          <a:chOff x="0" y="0"/>
-          <a:chExt cx="0" cy="0"/>
-        </a:xfrm>
-      </p:grpSpPr>
-      <p:sp>
-        <p:nvSpPr>
-          <p:cNvPr id="310" name="PlaceHolder 1"/>
-          <p:cNvSpPr>
-            <a:spLocks noGrp="1"/>
-          </p:cNvSpPr>
-          <p:nvPr>
-            <p:ph type="sldImg"/>
-          </p:nvPr>
-        </p:nvSpPr>
-        <p:spPr>
-          <a:xfrm>
-            <a:off x="1376280" y="1336680"/>
-            <a:ext cx="4800960" cy="3601080"/>
-          </a:xfrm>
-          <a:prstGeom prst="rect">
-            <a:avLst/>
-          </a:prstGeom>
-          <a:ln w="0">
-            <a:noFill/>
-          </a:ln>
-        </p:spPr>
-      </p:sp>
-      <p:sp>
-        <p:nvSpPr>
-          <p:cNvPr id="311" name="PlaceHolder 2"/>
-          <p:cNvSpPr>
-            <a:spLocks noGrp="1"/>
-          </p:cNvSpPr>
-          <p:nvPr>
-            <p:ph type="body"/>
-          </p:nvPr>
-        </p:nvSpPr>
-        <p:spPr>
-          <a:xfrm>
-            <a:off x="756000" y="5145120"/>
-            <a:ext cx="6040440" cy="4202640"/>
-          </a:xfrm>
-          <a:prstGeom prst="rect">
-            <a:avLst/>
-          </a:prstGeom>
-          <a:noFill/>
-          <a:ln w="0">
-            <a:noFill/>
-          </a:ln>
-        </p:spPr>
-        <p:txBody>
-          <a:bodyPr lIns="0" rIns="0" tIns="0" bIns="0" anchor="t">
-            <a:noAutofit/>
-          </a:bodyPr>
-          <a:p>
-            <a:pPr marL="216000" indent="-216000">
-              <a:buNone/>
-            </a:pPr>
-            <a:endParaRPr b="0" lang="en-US" sz="1800" spc="-1" strike="noStrike">
-              <a:solidFill>
-                <a:srgbClr val="000000"/>
-              </a:solidFill>
-              <a:latin typeface="Arial"/>
-            </a:endParaRPr>
-          </a:p>
-        </p:txBody>
-      </p:sp>
-      <p:sp>
-        <p:nvSpPr>
-          <p:cNvPr id="312" name="CustomShape 3"/>
-          <p:cNvSpPr/>
-          <p:nvPr/>
-        </p:nvSpPr>
-        <p:spPr>
-          <a:xfrm>
-            <a:off x="0" y="10155240"/>
-            <a:ext cx="3268800" cy="529200"/>
-          </a:xfrm>
-          <a:prstGeom prst="rect">
-            <a:avLst/>
-          </a:prstGeom>
-          <a:noFill/>
-          <a:ln w="0">
-            <a:noFill/>
-          </a:ln>
-        </p:spPr>
-        <p:style>
-          <a:lnRef idx="0"/>
-          <a:fillRef idx="0"/>
-          <a:effectRef idx="0"/>
-          <a:fontRef idx="minor"/>
-        </p:style>
-        <p:txBody>
-          <a:bodyPr lIns="90000" rIns="90000" tIns="45000" bIns="45000" anchor="b">
-            <a:noAutofit/>
-          </a:bodyPr>
-          <a:p>
-            <a:pPr>
-              <a:lnSpc>
-                <a:spcPct val="100000"/>
-              </a:lnSpc>
-            </a:pPr>
-            <a:r>
-              <a:rPr b="0" lang="pt-BR" sz="1200" spc="-1" strike="noStrike">
-                <a:solidFill>
-                  <a:srgbClr val="000000"/>
-                </a:solidFill>
-                <a:latin typeface="Times New Roman"/>
-                <a:ea typeface="+mn-ea"/>
-              </a:rPr>
-              <a:t>Prof. André Hochuli</a:t>
-            </a:r>
-            <a:endParaRPr b="0" lang="en-US" sz="1200" spc="-1" strike="noStrike">
-              <a:solidFill>
-                <a:srgbClr val="000000"/>
-              </a:solidFill>
-              <a:latin typeface="Arial"/>
-            </a:endParaRPr>
-          </a:p>
-        </p:txBody>
-      </p:sp>
-    </p:spTree>
-  </p:cSld>
-</p:notes>
-</file>
-
-<file path=ppt/notesSlides/notesSlide15.xml><?xml version="1.0" encoding="utf-8"?>
-<p:notes xmlns:a="http://schemas.openxmlformats.org/drawingml/2006/main" xmlns:p="http://schemas.openxmlformats.org/presentationml/2006/main" xmlns:r="http://schemas.openxmlformats.org/officeDocument/2006/relationships" xmlns:p14="http://schemas.microsoft.com/office/powerpoint/2010/main" xmlns:p15="http://schemas.microsoft.com/office/powerpoint/2012/main" xmlns:mc="http://schemas.openxmlformats.org/markup-compatibility/2006">
-  <p:cSld>
-    <p:spTree>
-      <p:nvGrpSpPr>
-        <p:cNvPr id="1" name=""/>
-        <p:cNvGrpSpPr/>
-        <p:nvPr/>
-      </p:nvGrpSpPr>
-      <p:grpSpPr>
-        <a:xfrm>
-          <a:off x="0" y="0"/>
-          <a:ext cx="0" cy="0"/>
-          <a:chOff x="0" y="0"/>
-          <a:chExt cx="0" cy="0"/>
-        </a:xfrm>
-      </p:grpSpPr>
-      <p:sp>
-        <p:nvSpPr>
-          <p:cNvPr id="313" name="PlaceHolder 1"/>
-          <p:cNvSpPr>
-            <a:spLocks noGrp="1"/>
-          </p:cNvSpPr>
-          <p:nvPr>
-            <p:ph type="sldImg"/>
-          </p:nvPr>
-        </p:nvSpPr>
-        <p:spPr>
-          <a:xfrm>
-            <a:off x="1376280" y="1336680"/>
-            <a:ext cx="4800960" cy="3601080"/>
-          </a:xfrm>
-          <a:prstGeom prst="rect">
-            <a:avLst/>
-          </a:prstGeom>
-          <a:ln w="0">
-            <a:noFill/>
-          </a:ln>
-        </p:spPr>
-      </p:sp>
-      <p:sp>
-        <p:nvSpPr>
-          <p:cNvPr id="314" name="PlaceHolder 2"/>
-          <p:cNvSpPr>
-            <a:spLocks noGrp="1"/>
-          </p:cNvSpPr>
-          <p:nvPr>
-            <p:ph type="body"/>
-          </p:nvPr>
-        </p:nvSpPr>
-        <p:spPr>
-          <a:xfrm>
-            <a:off x="756000" y="5145120"/>
-            <a:ext cx="6040440" cy="4202640"/>
-          </a:xfrm>
-          <a:prstGeom prst="rect">
-            <a:avLst/>
-          </a:prstGeom>
-          <a:noFill/>
-          <a:ln w="0">
-            <a:noFill/>
-          </a:ln>
-        </p:spPr>
-        <p:txBody>
-          <a:bodyPr lIns="0" rIns="0" tIns="0" bIns="0" anchor="t">
-            <a:noAutofit/>
-          </a:bodyPr>
-          <a:p>
-            <a:pPr marL="216000" indent="-216000">
-              <a:buNone/>
-            </a:pPr>
-            <a:endParaRPr b="0" lang="en-US" sz="1800" spc="-1" strike="noStrike">
-              <a:solidFill>
-                <a:srgbClr val="000000"/>
-              </a:solidFill>
-              <a:latin typeface="Arial"/>
-            </a:endParaRPr>
-          </a:p>
-        </p:txBody>
-      </p:sp>
-      <p:sp>
-        <p:nvSpPr>
-          <p:cNvPr id="315" name="CustomShape 9"/>
-          <p:cNvSpPr/>
-          <p:nvPr/>
-        </p:nvSpPr>
-        <p:spPr>
-          <a:xfrm>
-            <a:off x="0" y="10155240"/>
-            <a:ext cx="3268800" cy="529200"/>
-          </a:xfrm>
-          <a:prstGeom prst="rect">
-            <a:avLst/>
-          </a:prstGeom>
-          <a:noFill/>
-          <a:ln w="0">
-            <a:noFill/>
-          </a:ln>
-        </p:spPr>
-        <p:style>
-          <a:lnRef idx="0"/>
-          <a:fillRef idx="0"/>
-          <a:effectRef idx="0"/>
-          <a:fontRef idx="minor"/>
-        </p:style>
-        <p:txBody>
-          <a:bodyPr lIns="90000" rIns="90000" tIns="45000" bIns="45000" anchor="b">
-            <a:noAutofit/>
-          </a:bodyPr>
-          <a:p>
-            <a:pPr>
-              <a:lnSpc>
-                <a:spcPct val="100000"/>
-              </a:lnSpc>
-            </a:pPr>
-            <a:r>
-              <a:rPr b="0" lang="pt-BR" sz="1200" spc="-1" strike="noStrike">
-                <a:solidFill>
-                  <a:srgbClr val="000000"/>
-                </a:solidFill>
-                <a:latin typeface="Times New Roman"/>
-                <a:ea typeface="+mn-ea"/>
-              </a:rPr>
-              <a:t>Prof. André Hochuli</a:t>
-            </a:r>
-            <a:endParaRPr b="0" lang="en-US" sz="1200" spc="-1" strike="noStrike">
-              <a:solidFill>
-                <a:srgbClr val="000000"/>
-              </a:solidFill>
-              <a:latin typeface="Arial"/>
-            </a:endParaRPr>
-          </a:p>
-        </p:txBody>
-      </p:sp>
-    </p:spTree>
-  </p:cSld>
-</p:notes>
-</file>
-
-<file path=ppt/notesSlides/notesSlide16.xml><?xml version="1.0" encoding="utf-8"?>
-<p:notes xmlns:a="http://schemas.openxmlformats.org/drawingml/2006/main" xmlns:p="http://schemas.openxmlformats.org/presentationml/2006/main" xmlns:r="http://schemas.openxmlformats.org/officeDocument/2006/relationships" xmlns:p14="http://schemas.microsoft.com/office/powerpoint/2010/main" xmlns:p15="http://schemas.microsoft.com/office/powerpoint/2012/main" xmlns:mc="http://schemas.openxmlformats.org/markup-compatibility/2006">
-  <p:cSld>
-    <p:spTree>
-      <p:nvGrpSpPr>
-        <p:cNvPr id="1" name=""/>
-        <p:cNvGrpSpPr/>
-        <p:nvPr/>
-      </p:nvGrpSpPr>
-      <p:grpSpPr>
-        <a:xfrm>
-          <a:off x="0" y="0"/>
-          <a:ext cx="0" cy="0"/>
-          <a:chOff x="0" y="0"/>
-          <a:chExt cx="0" cy="0"/>
-        </a:xfrm>
-      </p:grpSpPr>
-      <p:sp>
-        <p:nvSpPr>
-          <p:cNvPr id="316" name="PlaceHolder 1"/>
-          <p:cNvSpPr>
-            <a:spLocks noGrp="1"/>
-          </p:cNvSpPr>
-          <p:nvPr>
-            <p:ph type="sldImg"/>
-          </p:nvPr>
-        </p:nvSpPr>
-        <p:spPr>
-          <a:xfrm>
-            <a:off x="1376280" y="1336680"/>
-            <a:ext cx="4800960" cy="3601080"/>
-          </a:xfrm>
-          <a:prstGeom prst="rect">
-            <a:avLst/>
-          </a:prstGeom>
-          <a:ln w="0">
-            <a:noFill/>
-          </a:ln>
-        </p:spPr>
-      </p:sp>
-      <p:sp>
-        <p:nvSpPr>
-          <p:cNvPr id="317" name="PlaceHolder 2"/>
-          <p:cNvSpPr>
-            <a:spLocks noGrp="1"/>
-          </p:cNvSpPr>
-          <p:nvPr>
-            <p:ph type="body"/>
-          </p:nvPr>
-        </p:nvSpPr>
-        <p:spPr>
-          <a:xfrm>
-            <a:off x="756000" y="5145120"/>
-            <a:ext cx="6040440" cy="4202640"/>
-          </a:xfrm>
-          <a:prstGeom prst="rect">
-            <a:avLst/>
-          </a:prstGeom>
-          <a:noFill/>
-          <a:ln w="0">
-            <a:noFill/>
-          </a:ln>
-        </p:spPr>
-        <p:txBody>
-          <a:bodyPr lIns="0" rIns="0" tIns="0" bIns="0" anchor="t">
-            <a:noAutofit/>
-          </a:bodyPr>
-          <a:p>
-            <a:pPr marL="216000" indent="-216000">
-              <a:buNone/>
-            </a:pPr>
-            <a:endParaRPr b="0" lang="en-US" sz="1800" spc="-1" strike="noStrike">
-              <a:solidFill>
-                <a:srgbClr val="000000"/>
-              </a:solidFill>
-              <a:latin typeface="Arial"/>
-            </a:endParaRPr>
-          </a:p>
-        </p:txBody>
-      </p:sp>
-      <p:sp>
-        <p:nvSpPr>
-          <p:cNvPr id="318" name="CustomShape 3"/>
-          <p:cNvSpPr/>
-          <p:nvPr/>
-        </p:nvSpPr>
-        <p:spPr>
-          <a:xfrm>
-            <a:off x="0" y="10155240"/>
-            <a:ext cx="3268800" cy="529200"/>
-          </a:xfrm>
-          <a:prstGeom prst="rect">
-            <a:avLst/>
-          </a:prstGeom>
-          <a:noFill/>
-          <a:ln w="0">
-            <a:noFill/>
-          </a:ln>
-        </p:spPr>
-        <p:style>
-          <a:lnRef idx="0"/>
-          <a:fillRef idx="0"/>
-          <a:effectRef idx="0"/>
-          <a:fontRef idx="minor"/>
-        </p:style>
-        <p:txBody>
-          <a:bodyPr lIns="90000" rIns="90000" tIns="45000" bIns="45000" anchor="b">
-            <a:noAutofit/>
-          </a:bodyPr>
-          <a:p>
-            <a:pPr>
-              <a:lnSpc>
-                <a:spcPct val="100000"/>
-              </a:lnSpc>
-            </a:pPr>
-            <a:r>
-              <a:rPr b="0" lang="pt-BR" sz="1200" spc="-1" strike="noStrike">
-                <a:solidFill>
-                  <a:srgbClr val="000000"/>
-                </a:solidFill>
-                <a:latin typeface="Times New Roman"/>
-                <a:ea typeface="+mn-ea"/>
-              </a:rPr>
-              <a:t>Prof. André Hochuli</a:t>
-            </a:r>
-            <a:endParaRPr b="0" lang="en-US" sz="1200" spc="-1" strike="noStrike">
-              <a:solidFill>
-                <a:srgbClr val="000000"/>
-              </a:solidFill>
-              <a:latin typeface="Arial"/>
-            </a:endParaRPr>
-          </a:p>
-        </p:txBody>
-      </p:sp>
-    </p:spTree>
-  </p:cSld>
-</p:notes>
-</file>
-
-<file path=ppt/notesSlides/notesSlide17.xml><?xml version="1.0" encoding="utf-8"?>
-<p:notes xmlns:a="http://schemas.openxmlformats.org/drawingml/2006/main" xmlns:p="http://schemas.openxmlformats.org/presentationml/2006/main" xmlns:r="http://schemas.openxmlformats.org/officeDocument/2006/relationships" xmlns:p14="http://schemas.microsoft.com/office/powerpoint/2010/main" xmlns:p15="http://schemas.microsoft.com/office/powerpoint/2012/main" xmlns:mc="http://schemas.openxmlformats.org/markup-compatibility/2006">
-  <p:cSld>
-    <p:spTree>
-      <p:nvGrpSpPr>
-        <p:cNvPr id="1" name=""/>
-        <p:cNvGrpSpPr/>
-        <p:nvPr/>
-      </p:nvGrpSpPr>
-      <p:grpSpPr>
-        <a:xfrm>
-          <a:off x="0" y="0"/>
-          <a:ext cx="0" cy="0"/>
-          <a:chOff x="0" y="0"/>
-          <a:chExt cx="0" cy="0"/>
-        </a:xfrm>
-      </p:grpSpPr>
-      <p:sp>
-        <p:nvSpPr>
-          <p:cNvPr id="319" name="PlaceHolder 1"/>
-          <p:cNvSpPr>
-            <a:spLocks noGrp="1"/>
-          </p:cNvSpPr>
-          <p:nvPr>
-            <p:ph type="sldImg"/>
-          </p:nvPr>
-        </p:nvSpPr>
-        <p:spPr>
-          <a:xfrm>
-            <a:off x="1376280" y="1336680"/>
-            <a:ext cx="4800960" cy="3601080"/>
-          </a:xfrm>
-          <a:prstGeom prst="rect">
-            <a:avLst/>
-          </a:prstGeom>
-          <a:ln w="0">
-            <a:noFill/>
-          </a:ln>
-        </p:spPr>
-      </p:sp>
-      <p:sp>
-        <p:nvSpPr>
-          <p:cNvPr id="320" name="PlaceHolder 2"/>
-          <p:cNvSpPr>
-            <a:spLocks noGrp="1"/>
-          </p:cNvSpPr>
-          <p:nvPr>
-            <p:ph type="body"/>
-          </p:nvPr>
-        </p:nvSpPr>
-        <p:spPr>
-          <a:xfrm>
-            <a:off x="756000" y="5145120"/>
-            <a:ext cx="6040440" cy="4202640"/>
-          </a:xfrm>
-          <a:prstGeom prst="rect">
-            <a:avLst/>
-          </a:prstGeom>
-          <a:noFill/>
-          <a:ln w="0">
-            <a:noFill/>
-          </a:ln>
-        </p:spPr>
-        <p:txBody>
-          <a:bodyPr lIns="0" rIns="0" tIns="0" bIns="0" anchor="t">
-            <a:noAutofit/>
-          </a:bodyPr>
-          <a:p>
-            <a:pPr marL="216000" indent="-216000">
-              <a:buNone/>
-            </a:pPr>
-            <a:endParaRPr b="0" lang="en-US" sz="1800" spc="-1" strike="noStrike">
-              <a:solidFill>
-                <a:srgbClr val="000000"/>
-              </a:solidFill>
-              <a:latin typeface="Arial"/>
-            </a:endParaRPr>
-          </a:p>
-        </p:txBody>
-      </p:sp>
-      <p:sp>
-        <p:nvSpPr>
-          <p:cNvPr id="321" name="CustomShape 3"/>
-          <p:cNvSpPr/>
-          <p:nvPr/>
-        </p:nvSpPr>
-        <p:spPr>
-          <a:xfrm>
-            <a:off x="0" y="10155240"/>
-            <a:ext cx="3268800" cy="529200"/>
-          </a:xfrm>
-          <a:prstGeom prst="rect">
-            <a:avLst/>
-          </a:prstGeom>
-          <a:noFill/>
-          <a:ln w="0">
-            <a:noFill/>
-          </a:ln>
-        </p:spPr>
-        <p:style>
-          <a:lnRef idx="0"/>
-          <a:fillRef idx="0"/>
-          <a:effectRef idx="0"/>
-          <a:fontRef idx="minor"/>
-        </p:style>
-        <p:txBody>
-          <a:bodyPr lIns="90000" rIns="90000" tIns="45000" bIns="45000" anchor="b">
-            <a:noAutofit/>
-          </a:bodyPr>
-          <a:p>
-            <a:pPr>
-              <a:lnSpc>
-                <a:spcPct val="100000"/>
-              </a:lnSpc>
-            </a:pPr>
-            <a:r>
-              <a:rPr b="0" lang="pt-BR" sz="1200" spc="-1" strike="noStrike">
-                <a:solidFill>
-                  <a:srgbClr val="000000"/>
-                </a:solidFill>
-                <a:latin typeface="Times New Roman"/>
-                <a:ea typeface="+mn-ea"/>
-              </a:rPr>
-              <a:t>Prof. André Hochuli</a:t>
-            </a:r>
-            <a:endParaRPr b="0" lang="en-US" sz="1200" spc="-1" strike="noStrike">
-              <a:solidFill>
-                <a:srgbClr val="000000"/>
-              </a:solidFill>
-              <a:latin typeface="Arial"/>
-            </a:endParaRPr>
-          </a:p>
-        </p:txBody>
-      </p:sp>
-    </p:spTree>
-  </p:cSld>
-</p:notes>
-</file>
-
-<file path=ppt/notesSlides/notesSlide2.xml><?xml version="1.0" encoding="utf-8"?>
-<p:notes xmlns:a="http://schemas.openxmlformats.org/drawingml/2006/main" xmlns:p="http://schemas.openxmlformats.org/presentationml/2006/main" xmlns:r="http://schemas.openxmlformats.org/officeDocument/2006/relationships" xmlns:p14="http://schemas.microsoft.com/office/powerpoint/2010/main" xmlns:p15="http://schemas.microsoft.com/office/powerpoint/2012/main" xmlns:mc="http://schemas.openxmlformats.org/markup-compatibility/2006">
-  <p:cSld>
-    <p:spTree>
-      <p:nvGrpSpPr>
-        <p:cNvPr id="1" name=""/>
-        <p:cNvGrpSpPr/>
-        <p:nvPr/>
-      </p:nvGrpSpPr>
-      <p:grpSpPr>
-        <a:xfrm>
-          <a:off x="0" y="0"/>
-          <a:ext cx="0" cy="0"/>
-          <a:chOff x="0" y="0"/>
-          <a:chExt cx="0" cy="0"/>
-        </a:xfrm>
-      </p:grpSpPr>
-      <p:sp>
-        <p:nvSpPr>
-          <p:cNvPr id="274" name="PlaceHolder 1"/>
-          <p:cNvSpPr>
-            <a:spLocks noGrp="1"/>
-          </p:cNvSpPr>
-          <p:nvPr>
-            <p:ph type="sldImg"/>
-          </p:nvPr>
-        </p:nvSpPr>
-        <p:spPr>
-          <a:xfrm>
-            <a:off x="1376280" y="1336680"/>
-            <a:ext cx="4800960" cy="3601080"/>
-          </a:xfrm>
-          <a:prstGeom prst="rect">
-            <a:avLst/>
-          </a:prstGeom>
-          <a:ln w="0">
-            <a:noFill/>
-          </a:ln>
-        </p:spPr>
-      </p:sp>
-      <p:sp>
-        <p:nvSpPr>
-          <p:cNvPr id="275" name="PlaceHolder 2"/>
-          <p:cNvSpPr>
-            <a:spLocks noGrp="1"/>
-          </p:cNvSpPr>
-          <p:nvPr>
-            <p:ph type="body"/>
-          </p:nvPr>
-        </p:nvSpPr>
-        <p:spPr>
-          <a:xfrm>
-            <a:off x="756000" y="5145120"/>
-            <a:ext cx="6040440" cy="4202640"/>
-          </a:xfrm>
-          <a:prstGeom prst="rect">
-            <a:avLst/>
-          </a:prstGeom>
-          <a:noFill/>
-          <a:ln w="0">
-            <a:noFill/>
-          </a:ln>
-        </p:spPr>
-        <p:txBody>
-          <a:bodyPr lIns="0" rIns="0" tIns="0" bIns="0" anchor="t">
-            <a:noAutofit/>
-          </a:bodyPr>
-          <a:p>
-            <a:pPr marL="216000" indent="-216000">
-              <a:buNone/>
-            </a:pPr>
-            <a:endParaRPr b="0" lang="en-US" sz="1800" spc="-1" strike="noStrike">
-              <a:solidFill>
-                <a:srgbClr val="000000"/>
-              </a:solidFill>
-              <a:latin typeface="Arial"/>
-            </a:endParaRPr>
-          </a:p>
-        </p:txBody>
-      </p:sp>
-      <p:sp>
-        <p:nvSpPr>
-          <p:cNvPr id="276" name="CustomShape 3"/>
-          <p:cNvSpPr/>
-          <p:nvPr/>
-        </p:nvSpPr>
-        <p:spPr>
-          <a:xfrm>
-            <a:off x="0" y="10155240"/>
-            <a:ext cx="3268800" cy="529200"/>
-          </a:xfrm>
-          <a:prstGeom prst="rect">
-            <a:avLst/>
-          </a:prstGeom>
-          <a:noFill/>
-          <a:ln w="0">
-            <a:noFill/>
-          </a:ln>
-        </p:spPr>
-        <p:style>
-          <a:lnRef idx="0"/>
-          <a:fillRef idx="0"/>
-          <a:effectRef idx="0"/>
-          <a:fontRef idx="minor"/>
-        </p:style>
-        <p:txBody>
-          <a:bodyPr lIns="90000" rIns="90000" tIns="45000" bIns="45000" anchor="b">
-            <a:noAutofit/>
-          </a:bodyPr>
-          <a:p>
-            <a:pPr>
-              <a:lnSpc>
-                <a:spcPct val="100000"/>
-              </a:lnSpc>
-            </a:pPr>
-            <a:r>
-              <a:rPr b="0" lang="pt-BR" sz="1200" spc="-1" strike="noStrike">
-                <a:solidFill>
-                  <a:srgbClr val="000000"/>
-                </a:solidFill>
-                <a:latin typeface="Times New Roman"/>
-                <a:ea typeface="+mn-ea"/>
-              </a:rPr>
-              <a:t>Prof. André Hochuli</a:t>
-            </a:r>
-            <a:endParaRPr b="0" lang="en-US" sz="1200" spc="-1" strike="noStrike">
-              <a:solidFill>
-                <a:srgbClr val="000000"/>
-              </a:solidFill>
-              <a:latin typeface="Arial"/>
-            </a:endParaRPr>
-          </a:p>
-        </p:txBody>
-      </p:sp>
-    </p:spTree>
-  </p:cSld>
-</p:notes>
-</file>
-
-<file path=ppt/notesSlides/notesSlide3.xml><?xml version="1.0" encoding="utf-8"?>
-<p:notes xmlns:a="http://schemas.openxmlformats.org/drawingml/2006/main" xmlns:p="http://schemas.openxmlformats.org/presentationml/2006/main" xmlns:r="http://schemas.openxmlformats.org/officeDocument/2006/relationships" xmlns:p14="http://schemas.microsoft.com/office/powerpoint/2010/main" xmlns:p15="http://schemas.microsoft.com/office/powerpoint/2012/main" xmlns:mc="http://schemas.openxmlformats.org/markup-compatibility/2006">
-  <p:cSld>
-    <p:spTree>
-      <p:nvGrpSpPr>
-        <p:cNvPr id="1" name=""/>
-        <p:cNvGrpSpPr/>
-        <p:nvPr/>
-      </p:nvGrpSpPr>
-      <p:grpSpPr>
-        <a:xfrm>
-          <a:off x="0" y="0"/>
-          <a:ext cx="0" cy="0"/>
-          <a:chOff x="0" y="0"/>
-          <a:chExt cx="0" cy="0"/>
-        </a:xfrm>
-      </p:grpSpPr>
-      <p:sp>
-        <p:nvSpPr>
-          <p:cNvPr id="277" name="PlaceHolder 1"/>
-          <p:cNvSpPr>
-            <a:spLocks noGrp="1"/>
-          </p:cNvSpPr>
-          <p:nvPr>
-            <p:ph type="sldImg"/>
-          </p:nvPr>
-        </p:nvSpPr>
-        <p:spPr>
-          <a:xfrm>
-            <a:off x="1376280" y="1336680"/>
-            <a:ext cx="4800960" cy="3601080"/>
-          </a:xfrm>
-          <a:prstGeom prst="rect">
-            <a:avLst/>
-          </a:prstGeom>
-          <a:ln w="0">
-            <a:noFill/>
-          </a:ln>
-        </p:spPr>
-      </p:sp>
-      <p:sp>
-        <p:nvSpPr>
-          <p:cNvPr id="278" name="PlaceHolder 2"/>
-          <p:cNvSpPr>
-            <a:spLocks noGrp="1"/>
-          </p:cNvSpPr>
-          <p:nvPr>
-            <p:ph type="body"/>
-          </p:nvPr>
-        </p:nvSpPr>
-        <p:spPr>
-          <a:xfrm>
-            <a:off x="756000" y="5145120"/>
-            <a:ext cx="6040440" cy="4202640"/>
-          </a:xfrm>
-          <a:prstGeom prst="rect">
-            <a:avLst/>
-          </a:prstGeom>
-          <a:noFill/>
-          <a:ln w="0">
-            <a:noFill/>
-          </a:ln>
-        </p:spPr>
-        <p:txBody>
-          <a:bodyPr lIns="0" rIns="0" tIns="0" bIns="0" anchor="t">
-            <a:noAutofit/>
-          </a:bodyPr>
-          <a:p>
-            <a:pPr marL="216000" indent="-216000">
-              <a:buNone/>
-            </a:pPr>
-            <a:endParaRPr b="0" lang="en-US" sz="1800" spc="-1" strike="noStrike">
-              <a:solidFill>
-                <a:srgbClr val="000000"/>
-              </a:solidFill>
-              <a:latin typeface="Arial"/>
-            </a:endParaRPr>
-          </a:p>
-        </p:txBody>
-      </p:sp>
-      <p:sp>
-        <p:nvSpPr>
-          <p:cNvPr id="279" name="CustomShape 8"/>
-          <p:cNvSpPr/>
-          <p:nvPr/>
-        </p:nvSpPr>
-        <p:spPr>
-          <a:xfrm>
-            <a:off x="0" y="10155240"/>
-            <a:ext cx="3268800" cy="529200"/>
-          </a:xfrm>
-          <a:prstGeom prst="rect">
-            <a:avLst/>
-          </a:prstGeom>
-          <a:noFill/>
-          <a:ln w="0">
-            <a:noFill/>
-          </a:ln>
-        </p:spPr>
-        <p:style>
-          <a:lnRef idx="0"/>
-          <a:fillRef idx="0"/>
-          <a:effectRef idx="0"/>
-          <a:fontRef idx="minor"/>
-        </p:style>
-        <p:txBody>
-          <a:bodyPr lIns="90000" rIns="90000" tIns="45000" bIns="45000" anchor="b">
-            <a:noAutofit/>
-          </a:bodyPr>
-          <a:p>
-            <a:pPr>
-              <a:lnSpc>
-                <a:spcPct val="100000"/>
-              </a:lnSpc>
-            </a:pPr>
-            <a:r>
-              <a:rPr b="0" lang="pt-BR" sz="1200" spc="-1" strike="noStrike">
-                <a:solidFill>
-                  <a:srgbClr val="000000"/>
-                </a:solidFill>
-                <a:latin typeface="Times New Roman"/>
-                <a:ea typeface="+mn-ea"/>
-              </a:rPr>
-              <a:t>Prof. André Hochuli</a:t>
-            </a:r>
-            <a:endParaRPr b="0" lang="en-US" sz="1200" spc="-1" strike="noStrike">
-              <a:solidFill>
-                <a:srgbClr val="000000"/>
-              </a:solidFill>
-              <a:latin typeface="Arial"/>
-            </a:endParaRPr>
-          </a:p>
-        </p:txBody>
-      </p:sp>
-    </p:spTree>
-  </p:cSld>
-</p:notes>
-</file>
-
-<file path=ppt/notesSlides/notesSlide4.xml><?xml version="1.0" encoding="utf-8"?>
-<p:notes xmlns:a="http://schemas.openxmlformats.org/drawingml/2006/main" xmlns:p="http://schemas.openxmlformats.org/presentationml/2006/main" xmlns:r="http://schemas.openxmlformats.org/officeDocument/2006/relationships" xmlns:p14="http://schemas.microsoft.com/office/powerpoint/2010/main" xmlns:p15="http://schemas.microsoft.com/office/powerpoint/2012/main" xmlns:mc="http://schemas.openxmlformats.org/markup-compatibility/2006">
-  <p:cSld>
-    <p:spTree>
-      <p:nvGrpSpPr>
-        <p:cNvPr id="1" name=""/>
-        <p:cNvGrpSpPr/>
-        <p:nvPr/>
-      </p:nvGrpSpPr>
-      <p:grpSpPr>
-        <a:xfrm>
-          <a:off x="0" y="0"/>
-          <a:ext cx="0" cy="0"/>
-          <a:chOff x="0" y="0"/>
-          <a:chExt cx="0" cy="0"/>
-        </a:xfrm>
-      </p:grpSpPr>
-      <p:sp>
-        <p:nvSpPr>
-          <p:cNvPr id="280" name="PlaceHolder 1"/>
-          <p:cNvSpPr>
-            <a:spLocks noGrp="1"/>
-          </p:cNvSpPr>
-          <p:nvPr>
-            <p:ph type="sldImg"/>
-          </p:nvPr>
-        </p:nvSpPr>
-        <p:spPr>
-          <a:xfrm>
-            <a:off x="1376280" y="1336680"/>
-            <a:ext cx="4800960" cy="3601080"/>
-          </a:xfrm>
-          <a:prstGeom prst="rect">
-            <a:avLst/>
-          </a:prstGeom>
-          <a:ln w="0">
-            <a:noFill/>
-          </a:ln>
-        </p:spPr>
-      </p:sp>
-      <p:sp>
-        <p:nvSpPr>
-          <p:cNvPr id="281" name="PlaceHolder 2"/>
-          <p:cNvSpPr>
-            <a:spLocks noGrp="1"/>
-          </p:cNvSpPr>
-          <p:nvPr>
-            <p:ph type="body"/>
-          </p:nvPr>
-        </p:nvSpPr>
-        <p:spPr>
-          <a:xfrm>
-            <a:off x="756000" y="5145120"/>
-            <a:ext cx="6040440" cy="4202640"/>
-          </a:xfrm>
-          <a:prstGeom prst="rect">
-            <a:avLst/>
-          </a:prstGeom>
-          <a:noFill/>
-          <a:ln w="0">
-            <a:noFill/>
-          </a:ln>
-        </p:spPr>
-        <p:txBody>
-          <a:bodyPr lIns="0" rIns="0" tIns="0" bIns="0" anchor="t">
-            <a:noAutofit/>
-          </a:bodyPr>
-          <a:p>
-            <a:pPr marL="216000" indent="-216000">
-              <a:buNone/>
-            </a:pPr>
-            <a:endParaRPr b="0" lang="en-US" sz="1800" spc="-1" strike="noStrike">
-              <a:solidFill>
-                <a:srgbClr val="000000"/>
-              </a:solidFill>
-              <a:latin typeface="Arial"/>
-            </a:endParaRPr>
-          </a:p>
-        </p:txBody>
-      </p:sp>
-      <p:sp>
-        <p:nvSpPr>
-          <p:cNvPr id="282" name="CustomShape 3"/>
-          <p:cNvSpPr/>
-          <p:nvPr/>
-        </p:nvSpPr>
-        <p:spPr>
-          <a:xfrm>
-            <a:off x="0" y="10155240"/>
-            <a:ext cx="3268800" cy="529200"/>
-          </a:xfrm>
-          <a:prstGeom prst="rect">
-            <a:avLst/>
-          </a:prstGeom>
-          <a:noFill/>
-          <a:ln w="0">
-            <a:noFill/>
-          </a:ln>
-        </p:spPr>
-        <p:style>
-          <a:lnRef idx="0"/>
-          <a:fillRef idx="0"/>
-          <a:effectRef idx="0"/>
-          <a:fontRef idx="minor"/>
-        </p:style>
-        <p:txBody>
-          <a:bodyPr lIns="90000" rIns="90000" tIns="45000" bIns="45000" anchor="b">
-            <a:noAutofit/>
-          </a:bodyPr>
-          <a:p>
-            <a:pPr>
-              <a:lnSpc>
-                <a:spcPct val="100000"/>
-              </a:lnSpc>
-            </a:pPr>
-            <a:r>
-              <a:rPr b="0" lang="pt-BR" sz="1200" spc="-1" strike="noStrike">
-                <a:solidFill>
-                  <a:srgbClr val="000000"/>
-                </a:solidFill>
-                <a:latin typeface="Times New Roman"/>
-                <a:ea typeface="+mn-ea"/>
-              </a:rPr>
-              <a:t>Prof. André Hochuli</a:t>
-            </a:r>
-            <a:endParaRPr b="0" lang="en-US" sz="1200" spc="-1" strike="noStrike">
-              <a:solidFill>
-                <a:srgbClr val="000000"/>
-              </a:solidFill>
-              <a:latin typeface="Arial"/>
-            </a:endParaRPr>
-          </a:p>
-        </p:txBody>
-      </p:sp>
-    </p:spTree>
-  </p:cSld>
-</p:notes>
-</file>
-
-<file path=ppt/notesSlides/notesSlide5.xml><?xml version="1.0" encoding="utf-8"?>
-<p:notes xmlns:a="http://schemas.openxmlformats.org/drawingml/2006/main" xmlns:p="http://schemas.openxmlformats.org/presentationml/2006/main" xmlns:r="http://schemas.openxmlformats.org/officeDocument/2006/relationships" xmlns:p14="http://schemas.microsoft.com/office/powerpoint/2010/main" xmlns:p15="http://schemas.microsoft.com/office/powerpoint/2012/main" xmlns:mc="http://schemas.openxmlformats.org/markup-compatibility/2006">
-  <p:cSld>
-    <p:spTree>
-      <p:nvGrpSpPr>
-        <p:cNvPr id="1" name=""/>
-        <p:cNvGrpSpPr/>
-        <p:nvPr/>
-      </p:nvGrpSpPr>
-      <p:grpSpPr>
-        <a:xfrm>
-          <a:off x="0" y="0"/>
-          <a:ext cx="0" cy="0"/>
-          <a:chOff x="0" y="0"/>
-          <a:chExt cx="0" cy="0"/>
-        </a:xfrm>
-      </p:grpSpPr>
-      <p:sp>
-        <p:nvSpPr>
-          <p:cNvPr id="283" name="PlaceHolder 1"/>
-          <p:cNvSpPr>
-            <a:spLocks noGrp="1"/>
-          </p:cNvSpPr>
-          <p:nvPr>
-            <p:ph type="sldImg"/>
-          </p:nvPr>
-        </p:nvSpPr>
-        <p:spPr>
-          <a:xfrm>
-            <a:off x="1376280" y="1336680"/>
-            <a:ext cx="4800960" cy="3601080"/>
-          </a:xfrm>
-          <a:prstGeom prst="rect">
-            <a:avLst/>
-          </a:prstGeom>
-          <a:ln w="0">
-            <a:noFill/>
-          </a:ln>
-        </p:spPr>
-      </p:sp>
-      <p:sp>
-        <p:nvSpPr>
-          <p:cNvPr id="284" name="PlaceHolder 2"/>
-          <p:cNvSpPr>
-            <a:spLocks noGrp="1"/>
-          </p:cNvSpPr>
-          <p:nvPr>
-            <p:ph type="body"/>
-          </p:nvPr>
-        </p:nvSpPr>
-        <p:spPr>
-          <a:xfrm>
-            <a:off x="756000" y="5145120"/>
-            <a:ext cx="6040440" cy="4202640"/>
-          </a:xfrm>
-          <a:prstGeom prst="rect">
-            <a:avLst/>
-          </a:prstGeom>
-          <a:noFill/>
-          <a:ln w="0">
-            <a:noFill/>
-          </a:ln>
-        </p:spPr>
-        <p:txBody>
-          <a:bodyPr lIns="0" rIns="0" tIns="0" bIns="0" anchor="t">
-            <a:noAutofit/>
-          </a:bodyPr>
-          <a:p>
-            <a:pPr marL="216000" indent="-216000">
-              <a:buNone/>
-            </a:pPr>
-            <a:endParaRPr b="0" lang="en-US" sz="1800" spc="-1" strike="noStrike">
-              <a:solidFill>
-                <a:srgbClr val="000000"/>
-              </a:solidFill>
-              <a:latin typeface="Arial"/>
-            </a:endParaRPr>
-          </a:p>
-        </p:txBody>
-      </p:sp>
-      <p:sp>
-        <p:nvSpPr>
-          <p:cNvPr id="285" name="CustomShape 3"/>
-          <p:cNvSpPr/>
-          <p:nvPr/>
-        </p:nvSpPr>
-        <p:spPr>
-          <a:xfrm>
-            <a:off x="0" y="10155240"/>
-            <a:ext cx="3268800" cy="529200"/>
-          </a:xfrm>
-          <a:prstGeom prst="rect">
-            <a:avLst/>
-          </a:prstGeom>
-          <a:noFill/>
-          <a:ln w="0">
-            <a:noFill/>
-          </a:ln>
-        </p:spPr>
-        <p:style>
-          <a:lnRef idx="0"/>
-          <a:fillRef idx="0"/>
-          <a:effectRef idx="0"/>
-          <a:fontRef idx="minor"/>
-        </p:style>
-        <p:txBody>
-          <a:bodyPr lIns="90000" rIns="90000" tIns="45000" bIns="45000" anchor="b">
-            <a:noAutofit/>
-          </a:bodyPr>
-          <a:p>
-            <a:pPr>
-              <a:lnSpc>
-                <a:spcPct val="100000"/>
-              </a:lnSpc>
-            </a:pPr>
-            <a:r>
-              <a:rPr b="0" lang="pt-BR" sz="1200" spc="-1" strike="noStrike">
-                <a:solidFill>
-                  <a:srgbClr val="000000"/>
-                </a:solidFill>
-                <a:latin typeface="Times New Roman"/>
-                <a:ea typeface="+mn-ea"/>
-              </a:rPr>
-              <a:t>Prof. André Hochuli</a:t>
-            </a:r>
-            <a:endParaRPr b="0" lang="en-US" sz="1200" spc="-1" strike="noStrike">
-              <a:solidFill>
-                <a:srgbClr val="000000"/>
-              </a:solidFill>
-              <a:latin typeface="Arial"/>
-            </a:endParaRPr>
-          </a:p>
-        </p:txBody>
-      </p:sp>
-    </p:spTree>
-  </p:cSld>
-</p:notes>
-</file>
-
-<file path=ppt/notesSlides/notesSlide6.xml><?xml version="1.0" encoding="utf-8"?>
-<p:notes xmlns:a="http://schemas.openxmlformats.org/drawingml/2006/main" xmlns:p="http://schemas.openxmlformats.org/presentationml/2006/main" xmlns:r="http://schemas.openxmlformats.org/officeDocument/2006/relationships" xmlns:p14="http://schemas.microsoft.com/office/powerpoint/2010/main" xmlns:p15="http://schemas.microsoft.com/office/powerpoint/2012/main" xmlns:mc="http://schemas.openxmlformats.org/markup-compatibility/2006">
-  <p:cSld>
-    <p:spTree>
-      <p:nvGrpSpPr>
-        <p:cNvPr id="1" name=""/>
-        <p:cNvGrpSpPr/>
-        <p:nvPr/>
-      </p:nvGrpSpPr>
-      <p:grpSpPr>
-        <a:xfrm>
-          <a:off x="0" y="0"/>
-          <a:ext cx="0" cy="0"/>
-          <a:chOff x="0" y="0"/>
-          <a:chExt cx="0" cy="0"/>
-        </a:xfrm>
-      </p:grpSpPr>
-      <p:sp>
-        <p:nvSpPr>
-          <p:cNvPr id="286" name="PlaceHolder 1"/>
-          <p:cNvSpPr>
-            <a:spLocks noGrp="1"/>
-          </p:cNvSpPr>
-          <p:nvPr>
-            <p:ph type="sldImg"/>
-          </p:nvPr>
-        </p:nvSpPr>
-        <p:spPr>
-          <a:xfrm>
-            <a:off x="1376280" y="1336680"/>
-            <a:ext cx="4800960" cy="3601080"/>
-          </a:xfrm>
-          <a:prstGeom prst="rect">
-            <a:avLst/>
-          </a:prstGeom>
-          <a:ln w="0">
-            <a:noFill/>
-          </a:ln>
-        </p:spPr>
-      </p:sp>
-      <p:sp>
-        <p:nvSpPr>
-          <p:cNvPr id="287" name="PlaceHolder 2"/>
-          <p:cNvSpPr>
-            <a:spLocks noGrp="1"/>
-          </p:cNvSpPr>
-          <p:nvPr>
-            <p:ph type="body"/>
-          </p:nvPr>
-        </p:nvSpPr>
-        <p:spPr>
-          <a:xfrm>
-            <a:off x="756000" y="5145120"/>
-            <a:ext cx="6040440" cy="4202640"/>
-          </a:xfrm>
-          <a:prstGeom prst="rect">
-            <a:avLst/>
-          </a:prstGeom>
-          <a:noFill/>
-          <a:ln w="0">
-            <a:noFill/>
-          </a:ln>
-        </p:spPr>
-        <p:txBody>
-          <a:bodyPr lIns="0" rIns="0" tIns="0" bIns="0" anchor="t">
-            <a:noAutofit/>
-          </a:bodyPr>
-          <a:p>
-            <a:pPr marL="216000" indent="-216000">
-              <a:buNone/>
-            </a:pPr>
-            <a:endParaRPr b="0" lang="en-US" sz="1800" spc="-1" strike="noStrike">
-              <a:solidFill>
-                <a:srgbClr val="000000"/>
-              </a:solidFill>
-              <a:latin typeface="Arial"/>
-            </a:endParaRPr>
-          </a:p>
-        </p:txBody>
-      </p:sp>
-      <p:sp>
-        <p:nvSpPr>
-          <p:cNvPr id="288" name="CustomShape 3"/>
-          <p:cNvSpPr/>
-          <p:nvPr/>
-        </p:nvSpPr>
-        <p:spPr>
-          <a:xfrm>
-            <a:off x="0" y="10155240"/>
-            <a:ext cx="3268800" cy="529200"/>
-          </a:xfrm>
-          <a:prstGeom prst="rect">
-            <a:avLst/>
-          </a:prstGeom>
-          <a:noFill/>
-          <a:ln w="0">
-            <a:noFill/>
-          </a:ln>
-        </p:spPr>
-        <p:style>
-          <a:lnRef idx="0"/>
-          <a:fillRef idx="0"/>
-          <a:effectRef idx="0"/>
-          <a:fontRef idx="minor"/>
-        </p:style>
-        <p:txBody>
-          <a:bodyPr lIns="90000" rIns="90000" tIns="45000" bIns="45000" anchor="b">
-            <a:noAutofit/>
-          </a:bodyPr>
-          <a:p>
-            <a:pPr>
-              <a:lnSpc>
-                <a:spcPct val="100000"/>
-              </a:lnSpc>
-            </a:pPr>
-            <a:r>
-              <a:rPr b="0" lang="pt-BR" sz="1200" spc="-1" strike="noStrike">
-                <a:solidFill>
-                  <a:srgbClr val="000000"/>
-                </a:solidFill>
-                <a:latin typeface="Times New Roman"/>
-                <a:ea typeface="+mn-ea"/>
-              </a:rPr>
-              <a:t>Prof. André Hochuli</a:t>
-            </a:r>
-            <a:endParaRPr b="0" lang="en-US" sz="1200" spc="-1" strike="noStrike">
-              <a:solidFill>
-                <a:srgbClr val="000000"/>
-              </a:solidFill>
-              <a:latin typeface="Arial"/>
-            </a:endParaRPr>
-          </a:p>
-        </p:txBody>
-      </p:sp>
-    </p:spTree>
-  </p:cSld>
-</p:notes>
-</file>
-
-<file path=ppt/notesSlides/notesSlide7.xml><?xml version="1.0" encoding="utf-8"?>
-<p:notes xmlns:a="http://schemas.openxmlformats.org/drawingml/2006/main" xmlns:p="http://schemas.openxmlformats.org/presentationml/2006/main" xmlns:r="http://schemas.openxmlformats.org/officeDocument/2006/relationships" xmlns:p14="http://schemas.microsoft.com/office/powerpoint/2010/main" xmlns:p15="http://schemas.microsoft.com/office/powerpoint/2012/main" xmlns:mc="http://schemas.openxmlformats.org/markup-compatibility/2006">
-  <p:cSld>
-    <p:spTree>
-      <p:nvGrpSpPr>
-        <p:cNvPr id="1" name=""/>
-        <p:cNvGrpSpPr/>
-        <p:nvPr/>
-      </p:nvGrpSpPr>
-      <p:grpSpPr>
-        <a:xfrm>
-          <a:off x="0" y="0"/>
-          <a:ext cx="0" cy="0"/>
-          <a:chOff x="0" y="0"/>
-          <a:chExt cx="0" cy="0"/>
-        </a:xfrm>
-      </p:grpSpPr>
-      <p:sp>
-        <p:nvSpPr>
-          <p:cNvPr id="289" name="PlaceHolder 1"/>
-          <p:cNvSpPr>
-            <a:spLocks noGrp="1"/>
-          </p:cNvSpPr>
-          <p:nvPr>
-            <p:ph type="sldImg"/>
-          </p:nvPr>
-        </p:nvSpPr>
-        <p:spPr>
-          <a:xfrm>
-            <a:off x="1376280" y="1336680"/>
-            <a:ext cx="4800960" cy="3601080"/>
-          </a:xfrm>
-          <a:prstGeom prst="rect">
-            <a:avLst/>
-          </a:prstGeom>
-          <a:ln w="0">
-            <a:noFill/>
-          </a:ln>
-        </p:spPr>
-      </p:sp>
-      <p:sp>
-        <p:nvSpPr>
-          <p:cNvPr id="290" name="PlaceHolder 2"/>
-          <p:cNvSpPr>
-            <a:spLocks noGrp="1"/>
-          </p:cNvSpPr>
-          <p:nvPr>
-            <p:ph type="body"/>
-          </p:nvPr>
-        </p:nvSpPr>
-        <p:spPr>
-          <a:xfrm>
-            <a:off x="756000" y="5145120"/>
-            <a:ext cx="6040440" cy="4202640"/>
-          </a:xfrm>
-          <a:prstGeom prst="rect">
-            <a:avLst/>
-          </a:prstGeom>
-          <a:noFill/>
-          <a:ln w="0">
-            <a:noFill/>
-          </a:ln>
-        </p:spPr>
-        <p:txBody>
-          <a:bodyPr lIns="0" rIns="0" tIns="0" bIns="0" anchor="t">
-            <a:noAutofit/>
-          </a:bodyPr>
-          <a:p>
-            <a:pPr marL="216000" indent="-216000">
-              <a:buNone/>
-            </a:pPr>
-            <a:endParaRPr b="0" lang="en-US" sz="1800" spc="-1" strike="noStrike">
-              <a:solidFill>
-                <a:srgbClr val="000000"/>
-              </a:solidFill>
-              <a:latin typeface="Arial"/>
-            </a:endParaRPr>
-          </a:p>
-        </p:txBody>
-      </p:sp>
-      <p:sp>
-        <p:nvSpPr>
-          <p:cNvPr id="291" name="CustomShape 3"/>
-          <p:cNvSpPr/>
-          <p:nvPr/>
-        </p:nvSpPr>
-        <p:spPr>
-          <a:xfrm>
-            <a:off x="0" y="10155240"/>
-            <a:ext cx="3268800" cy="529200"/>
-          </a:xfrm>
-          <a:prstGeom prst="rect">
-            <a:avLst/>
-          </a:prstGeom>
-          <a:noFill/>
-          <a:ln w="0">
-            <a:noFill/>
-          </a:ln>
-        </p:spPr>
-        <p:style>
-          <a:lnRef idx="0"/>
-          <a:fillRef idx="0"/>
-          <a:effectRef idx="0"/>
-          <a:fontRef idx="minor"/>
-        </p:style>
-        <p:txBody>
-          <a:bodyPr lIns="90000" rIns="90000" tIns="45000" bIns="45000" anchor="b">
-            <a:noAutofit/>
-          </a:bodyPr>
-          <a:p>
-            <a:pPr>
-              <a:lnSpc>
-                <a:spcPct val="100000"/>
-              </a:lnSpc>
-            </a:pPr>
-            <a:r>
-              <a:rPr b="0" lang="pt-BR" sz="1200" spc="-1" strike="noStrike">
-                <a:solidFill>
-                  <a:srgbClr val="000000"/>
-                </a:solidFill>
-                <a:latin typeface="Times New Roman"/>
-                <a:ea typeface="+mn-ea"/>
-              </a:rPr>
-              <a:t>Prof. André Hochuli</a:t>
-            </a:r>
-            <a:endParaRPr b="0" lang="en-US" sz="1200" spc="-1" strike="noStrike">
-              <a:solidFill>
-                <a:srgbClr val="000000"/>
-              </a:solidFill>
-              <a:latin typeface="Arial"/>
-            </a:endParaRPr>
-          </a:p>
-        </p:txBody>
-      </p:sp>
-    </p:spTree>
-  </p:cSld>
-</p:notes>
-</file>
-
-<file path=ppt/notesSlides/notesSlide8.xml><?xml version="1.0" encoding="utf-8"?>
-<p:notes xmlns:a="http://schemas.openxmlformats.org/drawingml/2006/main" xmlns:p="http://schemas.openxmlformats.org/presentationml/2006/main" xmlns:r="http://schemas.openxmlformats.org/officeDocument/2006/relationships" xmlns:p14="http://schemas.microsoft.com/office/powerpoint/2010/main" xmlns:p15="http://schemas.microsoft.com/office/powerpoint/2012/main" xmlns:mc="http://schemas.openxmlformats.org/markup-compatibility/2006">
-  <p:cSld>
-    <p:spTree>
-      <p:nvGrpSpPr>
-        <p:cNvPr id="1" name=""/>
-        <p:cNvGrpSpPr/>
-        <p:nvPr/>
-      </p:nvGrpSpPr>
-      <p:grpSpPr>
-        <a:xfrm>
-          <a:off x="0" y="0"/>
-          <a:ext cx="0" cy="0"/>
-          <a:chOff x="0" y="0"/>
-          <a:chExt cx="0" cy="0"/>
-        </a:xfrm>
-      </p:grpSpPr>
-      <p:sp>
-        <p:nvSpPr>
-          <p:cNvPr id="292" name="PlaceHolder 1"/>
-          <p:cNvSpPr>
-            <a:spLocks noGrp="1"/>
-          </p:cNvSpPr>
-          <p:nvPr>
-            <p:ph type="sldImg"/>
-          </p:nvPr>
-        </p:nvSpPr>
-        <p:spPr>
-          <a:xfrm>
-            <a:off x="1376280" y="1336680"/>
-            <a:ext cx="4800960" cy="3601080"/>
-          </a:xfrm>
-          <a:prstGeom prst="rect">
-            <a:avLst/>
-          </a:prstGeom>
-          <a:ln w="0">
-            <a:noFill/>
-          </a:ln>
-        </p:spPr>
-      </p:sp>
-      <p:sp>
-        <p:nvSpPr>
-          <p:cNvPr id="293" name="PlaceHolder 2"/>
-          <p:cNvSpPr>
-            <a:spLocks noGrp="1"/>
-          </p:cNvSpPr>
-          <p:nvPr>
-            <p:ph type="body"/>
-          </p:nvPr>
-        </p:nvSpPr>
-        <p:spPr>
-          <a:xfrm>
-            <a:off x="756000" y="5145120"/>
-            <a:ext cx="6040440" cy="4202640"/>
-          </a:xfrm>
-          <a:prstGeom prst="rect">
-            <a:avLst/>
-          </a:prstGeom>
-          <a:noFill/>
-          <a:ln w="0">
-            <a:noFill/>
-          </a:ln>
-        </p:spPr>
-        <p:txBody>
-          <a:bodyPr lIns="0" rIns="0" tIns="0" bIns="0" anchor="t">
-            <a:noAutofit/>
-          </a:bodyPr>
-          <a:p>
-            <a:pPr marL="216000" indent="-216000">
-              <a:buNone/>
-            </a:pPr>
-            <a:endParaRPr b="0" lang="en-US" sz="1800" spc="-1" strike="noStrike">
-              <a:solidFill>
-                <a:srgbClr val="000000"/>
-              </a:solidFill>
-              <a:latin typeface="Arial"/>
-            </a:endParaRPr>
-          </a:p>
-        </p:txBody>
-      </p:sp>
-      <p:sp>
-        <p:nvSpPr>
-          <p:cNvPr id="294" name="CustomShape 3"/>
-          <p:cNvSpPr/>
-          <p:nvPr/>
-        </p:nvSpPr>
-        <p:spPr>
-          <a:xfrm>
-            <a:off x="0" y="10155240"/>
-            <a:ext cx="3268800" cy="529200"/>
-          </a:xfrm>
-          <a:prstGeom prst="rect">
-            <a:avLst/>
-          </a:prstGeom>
-          <a:noFill/>
-          <a:ln w="0">
-            <a:noFill/>
-          </a:ln>
-        </p:spPr>
-        <p:style>
-          <a:lnRef idx="0"/>
-          <a:fillRef idx="0"/>
-          <a:effectRef idx="0"/>
-          <a:fontRef idx="minor"/>
-        </p:style>
-        <p:txBody>
-          <a:bodyPr lIns="90000" rIns="90000" tIns="45000" bIns="45000" anchor="b">
-            <a:noAutofit/>
-          </a:bodyPr>
-          <a:p>
-            <a:pPr>
-              <a:lnSpc>
-                <a:spcPct val="100000"/>
-              </a:lnSpc>
-            </a:pPr>
-            <a:r>
-              <a:rPr b="0" lang="pt-BR" sz="1200" spc="-1" strike="noStrike">
-                <a:solidFill>
-                  <a:srgbClr val="000000"/>
-                </a:solidFill>
-                <a:latin typeface="Times New Roman"/>
-                <a:ea typeface="+mn-ea"/>
-              </a:rPr>
-              <a:t>Prof. André Hochuli</a:t>
-            </a:r>
-            <a:endParaRPr b="0" lang="en-US" sz="1200" spc="-1" strike="noStrike">
-              <a:solidFill>
-                <a:srgbClr val="000000"/>
-              </a:solidFill>
-              <a:latin typeface="Arial"/>
-            </a:endParaRPr>
-          </a:p>
-        </p:txBody>
-      </p:sp>
-    </p:spTree>
-  </p:cSld>
-</p:notes>
-</file>
-
-<file path=ppt/notesSlides/notesSlide9.xml><?xml version="1.0" encoding="utf-8"?>
-<p:notes xmlns:a="http://schemas.openxmlformats.org/drawingml/2006/main" xmlns:p="http://schemas.openxmlformats.org/presentationml/2006/main" xmlns:r="http://schemas.openxmlformats.org/officeDocument/2006/relationships" xmlns:p14="http://schemas.microsoft.com/office/powerpoint/2010/main" xmlns:p15="http://schemas.microsoft.com/office/powerpoint/2012/main" xmlns:mc="http://schemas.openxmlformats.org/markup-compatibility/2006">
-  <p:cSld>
-    <p:spTree>
-      <p:nvGrpSpPr>
-        <p:cNvPr id="1" name=""/>
-        <p:cNvGrpSpPr/>
-        <p:nvPr/>
-      </p:nvGrpSpPr>
-      <p:grpSpPr>
-        <a:xfrm>
-          <a:off x="0" y="0"/>
-          <a:ext cx="0" cy="0"/>
-          <a:chOff x="0" y="0"/>
-          <a:chExt cx="0" cy="0"/>
-        </a:xfrm>
-      </p:grpSpPr>
-      <p:sp>
-        <p:nvSpPr>
-          <p:cNvPr id="295" name="PlaceHolder 1"/>
-          <p:cNvSpPr>
-            <a:spLocks noGrp="1"/>
-          </p:cNvSpPr>
-          <p:nvPr>
-            <p:ph type="sldImg"/>
-          </p:nvPr>
-        </p:nvSpPr>
-        <p:spPr>
-          <a:xfrm>
-            <a:off x="1376280" y="1336680"/>
-            <a:ext cx="4800960" cy="3601080"/>
-          </a:xfrm>
-          <a:prstGeom prst="rect">
-            <a:avLst/>
-          </a:prstGeom>
-          <a:ln w="0">
-            <a:noFill/>
-          </a:ln>
-        </p:spPr>
-      </p:sp>
-      <p:sp>
-        <p:nvSpPr>
-          <p:cNvPr id="296" name="PlaceHolder 2"/>
-          <p:cNvSpPr>
-            <a:spLocks noGrp="1"/>
-          </p:cNvSpPr>
-          <p:nvPr>
-            <p:ph type="body"/>
-          </p:nvPr>
-        </p:nvSpPr>
-        <p:spPr>
-          <a:xfrm>
-            <a:off x="756000" y="5145120"/>
-            <a:ext cx="6040440" cy="4202640"/>
-          </a:xfrm>
-          <a:prstGeom prst="rect">
-            <a:avLst/>
-          </a:prstGeom>
-          <a:noFill/>
-          <a:ln w="0">
-            <a:noFill/>
-          </a:ln>
-        </p:spPr>
-        <p:txBody>
-          <a:bodyPr lIns="0" rIns="0" tIns="0" bIns="0" anchor="t">
-            <a:noAutofit/>
-          </a:bodyPr>
-          <a:p>
-            <a:pPr marL="216000" indent="-216000">
-              <a:buNone/>
-            </a:pPr>
-            <a:endParaRPr b="0" lang="en-US" sz="1800" spc="-1" strike="noStrike">
-              <a:solidFill>
-                <a:srgbClr val="000000"/>
-              </a:solidFill>
-              <a:latin typeface="Arial"/>
-            </a:endParaRPr>
-          </a:p>
-        </p:txBody>
-      </p:sp>
-      <p:sp>
-        <p:nvSpPr>
-          <p:cNvPr id="297" name="CustomShape 3"/>
-          <p:cNvSpPr/>
-          <p:nvPr/>
-        </p:nvSpPr>
-        <p:spPr>
-          <a:xfrm>
-            <a:off x="0" y="10155240"/>
-            <a:ext cx="3268800" cy="529200"/>
+            <a:ext cx="3268440" cy="528840"/>
           </a:xfrm>
           <a:prstGeom prst="rect">
             <a:avLst/>
@@ -5703,7 +5843,7 @@
         <p:spPr>
           <a:xfrm>
             <a:off x="0" y="3150000"/>
-            <a:ext cx="9712800" cy="1252800"/>
+            <a:ext cx="9712440" cy="1252440"/>
           </a:xfrm>
           <a:prstGeom prst="rect">
             <a:avLst/>
@@ -6507,7 +6647,7 @@
         <p:spPr>
           <a:xfrm>
             <a:off x="0" y="3150000"/>
-            <a:ext cx="9712800" cy="1252800"/>
+            <a:ext cx="9712440" cy="1252440"/>
           </a:xfrm>
           <a:prstGeom prst="rect">
             <a:avLst/>
@@ -6587,7 +6727,7 @@
         <p:spPr>
           <a:xfrm>
             <a:off x="0" y="3150000"/>
-            <a:ext cx="9712800" cy="1252800"/>
+            <a:ext cx="9712440" cy="1252440"/>
           </a:xfrm>
           <a:prstGeom prst="rect">
             <a:avLst/>
@@ -7391,7 +7531,7 @@
         <p:spPr>
           <a:xfrm>
             <a:off x="0" y="3150000"/>
-            <a:ext cx="9712800" cy="1252800"/>
+            <a:ext cx="9712440" cy="1252440"/>
           </a:xfrm>
           <a:prstGeom prst="rect">
             <a:avLst/>
@@ -8195,7 +8335,7 @@
         <p:spPr>
           <a:xfrm>
             <a:off x="0" y="180000"/>
-            <a:ext cx="9712800" cy="1252800"/>
+            <a:ext cx="9712440" cy="1252440"/>
           </a:xfrm>
           <a:prstGeom prst="rect">
             <a:avLst/>
@@ -8242,7 +8382,7 @@
         <p:spPr>
           <a:xfrm>
             <a:off x="7560000" y="6840000"/>
-            <a:ext cx="2512800" cy="532800"/>
+            <a:ext cx="2512440" cy="532440"/>
           </a:xfrm>
           <a:prstGeom prst="rect">
             <a:avLst/>
@@ -8289,7 +8429,7 @@
         <p:spPr>
           <a:xfrm>
             <a:off x="900000" y="6840000"/>
-            <a:ext cx="6472800" cy="532800"/>
+            <a:ext cx="6472440" cy="532440"/>
           </a:xfrm>
           <a:prstGeom prst="rect">
             <a:avLst/>
@@ -8336,7 +8476,7 @@
         <p:spPr>
           <a:xfrm>
             <a:off x="180000" y="6840000"/>
-            <a:ext cx="532800" cy="532800"/>
+            <a:ext cx="532440" cy="532440"/>
           </a:xfrm>
           <a:prstGeom prst="rect">
             <a:avLst/>
@@ -9138,7 +9278,7 @@
         <p:spPr>
           <a:xfrm>
             <a:off x="0" y="180000"/>
-            <a:ext cx="9712800" cy="1252800"/>
+            <a:ext cx="9712440" cy="1252440"/>
           </a:xfrm>
           <a:prstGeom prst="rect">
             <a:avLst/>
@@ -9185,7 +9325,7 @@
         <p:spPr>
           <a:xfrm>
             <a:off x="7560000" y="6840000"/>
-            <a:ext cx="2512800" cy="532800"/>
+            <a:ext cx="2512440" cy="532440"/>
           </a:xfrm>
           <a:prstGeom prst="rect">
             <a:avLst/>
@@ -9232,7 +9372,7 @@
         <p:spPr>
           <a:xfrm>
             <a:off x="900000" y="6840000"/>
-            <a:ext cx="6472800" cy="532800"/>
+            <a:ext cx="6472440" cy="532440"/>
           </a:xfrm>
           <a:prstGeom prst="rect">
             <a:avLst/>
@@ -9279,7 +9419,7 @@
         <p:spPr>
           <a:xfrm>
             <a:off x="180000" y="6840000"/>
-            <a:ext cx="532800" cy="532800"/>
+            <a:ext cx="532440" cy="532440"/>
           </a:xfrm>
           <a:prstGeom prst="rect">
             <a:avLst/>
@@ -9856,7 +9996,7 @@
         <p:spPr>
           <a:xfrm>
             <a:off x="0" y="180000"/>
-            <a:ext cx="9712800" cy="1252800"/>
+            <a:ext cx="9712440" cy="1252440"/>
           </a:xfrm>
           <a:prstGeom prst="rect">
             <a:avLst/>
@@ -9903,7 +10043,7 @@
         <p:spPr>
           <a:xfrm>
             <a:off x="7560000" y="6840000"/>
-            <a:ext cx="2512800" cy="532800"/>
+            <a:ext cx="2512440" cy="532440"/>
           </a:xfrm>
           <a:prstGeom prst="rect">
             <a:avLst/>
@@ -9950,7 +10090,7 @@
         <p:spPr>
           <a:xfrm>
             <a:off x="900000" y="6840000"/>
-            <a:ext cx="6472800" cy="532800"/>
+            <a:ext cx="6472440" cy="532440"/>
           </a:xfrm>
           <a:prstGeom prst="rect">
             <a:avLst/>
@@ -9997,7 +10137,7 @@
         <p:spPr>
           <a:xfrm>
             <a:off x="180000" y="6840000"/>
-            <a:ext cx="532800" cy="532800"/>
+            <a:ext cx="532440" cy="532440"/>
           </a:xfrm>
           <a:prstGeom prst="rect">
             <a:avLst/>
@@ -11024,7 +11164,7 @@
         <p:spPr>
           <a:xfrm>
             <a:off x="0" y="180000"/>
-            <a:ext cx="9712800" cy="1252800"/>
+            <a:ext cx="9712440" cy="1252440"/>
           </a:xfrm>
           <a:prstGeom prst="rect">
             <a:avLst/>
@@ -11071,7 +11211,7 @@
         <p:spPr>
           <a:xfrm>
             <a:off x="7560000" y="6840000"/>
-            <a:ext cx="2512800" cy="532800"/>
+            <a:ext cx="2512440" cy="532440"/>
           </a:xfrm>
           <a:prstGeom prst="rect">
             <a:avLst/>
@@ -11118,7 +11258,7 @@
         <p:spPr>
           <a:xfrm>
             <a:off x="900000" y="6840000"/>
-            <a:ext cx="6472800" cy="532800"/>
+            <a:ext cx="6472440" cy="532440"/>
           </a:xfrm>
           <a:prstGeom prst="rect">
             <a:avLst/>
@@ -11165,7 +11305,7 @@
         <p:spPr>
           <a:xfrm>
             <a:off x="180000" y="6840000"/>
-            <a:ext cx="532800" cy="532800"/>
+            <a:ext cx="532440" cy="532440"/>
           </a:xfrm>
           <a:prstGeom prst="rect">
             <a:avLst/>
@@ -11243,7 +11383,7 @@
         <p:spPr>
           <a:xfrm>
             <a:off x="0" y="180000"/>
-            <a:ext cx="9712800" cy="1252800"/>
+            <a:ext cx="9712440" cy="1252440"/>
           </a:xfrm>
           <a:prstGeom prst="rect">
             <a:avLst/>
@@ -11290,7 +11430,7 @@
         <p:spPr>
           <a:xfrm>
             <a:off x="7560000" y="6840000"/>
-            <a:ext cx="2512800" cy="532800"/>
+            <a:ext cx="2512440" cy="532440"/>
           </a:xfrm>
           <a:prstGeom prst="rect">
             <a:avLst/>
@@ -11337,7 +11477,7 @@
         <p:spPr>
           <a:xfrm>
             <a:off x="900000" y="6840000"/>
-            <a:ext cx="6472800" cy="532800"/>
+            <a:ext cx="6472440" cy="532440"/>
           </a:xfrm>
           <a:prstGeom prst="rect">
             <a:avLst/>
@@ -11384,7 +11524,7 @@
         <p:spPr>
           <a:xfrm>
             <a:off x="180000" y="6840000"/>
-            <a:ext cx="532800" cy="532800"/>
+            <a:ext cx="532440" cy="532440"/>
           </a:xfrm>
           <a:prstGeom prst="rect">
             <a:avLst/>
@@ -11736,7 +11876,7 @@
         <p:spPr>
           <a:xfrm>
             <a:off x="0" y="180000"/>
-            <a:ext cx="9712800" cy="1252800"/>
+            <a:ext cx="9712440" cy="1252440"/>
           </a:xfrm>
           <a:prstGeom prst="rect">
             <a:avLst/>
@@ -11783,7 +11923,7 @@
         <p:spPr>
           <a:xfrm>
             <a:off x="7560000" y="6840000"/>
-            <a:ext cx="2512800" cy="532800"/>
+            <a:ext cx="2512440" cy="532440"/>
           </a:xfrm>
           <a:prstGeom prst="rect">
             <a:avLst/>
@@ -11830,7 +11970,7 @@
         <p:spPr>
           <a:xfrm>
             <a:off x="900000" y="6840000"/>
-            <a:ext cx="6472800" cy="532800"/>
+            <a:ext cx="6472440" cy="532440"/>
           </a:xfrm>
           <a:prstGeom prst="rect">
             <a:avLst/>
@@ -11877,7 +12017,7 @@
         <p:spPr>
           <a:xfrm>
             <a:off x="180000" y="6840000"/>
-            <a:ext cx="532800" cy="532800"/>
+            <a:ext cx="532440" cy="532440"/>
           </a:xfrm>
           <a:prstGeom prst="rect">
             <a:avLst/>
@@ -12229,7 +12369,7 @@
         <p:spPr>
           <a:xfrm>
             <a:off x="0" y="180000"/>
-            <a:ext cx="9712800" cy="1252800"/>
+            <a:ext cx="9712440" cy="1252440"/>
           </a:xfrm>
           <a:prstGeom prst="rect">
             <a:avLst/>
@@ -12276,7 +12416,7 @@
         <p:spPr>
           <a:xfrm>
             <a:off x="7560000" y="6840000"/>
-            <a:ext cx="2512800" cy="532800"/>
+            <a:ext cx="2512440" cy="532440"/>
           </a:xfrm>
           <a:prstGeom prst="rect">
             <a:avLst/>
@@ -12323,7 +12463,7 @@
         <p:spPr>
           <a:xfrm>
             <a:off x="900000" y="6840000"/>
-            <a:ext cx="6472800" cy="532800"/>
+            <a:ext cx="6472440" cy="532440"/>
           </a:xfrm>
           <a:prstGeom prst="rect">
             <a:avLst/>
@@ -12370,7 +12510,7 @@
         <p:spPr>
           <a:xfrm>
             <a:off x="180000" y="6840000"/>
-            <a:ext cx="532800" cy="532800"/>
+            <a:ext cx="532440" cy="532440"/>
           </a:xfrm>
           <a:prstGeom prst="rect">
             <a:avLst/>
@@ -12722,7 +12862,7 @@
         <p:spPr>
           <a:xfrm>
             <a:off x="0" y="3150000"/>
-            <a:ext cx="9712800" cy="1252800"/>
+            <a:ext cx="9712440" cy="1252440"/>
           </a:xfrm>
           <a:prstGeom prst="rect">
             <a:avLst/>
@@ -13301,7 +13441,7 @@
         <p:spPr>
           <a:xfrm>
             <a:off x="0" y="180000"/>
-            <a:ext cx="9712800" cy="1252800"/>
+            <a:ext cx="9712440" cy="1252440"/>
           </a:xfrm>
           <a:prstGeom prst="rect">
             <a:avLst/>
@@ -13348,7 +13488,7 @@
         <p:spPr>
           <a:xfrm>
             <a:off x="7560000" y="6840000"/>
-            <a:ext cx="2512800" cy="532800"/>
+            <a:ext cx="2512440" cy="532440"/>
           </a:xfrm>
           <a:prstGeom prst="rect">
             <a:avLst/>
@@ -13395,7 +13535,7 @@
         <p:spPr>
           <a:xfrm>
             <a:off x="900000" y="6840000"/>
-            <a:ext cx="6472800" cy="532800"/>
+            <a:ext cx="6472440" cy="532440"/>
           </a:xfrm>
           <a:prstGeom prst="rect">
             <a:avLst/>
@@ -13442,7 +13582,7 @@
         <p:spPr>
           <a:xfrm>
             <a:off x="180000" y="6840000"/>
-            <a:ext cx="532800" cy="532800"/>
+            <a:ext cx="532440" cy="532440"/>
           </a:xfrm>
           <a:prstGeom prst="rect">
             <a:avLst/>
@@ -14019,7 +14159,7 @@
         <p:spPr>
           <a:xfrm>
             <a:off x="0" y="180000"/>
-            <a:ext cx="9712800" cy="1252800"/>
+            <a:ext cx="9712440" cy="1252440"/>
           </a:xfrm>
           <a:prstGeom prst="rect">
             <a:avLst/>
@@ -14066,7 +14206,7 @@
         <p:spPr>
           <a:xfrm>
             <a:off x="7560000" y="6840000"/>
-            <a:ext cx="2512800" cy="532800"/>
+            <a:ext cx="2512440" cy="532440"/>
           </a:xfrm>
           <a:prstGeom prst="rect">
             <a:avLst/>
@@ -14113,7 +14253,7 @@
         <p:spPr>
           <a:xfrm>
             <a:off x="900000" y="6840000"/>
-            <a:ext cx="6472800" cy="532800"/>
+            <a:ext cx="6472440" cy="532440"/>
           </a:xfrm>
           <a:prstGeom prst="rect">
             <a:avLst/>
@@ -14160,7 +14300,7 @@
         <p:spPr>
           <a:xfrm>
             <a:off x="180000" y="6840000"/>
-            <a:ext cx="532800" cy="532800"/>
+            <a:ext cx="532440" cy="532440"/>
           </a:xfrm>
           <a:prstGeom prst="rect">
             <a:avLst/>
@@ -14287,7 +14427,7 @@
         <p:spPr>
           <a:xfrm>
             <a:off x="0" y="180000"/>
-            <a:ext cx="9712800" cy="1252800"/>
+            <a:ext cx="9712440" cy="1252440"/>
           </a:xfrm>
           <a:prstGeom prst="rect">
             <a:avLst/>
@@ -14334,7 +14474,7 @@
         <p:spPr>
           <a:xfrm>
             <a:off x="7560000" y="6840000"/>
-            <a:ext cx="2512800" cy="532800"/>
+            <a:ext cx="2512440" cy="532440"/>
           </a:xfrm>
           <a:prstGeom prst="rect">
             <a:avLst/>
@@ -14381,7 +14521,7 @@
         <p:spPr>
           <a:xfrm>
             <a:off x="900000" y="6840000"/>
-            <a:ext cx="6472800" cy="532800"/>
+            <a:ext cx="6472440" cy="532440"/>
           </a:xfrm>
           <a:prstGeom prst="rect">
             <a:avLst/>
@@ -14428,7 +14568,7 @@
         <p:spPr>
           <a:xfrm>
             <a:off x="180000" y="6840000"/>
-            <a:ext cx="532800" cy="532800"/>
+            <a:ext cx="532440" cy="532440"/>
           </a:xfrm>
           <a:prstGeom prst="rect">
             <a:avLst/>
@@ -14506,7 +14646,7 @@
         <p:spPr>
           <a:xfrm>
             <a:off x="0" y="180000"/>
-            <a:ext cx="9712800" cy="1252800"/>
+            <a:ext cx="9712440" cy="1252440"/>
           </a:xfrm>
           <a:prstGeom prst="rect">
             <a:avLst/>
@@ -14553,7 +14693,7 @@
         <p:spPr>
           <a:xfrm>
             <a:off x="7560000" y="6840000"/>
-            <a:ext cx="2512800" cy="532800"/>
+            <a:ext cx="2512440" cy="532440"/>
           </a:xfrm>
           <a:prstGeom prst="rect">
             <a:avLst/>
@@ -14600,7 +14740,7 @@
         <p:spPr>
           <a:xfrm>
             <a:off x="900000" y="6840000"/>
-            <a:ext cx="6472800" cy="532800"/>
+            <a:ext cx="6472440" cy="532440"/>
           </a:xfrm>
           <a:prstGeom prst="rect">
             <a:avLst/>
@@ -14647,7 +14787,7 @@
         <p:spPr>
           <a:xfrm>
             <a:off x="180000" y="6840000"/>
-            <a:ext cx="532800" cy="532800"/>
+            <a:ext cx="532440" cy="532440"/>
           </a:xfrm>
           <a:prstGeom prst="rect">
             <a:avLst/>
@@ -15449,7 +15589,7 @@
         <p:spPr>
           <a:xfrm>
             <a:off x="0" y="180000"/>
-            <a:ext cx="9712800" cy="1252800"/>
+            <a:ext cx="9712440" cy="1252440"/>
           </a:xfrm>
           <a:prstGeom prst="rect">
             <a:avLst/>
@@ -15496,7 +15636,7 @@
         <p:spPr>
           <a:xfrm>
             <a:off x="7560000" y="6840000"/>
-            <a:ext cx="2512800" cy="532800"/>
+            <a:ext cx="2512440" cy="532440"/>
           </a:xfrm>
           <a:prstGeom prst="rect">
             <a:avLst/>
@@ -15543,7 +15683,7 @@
         <p:spPr>
           <a:xfrm>
             <a:off x="900000" y="6840000"/>
-            <a:ext cx="6472800" cy="532800"/>
+            <a:ext cx="6472440" cy="532440"/>
           </a:xfrm>
           <a:prstGeom prst="rect">
             <a:avLst/>
@@ -15590,7 +15730,7 @@
         <p:spPr>
           <a:xfrm>
             <a:off x="180000" y="6840000"/>
-            <a:ext cx="532800" cy="532800"/>
+            <a:ext cx="532440" cy="532440"/>
           </a:xfrm>
           <a:prstGeom prst="rect">
             <a:avLst/>
@@ -16392,7 +16532,7 @@
         <p:spPr>
           <a:xfrm>
             <a:off x="0" y="3150000"/>
-            <a:ext cx="9712800" cy="1252800"/>
+            <a:ext cx="9712440" cy="1252440"/>
           </a:xfrm>
           <a:prstGeom prst="rect">
             <a:avLst/>
@@ -16415,6 +16555,11 @@
             <a:noAutofit/>
           </a:bodyPr>
           <a:p>
+            <a:pPr>
+              <a:lnSpc>
+                <a:spcPct val="100000"/>
+              </a:lnSpc>
+            </a:pPr>
             <a:endParaRPr b="0" lang="en-US" sz="1800" spc="-1" strike="noStrike">
               <a:solidFill>
                 <a:srgbClr val="ffffff"/>
@@ -16741,7 +16886,7 @@
         <p:spPr>
           <a:xfrm>
             <a:off x="0" y="3150000"/>
-            <a:ext cx="9712800" cy="1252800"/>
+            <a:ext cx="9712440" cy="1252440"/>
           </a:xfrm>
           <a:prstGeom prst="rect">
             <a:avLst/>
@@ -17770,7 +17915,7 @@
         <p:spPr>
           <a:xfrm>
             <a:off x="0" y="3150000"/>
-            <a:ext cx="9712800" cy="1252800"/>
+            <a:ext cx="9712440" cy="1252440"/>
           </a:xfrm>
           <a:prstGeom prst="rect">
             <a:avLst/>
@@ -17850,7 +17995,7 @@
         <p:spPr>
           <a:xfrm>
             <a:off x="0" y="3150000"/>
-            <a:ext cx="9712800" cy="1252800"/>
+            <a:ext cx="9712440" cy="1252440"/>
           </a:xfrm>
           <a:prstGeom prst="rect">
             <a:avLst/>
@@ -18204,7 +18349,7 @@
         <p:spPr>
           <a:xfrm>
             <a:off x="0" y="3150000"/>
-            <a:ext cx="9712800" cy="1252800"/>
+            <a:ext cx="9712440" cy="1252440"/>
           </a:xfrm>
           <a:prstGeom prst="rect">
             <a:avLst/>
@@ -18558,7 +18703,7 @@
         <p:spPr>
           <a:xfrm>
             <a:off x="0" y="3150000"/>
-            <a:ext cx="9712800" cy="1252800"/>
+            <a:ext cx="9712440" cy="1252440"/>
           </a:xfrm>
           <a:prstGeom prst="rect">
             <a:avLst/>
@@ -18912,7 +19057,7 @@
         <p:spPr>
           <a:xfrm>
             <a:off x="0" y="3150000"/>
-            <a:ext cx="9712800" cy="1252800"/>
+            <a:ext cx="9712440" cy="1252440"/>
           </a:xfrm>
           <a:prstGeom prst="rect">
             <a:avLst/>
@@ -19491,7 +19636,7 @@
         <p:spPr>
           <a:xfrm>
             <a:off x="0" y="3150000"/>
-            <a:ext cx="9712800" cy="1252800"/>
+            <a:ext cx="9712440" cy="1252440"/>
           </a:xfrm>
           <a:prstGeom prst="rect">
             <a:avLst/>
@@ -19613,7 +19758,7 @@
         <p:spPr>
           <a:xfrm>
             <a:off x="360000" y="3330000"/>
-            <a:ext cx="9352800" cy="892800"/>
+            <a:ext cx="9352440" cy="892440"/>
           </a:xfrm>
           <a:prstGeom prst="rect">
             <a:avLst/>
@@ -19680,7 +19825,7 @@
                 <a:latin typeface="Latin Modern Sans"/>
                 <a:ea typeface="DejaVu Sans"/>
               </a:rPr>
-              <a:t>Complexidade e Listas Ligadas</a:t>
+              <a:t>Complexidade e Programação Dinâmica</a:t>
             </a:r>
             <a:endParaRPr b="0" lang="en-US" sz="2400" spc="-1" strike="noStrike">
               <a:solidFill>
@@ -19700,7 +19845,7 @@
         <p:spPr>
           <a:xfrm>
             <a:off x="540000" y="4680000"/>
-            <a:ext cx="9172800" cy="2512800"/>
+            <a:ext cx="9172440" cy="2512440"/>
           </a:xfrm>
           <a:prstGeom prst="rect">
             <a:avLst/>
@@ -19925,7 +20070,7 @@
         <p:spPr>
           <a:xfrm>
             <a:off x="7608600" y="6886080"/>
-            <a:ext cx="2278080" cy="357840"/>
+            <a:ext cx="2277720" cy="357480"/>
           </a:xfrm>
           <a:prstGeom prst="rect">
             <a:avLst/>
@@ -19979,7 +20124,7 @@
         <p:spPr>
           <a:xfrm>
             <a:off x="897120" y="6886080"/>
-            <a:ext cx="6440040" cy="357840"/>
+            <a:ext cx="6439680" cy="357480"/>
           </a:xfrm>
           <a:prstGeom prst="rect">
             <a:avLst/>
@@ -20033,7 +20178,7 @@
         <p:spPr>
           <a:xfrm>
             <a:off x="495360" y="3062880"/>
-            <a:ext cx="6033240" cy="4672800"/>
+            <a:ext cx="6032880" cy="4672440"/>
           </a:xfrm>
           <a:prstGeom prst="rect">
             <a:avLst/>
@@ -20291,7 +20436,7 @@
         <p:spPr>
           <a:xfrm>
             <a:off x="182880" y="698400"/>
-            <a:ext cx="4086720" cy="579960"/>
+            <a:ext cx="4086360" cy="579600"/>
           </a:xfrm>
           <a:prstGeom prst="rect">
             <a:avLst/>
@@ -20349,7 +20494,7 @@
         <p:spPr>
           <a:xfrm>
             <a:off x="182880" y="2078640"/>
-            <a:ext cx="4498560" cy="692280"/>
+            <a:ext cx="4498200" cy="691920"/>
           </a:xfrm>
           <a:prstGeom prst="rect">
             <a:avLst/>
@@ -20372,7 +20517,7 @@
         <p:spPr>
           <a:xfrm>
             <a:off x="4860000" y="2700000"/>
-            <a:ext cx="4731120" cy="2660760"/>
+            <a:ext cx="4730760" cy="2660400"/>
           </a:xfrm>
           <a:prstGeom prst="rect">
             <a:avLst/>
@@ -20421,7 +20566,7 @@
         <p:spPr>
           <a:xfrm>
             <a:off x="7608600" y="6886080"/>
-            <a:ext cx="2278080" cy="357840"/>
+            <a:ext cx="2277720" cy="357480"/>
           </a:xfrm>
           <a:prstGeom prst="rect">
             <a:avLst/>
@@ -20475,7 +20620,7 @@
         <p:spPr>
           <a:xfrm>
             <a:off x="897120" y="6886080"/>
-            <a:ext cx="6440040" cy="357840"/>
+            <a:ext cx="6439680" cy="357480"/>
           </a:xfrm>
           <a:prstGeom prst="rect">
             <a:avLst/>
@@ -20529,7 +20674,7 @@
         <p:spPr>
           <a:xfrm>
             <a:off x="360000" y="1980000"/>
-            <a:ext cx="9172800" cy="4672800"/>
+            <a:ext cx="9172440" cy="4672440"/>
           </a:xfrm>
           <a:prstGeom prst="rect">
             <a:avLst/>
@@ -20844,7 +20989,7 @@
         <p:spPr>
           <a:xfrm>
             <a:off x="165240" y="731520"/>
-            <a:ext cx="3512160" cy="579960"/>
+            <a:ext cx="3511800" cy="579600"/>
           </a:xfrm>
           <a:prstGeom prst="rect">
             <a:avLst/>
@@ -20922,7 +21067,7 @@
         <p:spPr>
           <a:xfrm>
             <a:off x="471960" y="1980000"/>
-            <a:ext cx="4093560" cy="1179000"/>
+            <a:ext cx="4093200" cy="1178640"/>
           </a:xfrm>
           <a:prstGeom prst="rect">
             <a:avLst/>
@@ -20945,7 +21090,7 @@
         <p:spPr>
           <a:xfrm>
             <a:off x="5040000" y="2700000"/>
-            <a:ext cx="4731120" cy="2660760"/>
+            <a:ext cx="4730760" cy="2660400"/>
           </a:xfrm>
           <a:prstGeom prst="rect">
             <a:avLst/>
@@ -20994,7 +21139,7 @@
         <p:spPr>
           <a:xfrm>
             <a:off x="7608600" y="6886080"/>
-            <a:ext cx="2278080" cy="357840"/>
+            <a:ext cx="2277720" cy="357480"/>
           </a:xfrm>
           <a:prstGeom prst="rect">
             <a:avLst/>
@@ -21048,7 +21193,7 @@
         <p:spPr>
           <a:xfrm>
             <a:off x="897120" y="6886080"/>
-            <a:ext cx="6440040" cy="357840"/>
+            <a:ext cx="6439680" cy="357480"/>
           </a:xfrm>
           <a:prstGeom prst="rect">
             <a:avLst/>
@@ -21102,7 +21247,7 @@
         <p:spPr>
           <a:xfrm>
             <a:off x="165240" y="731520"/>
-            <a:ext cx="3512160" cy="579960"/>
+            <a:ext cx="3511800" cy="579600"/>
           </a:xfrm>
           <a:prstGeom prst="rect">
             <a:avLst/>
@@ -21160,7 +21305,7 @@
         <p:spPr>
           <a:xfrm>
             <a:off x="2344680" y="2179080"/>
-            <a:ext cx="5199120" cy="3514680"/>
+            <a:ext cx="5198760" cy="3514320"/>
           </a:xfrm>
           <a:prstGeom prst="rect">
             <a:avLst/>
@@ -21179,7 +21324,7 @@
         <p:spPr>
           <a:xfrm>
             <a:off x="765360" y="1620000"/>
-            <a:ext cx="3373920" cy="559080"/>
+            <a:ext cx="3373560" cy="558720"/>
           </a:xfrm>
           <a:prstGeom prst="rect">
             <a:avLst/>
@@ -21263,7 +21408,7 @@
         <p:spPr>
           <a:xfrm>
             <a:off x="360000" y="360000"/>
-            <a:ext cx="9352800" cy="892800"/>
+            <a:ext cx="9352440" cy="892440"/>
           </a:xfrm>
           <a:prstGeom prst="rect">
             <a:avLst/>
@@ -21317,7 +21462,7 @@
         <p:spPr>
           <a:xfrm>
             <a:off x="360000" y="1980000"/>
-            <a:ext cx="9172800" cy="4672800"/>
+            <a:ext cx="9172440" cy="4672440"/>
           </a:xfrm>
           <a:prstGeom prst="rect">
             <a:avLst/>
@@ -21494,7 +21639,7 @@
         <p:spPr>
           <a:xfrm>
             <a:off x="7608600" y="6886080"/>
-            <a:ext cx="2278080" cy="357840"/>
+            <a:ext cx="2277720" cy="357480"/>
           </a:xfrm>
           <a:prstGeom prst="rect">
             <a:avLst/>
@@ -21548,7 +21693,7 @@
         <p:spPr>
           <a:xfrm>
             <a:off x="897120" y="6886080"/>
-            <a:ext cx="6440040" cy="357840"/>
+            <a:ext cx="6439680" cy="357480"/>
           </a:xfrm>
           <a:prstGeom prst="rect">
             <a:avLst/>
@@ -21605,8 +21750,8 @@
         </p:blipFill>
         <p:spPr>
           <a:xfrm>
-            <a:off x="360000" y="3273840"/>
-            <a:ext cx="3683880" cy="2493360"/>
+            <a:off x="228600" y="3200400"/>
+            <a:ext cx="3683520" cy="2493000"/>
           </a:xfrm>
           <a:prstGeom prst="rect">
             <a:avLst/>
@@ -21629,7 +21774,7 @@
         <p:spPr>
           <a:xfrm>
             <a:off x="4272840" y="3031200"/>
-            <a:ext cx="5259960" cy="2917080"/>
+            <a:ext cx="5259600" cy="2916720"/>
           </a:xfrm>
           <a:prstGeom prst="rect">
             <a:avLst/>
@@ -21648,7 +21793,7 @@
         <p:spPr>
           <a:xfrm>
             <a:off x="5749200" y="2392920"/>
-            <a:ext cx="3430080" cy="363960"/>
+            <a:ext cx="3429720" cy="363960"/>
           </a:xfrm>
           <a:prstGeom prst="rect">
             <a:avLst/>
@@ -21705,7 +21850,7 @@
         <p:spPr>
           <a:xfrm>
             <a:off x="1144440" y="2520000"/>
-            <a:ext cx="2634840" cy="363960"/>
+            <a:ext cx="2634480" cy="363960"/>
           </a:xfrm>
           <a:prstGeom prst="rect">
             <a:avLst/>
@@ -21799,7 +21944,7 @@
         <p:spPr>
           <a:xfrm>
             <a:off x="360000" y="360000"/>
-            <a:ext cx="9352800" cy="892800"/>
+            <a:ext cx="9352440" cy="892440"/>
           </a:xfrm>
           <a:prstGeom prst="rect">
             <a:avLst/>
@@ -21853,7 +21998,7 @@
         <p:spPr>
           <a:xfrm>
             <a:off x="360000" y="1980000"/>
-            <a:ext cx="9172800" cy="4672800"/>
+            <a:ext cx="9172440" cy="4672440"/>
           </a:xfrm>
           <a:prstGeom prst="rect">
             <a:avLst/>
@@ -22356,7 +22501,7 @@
         <p:spPr>
           <a:xfrm>
             <a:off x="7608600" y="6886080"/>
-            <a:ext cx="2278080" cy="357840"/>
+            <a:ext cx="2277720" cy="357480"/>
           </a:xfrm>
           <a:prstGeom prst="rect">
             <a:avLst/>
@@ -22410,7 +22555,7 @@
         <p:spPr>
           <a:xfrm>
             <a:off x="897120" y="6886080"/>
-            <a:ext cx="6440040" cy="357840"/>
+            <a:ext cx="6439680" cy="357480"/>
           </a:xfrm>
           <a:prstGeom prst="rect">
             <a:avLst/>
@@ -22468,7 +22613,7 @@
         <p:spPr>
           <a:xfrm>
             <a:off x="2700000" y="3104640"/>
-            <a:ext cx="3599280" cy="2572200"/>
+            <a:ext cx="3598920" cy="2571840"/>
           </a:xfrm>
           <a:prstGeom prst="rect">
             <a:avLst/>
@@ -22510,14 +22655,14 @@
       </p:grpSpPr>
       <p:sp>
         <p:nvSpPr>
-          <p:cNvPr id="258" name="CustomShape 7"/>
+          <p:cNvPr id="258" name="CustomShape 10"/>
           <p:cNvSpPr/>
           <p:nvPr/>
         </p:nvSpPr>
         <p:spPr>
           <a:xfrm>
-            <a:off x="360000" y="3330000"/>
-            <a:ext cx="9352800" cy="892800"/>
+            <a:off x="360000" y="360000"/>
+            <a:ext cx="9352440" cy="892440"/>
           </a:xfrm>
           <a:prstGeom prst="rect">
             <a:avLst/>
@@ -22544,16 +22689,16 @@
               </a:lnSpc>
             </a:pPr>
             <a:r>
-              <a:rPr b="1" lang="pt-BR" sz="2400" spc="-1" strike="noStrike">
+              <a:rPr b="1" lang="pt-BR" sz="3200" spc="-1" strike="noStrike">
                 <a:solidFill>
                   <a:srgbClr val="ffffff"/>
                 </a:solidFill>
                 <a:latin typeface="Latin Modern Sans"/>
                 <a:ea typeface="DejaVu Sans"/>
               </a:rPr>
-              <a:t>Tópico 02 – Programação Dinâmica</a:t>
-            </a:r>
-            <a:endParaRPr b="0" lang="en-US" sz="2400" spc="-1" strike="noStrike">
+              <a:t>Linear: O(n)</a:t>
+            </a:r>
+            <a:endParaRPr b="0" lang="en-US" sz="3200" spc="-1" strike="noStrike">
               <a:solidFill>
                 <a:srgbClr val="000000"/>
               </a:solidFill>
@@ -22562,6 +22707,479 @@
           </a:p>
         </p:txBody>
       </p:sp>
+      <p:sp>
+        <p:nvSpPr>
+          <p:cNvPr id="259" name="CustomShape 11"/>
+          <p:cNvSpPr/>
+          <p:nvPr/>
+        </p:nvSpPr>
+        <p:spPr>
+          <a:xfrm>
+            <a:off x="7608600" y="6886080"/>
+            <a:ext cx="2277720" cy="357480"/>
+          </a:xfrm>
+          <a:prstGeom prst="rect">
+            <a:avLst/>
+          </a:prstGeom>
+          <a:noFill/>
+          <a:ln w="0">
+            <a:noFill/>
+          </a:ln>
+        </p:spPr>
+        <p:style>
+          <a:lnRef idx="0"/>
+          <a:fillRef idx="0"/>
+          <a:effectRef idx="0"/>
+          <a:fontRef idx="minor"/>
+        </p:style>
+        <p:txBody>
+          <a:bodyPr lIns="90000" rIns="90000" tIns="45000" bIns="45000" anchor="t">
+            <a:noAutofit/>
+          </a:bodyPr>
+          <a:p>
+            <a:pPr>
+              <a:lnSpc>
+                <a:spcPct val="100000"/>
+              </a:lnSpc>
+            </a:pPr>
+            <a:r>
+              <a:rPr b="0" lang="pt-BR" sz="1800" spc="-1" strike="noStrike">
+                <a:solidFill>
+                  <a:srgbClr val="000000"/>
+                </a:solidFill>
+                <a:latin typeface="Arial"/>
+                <a:ea typeface="DejaVu Sans"/>
+              </a:rPr>
+              <a:t>Aula 07</a:t>
+            </a:r>
+            <a:endParaRPr b="0" lang="en-US" sz="1800" spc="-1" strike="noStrike">
+              <a:solidFill>
+                <a:srgbClr val="000000"/>
+              </a:solidFill>
+              <a:latin typeface="Arial"/>
+            </a:endParaRPr>
+          </a:p>
+        </p:txBody>
+      </p:sp>
+      <p:sp>
+        <p:nvSpPr>
+          <p:cNvPr id="260" name="CustomShape 12"/>
+          <p:cNvSpPr/>
+          <p:nvPr/>
+        </p:nvSpPr>
+        <p:spPr>
+          <a:xfrm>
+            <a:off x="897120" y="6886080"/>
+            <a:ext cx="6439680" cy="357480"/>
+          </a:xfrm>
+          <a:prstGeom prst="rect">
+            <a:avLst/>
+          </a:prstGeom>
+          <a:noFill/>
+          <a:ln w="0">
+            <a:noFill/>
+          </a:ln>
+        </p:spPr>
+        <p:style>
+          <a:lnRef idx="0"/>
+          <a:fillRef idx="0"/>
+          <a:effectRef idx="0"/>
+          <a:fontRef idx="minor"/>
+        </p:style>
+        <p:txBody>
+          <a:bodyPr lIns="90000" rIns="90000" tIns="45000" bIns="45000" anchor="t">
+            <a:noAutofit/>
+          </a:bodyPr>
+          <a:p>
+            <a:pPr>
+              <a:lnSpc>
+                <a:spcPct val="100000"/>
+              </a:lnSpc>
+            </a:pPr>
+            <a:r>
+              <a:rPr b="0" lang="pt-BR" sz="1800" spc="-1" strike="noStrike">
+                <a:solidFill>
+                  <a:srgbClr val="000000"/>
+                </a:solidFill>
+                <a:latin typeface="Arial"/>
+                <a:ea typeface="DejaVu Sans"/>
+              </a:rPr>
+              <a:t>Fund. Algoritmos e Estrutura de Dados - Prof. André Hochuli</a:t>
+            </a:r>
+            <a:endParaRPr b="0" lang="en-US" sz="1800" spc="-1" strike="noStrike">
+              <a:solidFill>
+                <a:srgbClr val="000000"/>
+              </a:solidFill>
+              <a:latin typeface="Arial"/>
+            </a:endParaRPr>
+          </a:p>
+        </p:txBody>
+      </p:sp>
+      <p:sp>
+        <p:nvSpPr>
+          <p:cNvPr id="261" name="CustomShape 13"/>
+          <p:cNvSpPr/>
+          <p:nvPr/>
+        </p:nvSpPr>
+        <p:spPr>
+          <a:xfrm>
+            <a:off x="360000" y="1980000"/>
+            <a:ext cx="9172440" cy="4672440"/>
+          </a:xfrm>
+          <a:prstGeom prst="rect">
+            <a:avLst/>
+          </a:prstGeom>
+          <a:noFill/>
+          <a:ln w="0">
+            <a:noFill/>
+          </a:ln>
+        </p:spPr>
+        <p:style>
+          <a:lnRef idx="0"/>
+          <a:fillRef idx="0"/>
+          <a:effectRef idx="0"/>
+          <a:fontRef idx="minor"/>
+        </p:style>
+        <p:txBody>
+          <a:bodyPr lIns="0" rIns="0" tIns="0" bIns="0" anchor="t">
+            <a:normAutofit/>
+          </a:bodyPr>
+          <a:p>
+            <a:pPr>
+              <a:lnSpc>
+                <a:spcPct val="100000"/>
+              </a:lnSpc>
+              <a:spcAft>
+                <a:spcPts val="1140"/>
+              </a:spcAft>
+            </a:pPr>
+            <a:endParaRPr b="0" lang="en-US" sz="1800" spc="-1" strike="noStrike">
+              <a:solidFill>
+                <a:srgbClr val="000000"/>
+              </a:solidFill>
+              <a:latin typeface="Arial"/>
+            </a:endParaRPr>
+          </a:p>
+          <a:p>
+            <a:pPr>
+              <a:lnSpc>
+                <a:spcPct val="100000"/>
+              </a:lnSpc>
+              <a:spcAft>
+                <a:spcPts val="1140"/>
+              </a:spcAft>
+            </a:pPr>
+            <a:endParaRPr b="0" lang="en-US" sz="1800" spc="-1" strike="noStrike">
+              <a:solidFill>
+                <a:srgbClr val="000000"/>
+              </a:solidFill>
+              <a:latin typeface="Arial"/>
+            </a:endParaRPr>
+          </a:p>
+          <a:p>
+            <a:pPr>
+              <a:lnSpc>
+                <a:spcPct val="100000"/>
+              </a:lnSpc>
+              <a:spcAft>
+                <a:spcPts val="1140"/>
+              </a:spcAft>
+            </a:pPr>
+            <a:endParaRPr b="0" lang="en-US" sz="1800" spc="-1" strike="noStrike">
+              <a:solidFill>
+                <a:srgbClr val="000000"/>
+              </a:solidFill>
+              <a:latin typeface="Arial"/>
+            </a:endParaRPr>
+          </a:p>
+          <a:p>
+            <a:pPr>
+              <a:lnSpc>
+                <a:spcPct val="100000"/>
+              </a:lnSpc>
+              <a:spcAft>
+                <a:spcPts val="1140"/>
+              </a:spcAft>
+            </a:pPr>
+            <a:endParaRPr b="0" lang="en-US" sz="1800" spc="-1" strike="noStrike">
+              <a:solidFill>
+                <a:srgbClr val="000000"/>
+              </a:solidFill>
+              <a:latin typeface="Arial"/>
+            </a:endParaRPr>
+          </a:p>
+          <a:p>
+            <a:pPr>
+              <a:lnSpc>
+                <a:spcPct val="100000"/>
+              </a:lnSpc>
+              <a:spcAft>
+                <a:spcPts val="1140"/>
+              </a:spcAft>
+            </a:pPr>
+            <a:endParaRPr b="0" lang="en-US" sz="1800" spc="-1" strike="noStrike">
+              <a:solidFill>
+                <a:srgbClr val="000000"/>
+              </a:solidFill>
+              <a:latin typeface="Arial"/>
+            </a:endParaRPr>
+          </a:p>
+          <a:p>
+            <a:pPr>
+              <a:lnSpc>
+                <a:spcPct val="100000"/>
+              </a:lnSpc>
+              <a:spcAft>
+                <a:spcPts val="1140"/>
+              </a:spcAft>
+            </a:pPr>
+            <a:endParaRPr b="0" lang="en-US" sz="1800" spc="-1" strike="noStrike">
+              <a:solidFill>
+                <a:srgbClr val="000000"/>
+              </a:solidFill>
+              <a:latin typeface="Arial"/>
+            </a:endParaRPr>
+          </a:p>
+          <a:p>
+            <a:pPr lvl="1" marL="432000" indent="-212400">
+              <a:lnSpc>
+                <a:spcPct val="100000"/>
+              </a:lnSpc>
+              <a:spcAft>
+                <a:spcPts val="1140"/>
+              </a:spcAft>
+              <a:buClr>
+                <a:srgbClr val="000000"/>
+              </a:buClr>
+              <a:buSzPct val="45000"/>
+              <a:buFont typeface="Wingdings" charset="2"/>
+              <a:buChar char=""/>
+            </a:pPr>
+            <a:r>
+              <a:rPr b="1" lang="pt-BR" sz="1600" spc="-1" strike="noStrike">
+                <a:solidFill>
+                  <a:srgbClr val="1c1c1c"/>
+                </a:solidFill>
+                <a:latin typeface="Latin Modern Sans"/>
+                <a:ea typeface="DejaVu Sans"/>
+              </a:rPr>
+              <a:t>N = 1 → 1 iter → O(N) </a:t>
+            </a:r>
+            <a:endParaRPr b="0" lang="en-US" sz="1600" spc="-1" strike="noStrike">
+              <a:solidFill>
+                <a:srgbClr val="000000"/>
+              </a:solidFill>
+              <a:latin typeface="Arial"/>
+            </a:endParaRPr>
+          </a:p>
+          <a:p>
+            <a:pPr lvl="1" marL="432000" indent="-212400">
+              <a:lnSpc>
+                <a:spcPct val="100000"/>
+              </a:lnSpc>
+              <a:spcAft>
+                <a:spcPts val="1140"/>
+              </a:spcAft>
+              <a:buClr>
+                <a:srgbClr val="000000"/>
+              </a:buClr>
+              <a:buSzPct val="45000"/>
+              <a:buFont typeface="Wingdings" charset="2"/>
+              <a:buChar char=""/>
+            </a:pPr>
+            <a:r>
+              <a:rPr b="1" lang="pt-BR" sz="1600" spc="-1" strike="noStrike">
+                <a:solidFill>
+                  <a:srgbClr val="1c1c1c"/>
+                </a:solidFill>
+                <a:latin typeface="Latin Modern Sans"/>
+                <a:ea typeface="DejaVu Sans"/>
+              </a:rPr>
+              <a:t>N = 1000 → 1000 iter →  O(N) </a:t>
+            </a:r>
+            <a:endParaRPr b="0" lang="en-US" sz="1600" spc="-1" strike="noStrike">
+              <a:solidFill>
+                <a:srgbClr val="000000"/>
+              </a:solidFill>
+              <a:latin typeface="Arial"/>
+            </a:endParaRPr>
+          </a:p>
+          <a:p>
+            <a:pPr lvl="1" marL="432000" indent="-212400">
+              <a:lnSpc>
+                <a:spcPct val="100000"/>
+              </a:lnSpc>
+              <a:spcAft>
+                <a:spcPts val="1140"/>
+              </a:spcAft>
+              <a:buClr>
+                <a:srgbClr val="000000"/>
+              </a:buClr>
+              <a:buSzPct val="45000"/>
+              <a:buFont typeface="Wingdings" charset="2"/>
+              <a:buChar char=""/>
+            </a:pPr>
+            <a:r>
+              <a:rPr b="1" lang="pt-BR" sz="1600" spc="-1" strike="noStrike">
+                <a:solidFill>
+                  <a:srgbClr val="1c1c1c"/>
+                </a:solidFill>
+                <a:latin typeface="Latin Modern Sans"/>
+                <a:ea typeface="DejaVu Sans"/>
+              </a:rPr>
+              <a:t>N= 10000 → 10000 iter → O(N)</a:t>
+            </a:r>
+            <a:endParaRPr b="0" lang="en-US" sz="1600" spc="-1" strike="noStrike">
+              <a:solidFill>
+                <a:srgbClr val="000000"/>
+              </a:solidFill>
+              <a:latin typeface="Arial"/>
+            </a:endParaRPr>
+          </a:p>
+          <a:p>
+            <a:pPr>
+              <a:lnSpc>
+                <a:spcPct val="100000"/>
+              </a:lnSpc>
+              <a:spcAft>
+                <a:spcPts val="1140"/>
+              </a:spcAft>
+            </a:pPr>
+            <a:endParaRPr b="0" lang="en-US" sz="1600" spc="-1" strike="noStrike">
+              <a:solidFill>
+                <a:srgbClr val="000000"/>
+              </a:solidFill>
+              <a:latin typeface="Arial"/>
+            </a:endParaRPr>
+          </a:p>
+          <a:p>
+            <a:pPr>
+              <a:lnSpc>
+                <a:spcPct val="100000"/>
+              </a:lnSpc>
+              <a:spcAft>
+                <a:spcPts val="1140"/>
+              </a:spcAft>
+            </a:pPr>
+            <a:endParaRPr b="0" lang="en-US" sz="1600" spc="-1" strike="noStrike">
+              <a:solidFill>
+                <a:srgbClr val="000000"/>
+              </a:solidFill>
+              <a:latin typeface="Arial"/>
+            </a:endParaRPr>
+          </a:p>
+          <a:p>
+            <a:pPr>
+              <a:lnSpc>
+                <a:spcPct val="100000"/>
+              </a:lnSpc>
+              <a:spcAft>
+                <a:spcPts val="1140"/>
+              </a:spcAft>
+            </a:pPr>
+            <a:endParaRPr b="0" lang="en-US" sz="1600" spc="-1" strike="noStrike">
+              <a:solidFill>
+                <a:srgbClr val="000000"/>
+              </a:solidFill>
+              <a:latin typeface="Arial"/>
+            </a:endParaRPr>
+          </a:p>
+          <a:p>
+            <a:pPr>
+              <a:lnSpc>
+                <a:spcPct val="100000"/>
+              </a:lnSpc>
+              <a:spcAft>
+                <a:spcPts val="1140"/>
+              </a:spcAft>
+            </a:pPr>
+            <a:endParaRPr b="0" lang="en-US" sz="1600" spc="-1" strike="noStrike">
+              <a:solidFill>
+                <a:srgbClr val="000000"/>
+              </a:solidFill>
+              <a:latin typeface="Arial"/>
+            </a:endParaRPr>
+          </a:p>
+          <a:p>
+            <a:pPr>
+              <a:lnSpc>
+                <a:spcPct val="100000"/>
+              </a:lnSpc>
+              <a:spcAft>
+                <a:spcPts val="1140"/>
+              </a:spcAft>
+            </a:pPr>
+            <a:endParaRPr b="0" lang="en-US" sz="1600" spc="-1" strike="noStrike">
+              <a:solidFill>
+                <a:srgbClr val="000000"/>
+              </a:solidFill>
+              <a:latin typeface="Arial"/>
+            </a:endParaRPr>
+          </a:p>
+          <a:p>
+            <a:pPr>
+              <a:lnSpc>
+                <a:spcPct val="100000"/>
+              </a:lnSpc>
+              <a:spcAft>
+                <a:spcPts val="1140"/>
+              </a:spcAft>
+            </a:pPr>
+            <a:endParaRPr b="0" lang="en-US" sz="1600" spc="-1" strike="noStrike">
+              <a:solidFill>
+                <a:srgbClr val="000000"/>
+              </a:solidFill>
+              <a:latin typeface="Arial"/>
+            </a:endParaRPr>
+          </a:p>
+        </p:txBody>
+      </p:sp>
+      <p:pic>
+        <p:nvPicPr>
+          <p:cNvPr id="262" name="Imagem 1" descr=""/>
+          <p:cNvPicPr/>
+          <p:nvPr/>
+        </p:nvPicPr>
+        <p:blipFill>
+          <a:blip r:embed="rId1"/>
+          <a:stretch/>
+        </p:blipFill>
+        <p:spPr>
+          <a:xfrm>
+            <a:off x="546840" y="1747800"/>
+            <a:ext cx="3921840" cy="1521360"/>
+          </a:xfrm>
+          <a:prstGeom prst="rect">
+            <a:avLst/>
+          </a:prstGeom>
+          <a:ln w="0">
+            <a:noFill/>
+          </a:ln>
+        </p:spPr>
+      </p:pic>
+      <p:pic>
+        <p:nvPicPr>
+          <p:cNvPr id="263" name="" descr=""/>
+          <p:cNvPicPr/>
+          <p:nvPr/>
+        </p:nvPicPr>
+        <p:blipFill>
+          <a:blip r:embed="rId2"/>
+          <a:stretch/>
+        </p:blipFill>
+        <p:spPr>
+          <a:xfrm>
+            <a:off x="4801680" y="1980000"/>
+            <a:ext cx="4730760" cy="2660400"/>
+          </a:xfrm>
+          <a:prstGeom prst="rect">
+            <a:avLst/>
+          </a:prstGeom>
+          <a:ln w="0">
+            <a:noFill/>
+          </a:ln>
+        </p:spPr>
+      </p:pic>
     </p:spTree>
   </p:cSld>
   <mc:AlternateContent>
@@ -22594,14 +23212,14 @@
       </p:grpSpPr>
       <p:sp>
         <p:nvSpPr>
-          <p:cNvPr id="259" name="CustomShape 1"/>
+          <p:cNvPr id="264" name="CustomShape 7"/>
           <p:cNvSpPr/>
           <p:nvPr/>
         </p:nvSpPr>
         <p:spPr>
           <a:xfrm>
-            <a:off x="360000" y="360000"/>
-            <a:ext cx="9352800" cy="892800"/>
+            <a:off x="360000" y="3330000"/>
+            <a:ext cx="9352440" cy="892440"/>
           </a:xfrm>
           <a:prstGeom prst="rect">
             <a:avLst/>
@@ -22628,16 +23246,16 @@
               </a:lnSpc>
             </a:pPr>
             <a:r>
-              <a:rPr b="1" lang="pt-BR" sz="3200" spc="-1" strike="noStrike">
+              <a:rPr b="1" lang="pt-BR" sz="2400" spc="-1" strike="noStrike">
                 <a:solidFill>
                   <a:srgbClr val="ffffff"/>
                 </a:solidFill>
                 <a:latin typeface="Latin Modern Sans"/>
                 <a:ea typeface="DejaVu Sans"/>
               </a:rPr>
-              <a:t>Programação Dinâmica</a:t>
-            </a:r>
-            <a:endParaRPr b="0" lang="en-US" sz="3200" spc="-1" strike="noStrike">
+              <a:t>Tópico 02 – Programação Dinâmica</a:t>
+            </a:r>
+            <a:endParaRPr b="0" lang="en-US" sz="2400" spc="-1" strike="noStrike">
               <a:solidFill>
                 <a:srgbClr val="000000"/>
               </a:solidFill>
@@ -22646,612 +23264,6 @@
           </a:p>
         </p:txBody>
       </p:sp>
-      <p:sp>
-        <p:nvSpPr>
-          <p:cNvPr id="260" name="CustomShape 2"/>
-          <p:cNvSpPr/>
-          <p:nvPr/>
-        </p:nvSpPr>
-        <p:spPr>
-          <a:xfrm>
-            <a:off x="615960" y="1896840"/>
-            <a:ext cx="9172800" cy="4672800"/>
-          </a:xfrm>
-          <a:prstGeom prst="rect">
-            <a:avLst/>
-          </a:prstGeom>
-          <a:noFill/>
-          <a:ln w="0">
-            <a:noFill/>
-          </a:ln>
-        </p:spPr>
-        <p:style>
-          <a:lnRef idx="0"/>
-          <a:fillRef idx="0"/>
-          <a:effectRef idx="0"/>
-          <a:fontRef idx="minor"/>
-        </p:style>
-        <p:txBody>
-          <a:bodyPr lIns="0" rIns="0" tIns="0" bIns="0" anchor="t">
-            <a:normAutofit/>
-          </a:bodyPr>
-          <a:p>
-            <a:pPr marL="216000" indent="-215280">
-              <a:lnSpc>
-                <a:spcPct val="100000"/>
-              </a:lnSpc>
-              <a:spcAft>
-                <a:spcPts val="1140"/>
-              </a:spcAft>
-              <a:buClr>
-                <a:srgbClr val="000000"/>
-              </a:buClr>
-              <a:buSzPct val="45000"/>
-              <a:buFont typeface="Wingdings" charset="2"/>
-              <a:buChar char=""/>
-            </a:pPr>
-            <a:r>
-              <a:rPr b="1" lang="pt-BR" sz="1600" spc="-1" strike="noStrike">
-                <a:solidFill>
-                  <a:srgbClr val="1c1c1c"/>
-                </a:solidFill>
-                <a:latin typeface="Latin Modern Sans"/>
-                <a:ea typeface="DejaVu Sans"/>
-              </a:rPr>
-              <a:t>Richard Belmamm , 1950</a:t>
-            </a:r>
-            <a:endParaRPr b="0" lang="en-US" sz="1600" spc="-1" strike="noStrike">
-              <a:solidFill>
-                <a:srgbClr val="000000"/>
-              </a:solidFill>
-              <a:latin typeface="Arial"/>
-            </a:endParaRPr>
-          </a:p>
-          <a:p>
-            <a:pPr marL="216000" indent="-215280">
-              <a:lnSpc>
-                <a:spcPct val="100000"/>
-              </a:lnSpc>
-              <a:spcAft>
-                <a:spcPts val="1140"/>
-              </a:spcAft>
-              <a:buClr>
-                <a:srgbClr val="000000"/>
-              </a:buClr>
-              <a:buSzPct val="45000"/>
-              <a:buFont typeface="Wingdings" charset="2"/>
-              <a:buChar char=""/>
-            </a:pPr>
-            <a:r>
-              <a:rPr b="1" lang="pt-BR" sz="1600" spc="-1" strike="noStrike">
-                <a:solidFill>
-                  <a:srgbClr val="1c1c1c"/>
-                </a:solidFill>
-                <a:latin typeface="Latin Modern Sans"/>
-                <a:ea typeface="DejaVu Sans"/>
-              </a:rPr>
-              <a:t>‘</a:t>
-            </a:r>
-            <a:r>
-              <a:rPr b="1" lang="pt-BR" sz="1600" spc="-1" strike="noStrike">
-                <a:solidFill>
-                  <a:srgbClr val="1c1c1c"/>
-                </a:solidFill>
-                <a:latin typeface="Latin Modern Sans"/>
-                <a:ea typeface="DejaVu Sans"/>
-              </a:rPr>
-              <a:t>Programação’ tem sentido de ‘Planejamento’</a:t>
-            </a:r>
-            <a:endParaRPr b="0" lang="en-US" sz="1600" spc="-1" strike="noStrike">
-              <a:solidFill>
-                <a:srgbClr val="000000"/>
-              </a:solidFill>
-              <a:latin typeface="Arial"/>
-            </a:endParaRPr>
-          </a:p>
-          <a:p>
-            <a:pPr marL="216000" indent="-215280">
-              <a:lnSpc>
-                <a:spcPct val="100000"/>
-              </a:lnSpc>
-              <a:spcAft>
-                <a:spcPts val="1140"/>
-              </a:spcAft>
-              <a:buClr>
-                <a:srgbClr val="000000"/>
-              </a:buClr>
-              <a:buSzPct val="45000"/>
-              <a:buFont typeface="Wingdings" charset="2"/>
-              <a:buChar char=""/>
-            </a:pPr>
-            <a:r>
-              <a:rPr b="1" lang="pt-BR" sz="1600" spc="-1" strike="noStrike">
-                <a:solidFill>
-                  <a:srgbClr val="1c1c1c"/>
-                </a:solidFill>
-                <a:latin typeface="Latin Modern Sans"/>
-                <a:ea typeface="DejaVu Sans"/>
-              </a:rPr>
-              <a:t>Problemas recursivos com sobreposição de subproblemas</a:t>
-            </a:r>
-            <a:endParaRPr b="0" lang="en-US" sz="1600" spc="-1" strike="noStrike">
-              <a:solidFill>
-                <a:srgbClr val="000000"/>
-              </a:solidFill>
-              <a:latin typeface="Arial"/>
-            </a:endParaRPr>
-          </a:p>
-          <a:p>
-            <a:pPr marL="216000" indent="-215280">
-              <a:lnSpc>
-                <a:spcPct val="100000"/>
-              </a:lnSpc>
-              <a:spcAft>
-                <a:spcPts val="1140"/>
-              </a:spcAft>
-              <a:buClr>
-                <a:srgbClr val="000000"/>
-              </a:buClr>
-              <a:buSzPct val="45000"/>
-              <a:buFont typeface="Wingdings" charset="2"/>
-              <a:buChar char=""/>
-            </a:pPr>
-            <a:r>
-              <a:rPr b="1" lang="pt-BR" sz="1600" spc="-1" strike="noStrike">
-                <a:solidFill>
-                  <a:srgbClr val="1c1c1c"/>
-                </a:solidFill>
-                <a:latin typeface="Latin Modern Sans"/>
-                <a:ea typeface="DejaVu Sans"/>
-              </a:rPr>
-              <a:t>Utiliza uma estrutura computacional (vetor/matriz) para armazenar resultados dos sub-problemas</a:t>
-            </a:r>
-            <a:endParaRPr b="0" lang="en-US" sz="1600" spc="-1" strike="noStrike">
-              <a:solidFill>
-                <a:srgbClr val="000000"/>
-              </a:solidFill>
-              <a:latin typeface="Arial"/>
-            </a:endParaRPr>
-          </a:p>
-          <a:p>
-            <a:pPr marL="216000" indent="-215280">
-              <a:lnSpc>
-                <a:spcPct val="100000"/>
-              </a:lnSpc>
-              <a:spcAft>
-                <a:spcPts val="1140"/>
-              </a:spcAft>
-              <a:buClr>
-                <a:srgbClr val="000000"/>
-              </a:buClr>
-              <a:buSzPct val="45000"/>
-              <a:buFont typeface="Wingdings" charset="2"/>
-              <a:buChar char=""/>
-            </a:pPr>
-            <a:r>
-              <a:rPr b="1" lang="pt-BR" sz="1600" spc="-1" strike="noStrike">
-                <a:solidFill>
-                  <a:srgbClr val="1c1c1c"/>
-                </a:solidFill>
-                <a:latin typeface="Latin Modern Sans"/>
-                <a:ea typeface="DejaVu Sans"/>
-              </a:rPr>
-              <a:t>Ex: Fibonacci recursivo é ineficiente (Exponencial </a:t>
-            </a:r>
-            <a:r>
-              <a:rPr b="1" lang="pt-BR" sz="1600" spc="-1" strike="noStrike">
-                <a:solidFill>
-                  <a:srgbClr val="1c1c1c"/>
-                </a:solidFill>
-                <a:latin typeface="Latin Modern Sans"/>
-                <a:ea typeface="DejaVu Sans"/>
-              </a:rPr>
-              <a:t>O(2</a:t>
-            </a:r>
-            <a:r>
-              <a:rPr b="1" lang="pt-BR" sz="1600" spc="-1" strike="noStrike" baseline="33000">
-                <a:solidFill>
-                  <a:srgbClr val="1c1c1c"/>
-                </a:solidFill>
-                <a:latin typeface="Latin Modern Sans"/>
-                <a:ea typeface="DejaVu Sans"/>
-              </a:rPr>
-              <a:t>n</a:t>
-            </a:r>
-            <a:r>
-              <a:rPr b="1" lang="pt-BR" sz="1600" spc="-1" strike="noStrike">
-                <a:solidFill>
-                  <a:srgbClr val="1c1c1c"/>
-                </a:solidFill>
-                <a:latin typeface="Latin Modern Sans"/>
-                <a:ea typeface="DejaVu Sans"/>
-              </a:rPr>
-              <a:t>))) </a:t>
-            </a:r>
-            <a:endParaRPr b="0" lang="en-US" sz="1600" spc="-1" strike="noStrike">
-              <a:solidFill>
-                <a:srgbClr val="000000"/>
-              </a:solidFill>
-              <a:latin typeface="Arial"/>
-            </a:endParaRPr>
-          </a:p>
-          <a:p>
-            <a:pPr>
-              <a:lnSpc>
-                <a:spcPct val="100000"/>
-              </a:lnSpc>
-              <a:spcAft>
-                <a:spcPts val="1140"/>
-              </a:spcAft>
-            </a:pPr>
-            <a:endParaRPr b="0" lang="en-US" sz="1600" spc="-1" strike="noStrike">
-              <a:solidFill>
-                <a:srgbClr val="000000"/>
-              </a:solidFill>
-              <a:latin typeface="Arial"/>
-            </a:endParaRPr>
-          </a:p>
-          <a:p>
-            <a:pPr>
-              <a:lnSpc>
-                <a:spcPct val="100000"/>
-              </a:lnSpc>
-              <a:spcAft>
-                <a:spcPts val="1140"/>
-              </a:spcAft>
-            </a:pPr>
-            <a:endParaRPr b="0" lang="en-US" sz="1600" spc="-1" strike="noStrike">
-              <a:solidFill>
-                <a:srgbClr val="000000"/>
-              </a:solidFill>
-              <a:latin typeface="Arial"/>
-            </a:endParaRPr>
-          </a:p>
-          <a:p>
-            <a:pPr>
-              <a:lnSpc>
-                <a:spcPct val="100000"/>
-              </a:lnSpc>
-              <a:spcAft>
-                <a:spcPts val="1140"/>
-              </a:spcAft>
-            </a:pPr>
-            <a:endParaRPr b="0" lang="en-US" sz="1600" spc="-1" strike="noStrike">
-              <a:solidFill>
-                <a:srgbClr val="000000"/>
-              </a:solidFill>
-              <a:latin typeface="Arial"/>
-            </a:endParaRPr>
-          </a:p>
-          <a:p>
-            <a:pPr>
-              <a:lnSpc>
-                <a:spcPct val="100000"/>
-              </a:lnSpc>
-              <a:spcAft>
-                <a:spcPts val="1140"/>
-              </a:spcAft>
-            </a:pPr>
-            <a:endParaRPr b="0" lang="en-US" sz="1600" spc="-1" strike="noStrike">
-              <a:solidFill>
-                <a:srgbClr val="000000"/>
-              </a:solidFill>
-              <a:latin typeface="Arial"/>
-            </a:endParaRPr>
-          </a:p>
-          <a:p>
-            <a:pPr>
-              <a:lnSpc>
-                <a:spcPct val="100000"/>
-              </a:lnSpc>
-              <a:spcAft>
-                <a:spcPts val="1140"/>
-              </a:spcAft>
-            </a:pPr>
-            <a:endParaRPr b="0" lang="en-US" sz="1600" spc="-1" strike="noStrike">
-              <a:solidFill>
-                <a:srgbClr val="000000"/>
-              </a:solidFill>
-              <a:latin typeface="Arial"/>
-            </a:endParaRPr>
-          </a:p>
-          <a:p>
-            <a:pPr>
-              <a:lnSpc>
-                <a:spcPct val="100000"/>
-              </a:lnSpc>
-              <a:spcAft>
-                <a:spcPts val="1140"/>
-              </a:spcAft>
-            </a:pPr>
-            <a:endParaRPr b="0" lang="en-US" sz="1600" spc="-1" strike="noStrike">
-              <a:solidFill>
-                <a:srgbClr val="000000"/>
-              </a:solidFill>
-              <a:latin typeface="Arial"/>
-            </a:endParaRPr>
-          </a:p>
-          <a:p>
-            <a:pPr marL="216000" indent="-215280">
-              <a:lnSpc>
-                <a:spcPct val="100000"/>
-              </a:lnSpc>
-              <a:spcAft>
-                <a:spcPts val="1140"/>
-              </a:spcAft>
-              <a:buClr>
-                <a:srgbClr val="000000"/>
-              </a:buClr>
-              <a:buSzPct val="45000"/>
-              <a:buFont typeface="Wingdings" charset="2"/>
-              <a:buChar char=""/>
-            </a:pPr>
-            <a:endParaRPr b="0" lang="en-US" sz="1600" spc="-1" strike="noStrike">
-              <a:solidFill>
-                <a:srgbClr val="000000"/>
-              </a:solidFill>
-              <a:latin typeface="Arial"/>
-            </a:endParaRPr>
-          </a:p>
-          <a:p>
-            <a:pPr>
-              <a:lnSpc>
-                <a:spcPct val="100000"/>
-              </a:lnSpc>
-              <a:spcAft>
-                <a:spcPts val="1140"/>
-              </a:spcAft>
-            </a:pPr>
-            <a:endParaRPr b="0" lang="en-US" sz="1600" spc="-1" strike="noStrike">
-              <a:solidFill>
-                <a:srgbClr val="000000"/>
-              </a:solidFill>
-              <a:latin typeface="Arial"/>
-            </a:endParaRPr>
-          </a:p>
-          <a:p>
-            <a:pPr>
-              <a:lnSpc>
-                <a:spcPct val="100000"/>
-              </a:lnSpc>
-              <a:spcAft>
-                <a:spcPts val="1140"/>
-              </a:spcAft>
-            </a:pPr>
-            <a:endParaRPr b="0" lang="en-US" sz="1600" spc="-1" strike="noStrike">
-              <a:solidFill>
-                <a:srgbClr val="000000"/>
-              </a:solidFill>
-              <a:latin typeface="Arial"/>
-            </a:endParaRPr>
-          </a:p>
-          <a:p>
-            <a:pPr>
-              <a:lnSpc>
-                <a:spcPct val="100000"/>
-              </a:lnSpc>
-              <a:spcAft>
-                <a:spcPts val="1140"/>
-              </a:spcAft>
-            </a:pPr>
-            <a:endParaRPr b="0" lang="en-US" sz="1600" spc="-1" strike="noStrike">
-              <a:solidFill>
-                <a:srgbClr val="000000"/>
-              </a:solidFill>
-              <a:latin typeface="Arial"/>
-            </a:endParaRPr>
-          </a:p>
-          <a:p>
-            <a:pPr>
-              <a:lnSpc>
-                <a:spcPct val="100000"/>
-              </a:lnSpc>
-              <a:spcAft>
-                <a:spcPts val="1140"/>
-              </a:spcAft>
-            </a:pPr>
-            <a:endParaRPr b="0" lang="en-US" sz="1600" spc="-1" strike="noStrike">
-              <a:solidFill>
-                <a:srgbClr val="000000"/>
-              </a:solidFill>
-              <a:latin typeface="Arial"/>
-            </a:endParaRPr>
-          </a:p>
-          <a:p>
-            <a:pPr>
-              <a:lnSpc>
-                <a:spcPct val="100000"/>
-              </a:lnSpc>
-              <a:spcAft>
-                <a:spcPts val="1140"/>
-              </a:spcAft>
-            </a:pPr>
-            <a:endParaRPr b="0" lang="en-US" sz="1600" spc="-1" strike="noStrike">
-              <a:solidFill>
-                <a:srgbClr val="000000"/>
-              </a:solidFill>
-              <a:latin typeface="Arial"/>
-            </a:endParaRPr>
-          </a:p>
-        </p:txBody>
-      </p:sp>
-      <p:sp>
-        <p:nvSpPr>
-          <p:cNvPr id="261" name="CustomShape 3"/>
-          <p:cNvSpPr/>
-          <p:nvPr/>
-        </p:nvSpPr>
-        <p:spPr>
-          <a:xfrm>
-            <a:off x="7608600" y="6886080"/>
-            <a:ext cx="2278080" cy="357840"/>
-          </a:xfrm>
-          <a:prstGeom prst="rect">
-            <a:avLst/>
-          </a:prstGeom>
-          <a:noFill/>
-          <a:ln w="0">
-            <a:noFill/>
-          </a:ln>
-        </p:spPr>
-        <p:style>
-          <a:lnRef idx="0"/>
-          <a:fillRef idx="0"/>
-          <a:effectRef idx="0"/>
-          <a:fontRef idx="minor"/>
-        </p:style>
-        <p:txBody>
-          <a:bodyPr lIns="90000" rIns="90000" tIns="45000" bIns="45000" anchor="t">
-            <a:noAutofit/>
-          </a:bodyPr>
-          <a:p>
-            <a:pPr>
-              <a:lnSpc>
-                <a:spcPct val="100000"/>
-              </a:lnSpc>
-            </a:pPr>
-            <a:r>
-              <a:rPr b="0" lang="pt-BR" sz="1800" spc="-1" strike="noStrike">
-                <a:solidFill>
-                  <a:srgbClr val="000000"/>
-                </a:solidFill>
-                <a:latin typeface="Arial"/>
-                <a:ea typeface="DejaVu Sans"/>
-              </a:rPr>
-              <a:t>Aula 07</a:t>
-            </a:r>
-            <a:endParaRPr b="0" lang="en-US" sz="1800" spc="-1" strike="noStrike">
-              <a:solidFill>
-                <a:srgbClr val="000000"/>
-              </a:solidFill>
-              <a:latin typeface="Arial"/>
-            </a:endParaRPr>
-          </a:p>
-        </p:txBody>
-      </p:sp>
-      <p:sp>
-        <p:nvSpPr>
-          <p:cNvPr id="262" name="CustomShape 4"/>
-          <p:cNvSpPr/>
-          <p:nvPr/>
-        </p:nvSpPr>
-        <p:spPr>
-          <a:xfrm>
-            <a:off x="897120" y="6886080"/>
-            <a:ext cx="6440040" cy="357840"/>
-          </a:xfrm>
-          <a:prstGeom prst="rect">
-            <a:avLst/>
-          </a:prstGeom>
-          <a:noFill/>
-          <a:ln w="0">
-            <a:noFill/>
-          </a:ln>
-        </p:spPr>
-        <p:style>
-          <a:lnRef idx="0"/>
-          <a:fillRef idx="0"/>
-          <a:effectRef idx="0"/>
-          <a:fontRef idx="minor"/>
-        </p:style>
-        <p:txBody>
-          <a:bodyPr lIns="90000" rIns="90000" tIns="45000" bIns="45000" anchor="t">
-            <a:noAutofit/>
-          </a:bodyPr>
-          <a:p>
-            <a:pPr>
-              <a:lnSpc>
-                <a:spcPct val="100000"/>
-              </a:lnSpc>
-            </a:pPr>
-            <a:r>
-              <a:rPr b="0" lang="pt-BR" sz="1800" spc="-1" strike="noStrike">
-                <a:solidFill>
-                  <a:srgbClr val="000000"/>
-                </a:solidFill>
-                <a:latin typeface="Arial"/>
-                <a:ea typeface="DejaVu Sans"/>
-              </a:rPr>
-              <a:t>Fund. Algoritmos e Estrutura de Dados - Prof. André Hochuli</a:t>
-            </a:r>
-            <a:endParaRPr b="0" lang="en-US" sz="1800" spc="-1" strike="noStrike">
-              <a:solidFill>
-                <a:srgbClr val="000000"/>
-              </a:solidFill>
-              <a:latin typeface="Arial"/>
-            </a:endParaRPr>
-          </a:p>
-        </p:txBody>
-      </p:sp>
-      <p:pic>
-        <p:nvPicPr>
-          <p:cNvPr id="263" name="Imagem 594" descr=""/>
-          <p:cNvPicPr/>
-          <p:nvPr/>
-        </p:nvPicPr>
-        <p:blipFill>
-          <a:blip r:embed="rId1"/>
-          <a:stretch/>
-        </p:blipFill>
-        <p:spPr>
-          <a:xfrm>
-            <a:off x="713880" y="3944160"/>
-            <a:ext cx="3874680" cy="702720"/>
-          </a:xfrm>
-          <a:prstGeom prst="rect">
-            <a:avLst/>
-          </a:prstGeom>
-          <a:ln w="0">
-            <a:noFill/>
-          </a:ln>
-        </p:spPr>
-      </p:pic>
-      <p:pic>
-        <p:nvPicPr>
-          <p:cNvPr id="264" name="Imagem 595" descr=""/>
-          <p:cNvPicPr/>
-          <p:nvPr/>
-        </p:nvPicPr>
-        <p:blipFill>
-          <a:blip r:embed="rId2"/>
-          <a:stretch/>
-        </p:blipFill>
-        <p:spPr>
-          <a:xfrm>
-            <a:off x="5257800" y="4067280"/>
-            <a:ext cx="4700520" cy="1897200"/>
-          </a:xfrm>
-          <a:prstGeom prst="rect">
-            <a:avLst/>
-          </a:prstGeom>
-          <a:ln w="0">
-            <a:noFill/>
-          </a:ln>
-        </p:spPr>
-      </p:pic>
-      <p:pic>
-        <p:nvPicPr>
-          <p:cNvPr id="265" name="Imagem 596" descr=""/>
-          <p:cNvPicPr/>
-          <p:nvPr/>
-        </p:nvPicPr>
-        <p:blipFill>
-          <a:blip r:embed="rId3"/>
-          <a:stretch/>
-        </p:blipFill>
-        <p:spPr>
-          <a:xfrm>
-            <a:off x="323640" y="4785840"/>
-            <a:ext cx="4813560" cy="1386360"/>
-          </a:xfrm>
-          <a:prstGeom prst="rect">
-            <a:avLst/>
-          </a:prstGeom>
-          <a:ln w="0">
-            <a:noFill/>
-          </a:ln>
-        </p:spPr>
-      </p:pic>
     </p:spTree>
   </p:cSld>
   <mc:AlternateContent>
@@ -23284,14 +23296,14 @@
       </p:grpSpPr>
       <p:sp>
         <p:nvSpPr>
-          <p:cNvPr id="266" name="CustomShape 1"/>
+          <p:cNvPr id="265" name="CustomShape 1"/>
           <p:cNvSpPr/>
           <p:nvPr/>
         </p:nvSpPr>
         <p:spPr>
           <a:xfrm>
             <a:off x="360000" y="360000"/>
-            <a:ext cx="9352800" cy="892800"/>
+            <a:ext cx="9352440" cy="892440"/>
           </a:xfrm>
           <a:prstGeom prst="rect">
             <a:avLst/>
@@ -23338,14 +23350,14 @@
       </p:sp>
       <p:sp>
         <p:nvSpPr>
-          <p:cNvPr id="267" name="CustomShape 2"/>
+          <p:cNvPr id="266" name="CustomShape 2"/>
           <p:cNvSpPr/>
           <p:nvPr/>
         </p:nvSpPr>
         <p:spPr>
           <a:xfrm>
-            <a:off x="360000" y="1980000"/>
-            <a:ext cx="9172800" cy="4672800"/>
+            <a:off x="615960" y="1896840"/>
+            <a:ext cx="9172440" cy="4672440"/>
           </a:xfrm>
           <a:prstGeom prst="rect">
             <a:avLst/>
@@ -23388,7 +23400,7 @@
                 <a:latin typeface="Latin Modern Sans"/>
                 <a:ea typeface="DejaVu Sans"/>
               </a:rPr>
-              <a:t>Solução: Armazenar subproblemas já computados</a:t>
+              <a:t>Richard Belmamm , 1950</a:t>
             </a:r>
             <a:endParaRPr b="0" lang="en-US" sz="1600" spc="-1" strike="noStrike">
               <a:solidFill>
@@ -23420,7 +23432,133 @@
                 <a:latin typeface="Latin Modern Sans"/>
                 <a:ea typeface="DejaVu Sans"/>
               </a:rPr>
-              <a:t>O(n)</a:t>
+              <a:t>‘</a:t>
+            </a:r>
+            <a:r>
+              <a:rPr b="1" lang="pt-BR" sz="1600" spc="-1" strike="noStrike">
+                <a:solidFill>
+                  <a:srgbClr val="1c1c1c"/>
+                </a:solidFill>
+                <a:latin typeface="Latin Modern Sans"/>
+                <a:ea typeface="DejaVu Sans"/>
+              </a:rPr>
+              <a:t>Programação’ tem sentido de ‘Planejamento’</a:t>
+            </a:r>
+            <a:endParaRPr b="0" lang="en-US" sz="1600" spc="-1" strike="noStrike">
+              <a:solidFill>
+                <a:srgbClr val="000000"/>
+              </a:solidFill>
+              <a:latin typeface="Arial"/>
+            </a:endParaRPr>
+          </a:p>
+          <a:p>
+            <a:pPr marL="216000" indent="-215280">
+              <a:lnSpc>
+                <a:spcPct val="100000"/>
+              </a:lnSpc>
+              <a:spcAft>
+                <a:spcPts val="1140"/>
+              </a:spcAft>
+              <a:buClr>
+                <a:srgbClr val="000000"/>
+              </a:buClr>
+              <a:buSzPct val="45000"/>
+              <a:buFont typeface="Wingdings" charset="2"/>
+              <a:buChar char=""/>
+            </a:pPr>
+            <a:r>
+              <a:rPr b="1" lang="pt-BR" sz="1600" spc="-1" strike="noStrike">
+                <a:solidFill>
+                  <a:srgbClr val="1c1c1c"/>
+                </a:solidFill>
+                <a:latin typeface="Latin Modern Sans"/>
+                <a:ea typeface="DejaVu Sans"/>
+              </a:rPr>
+              <a:t>Problemas recursivos com sobreposição de subproblemas</a:t>
+            </a:r>
+            <a:endParaRPr b="0" lang="en-US" sz="1600" spc="-1" strike="noStrike">
+              <a:solidFill>
+                <a:srgbClr val="000000"/>
+              </a:solidFill>
+              <a:latin typeface="Arial"/>
+            </a:endParaRPr>
+          </a:p>
+          <a:p>
+            <a:pPr marL="216000" indent="-215280">
+              <a:lnSpc>
+                <a:spcPct val="100000"/>
+              </a:lnSpc>
+              <a:spcAft>
+                <a:spcPts val="1140"/>
+              </a:spcAft>
+              <a:buClr>
+                <a:srgbClr val="000000"/>
+              </a:buClr>
+              <a:buSzPct val="45000"/>
+              <a:buFont typeface="Wingdings" charset="2"/>
+              <a:buChar char=""/>
+            </a:pPr>
+            <a:r>
+              <a:rPr b="1" lang="pt-BR" sz="1600" spc="-1" strike="noStrike">
+                <a:solidFill>
+                  <a:srgbClr val="1c1c1c"/>
+                </a:solidFill>
+                <a:latin typeface="Latin Modern Sans"/>
+                <a:ea typeface="DejaVu Sans"/>
+              </a:rPr>
+              <a:t>Utiliza uma estrutura computacional (vetor/matriz) para armazenar resultados dos sub-problemas</a:t>
+            </a:r>
+            <a:endParaRPr b="0" lang="en-US" sz="1600" spc="-1" strike="noStrike">
+              <a:solidFill>
+                <a:srgbClr val="000000"/>
+              </a:solidFill>
+              <a:latin typeface="Arial"/>
+            </a:endParaRPr>
+          </a:p>
+          <a:p>
+            <a:pPr marL="216000" indent="-215280">
+              <a:lnSpc>
+                <a:spcPct val="100000"/>
+              </a:lnSpc>
+              <a:spcAft>
+                <a:spcPts val="1140"/>
+              </a:spcAft>
+              <a:buClr>
+                <a:srgbClr val="000000"/>
+              </a:buClr>
+              <a:buSzPct val="45000"/>
+              <a:buFont typeface="Wingdings" charset="2"/>
+              <a:buChar char=""/>
+            </a:pPr>
+            <a:r>
+              <a:rPr b="1" lang="pt-BR" sz="1600" spc="-1" strike="noStrike">
+                <a:solidFill>
+                  <a:srgbClr val="1c1c1c"/>
+                </a:solidFill>
+                <a:latin typeface="Latin Modern Sans"/>
+                <a:ea typeface="DejaVu Sans"/>
+              </a:rPr>
+              <a:t>Ex: Fibonacci recursivo é ineficiente (Exponencial O(2</a:t>
+            </a:r>
+            <a:r>
+              <a:rPr b="1" lang="pt-BR" sz="1600" spc="-1" strike="noStrike" baseline="33000">
+                <a:solidFill>
+                  <a:srgbClr val="1c1c1c"/>
+                </a:solidFill>
+                <a:latin typeface="Latin Modern Sans"/>
+                <a:ea typeface="DejaVu Sans"/>
+              </a:rPr>
+              <a:t>n</a:t>
+            </a:r>
+            <a:r>
+              <a:rPr b="1" lang="pt-BR" sz="1600" spc="-1" strike="noStrike">
+                <a:solidFill>
+                  <a:srgbClr val="1c1c1c"/>
+                </a:solidFill>
+                <a:latin typeface="Latin Modern Sans"/>
+                <a:ea typeface="DejaVu Sans"/>
+              </a:rPr>
+              <a:t>))) </a:t>
             </a:r>
             <a:endParaRPr b="0" lang="en-US" sz="1600" spc="-1" strike="noStrike">
               <a:solidFill>
@@ -23510,38 +23648,6 @@
             </a:endParaRPr>
           </a:p>
           <a:p>
-            <a:pPr marL="216000" indent="-215280">
-              <a:lnSpc>
-                <a:spcPct val="100000"/>
-              </a:lnSpc>
-              <a:spcAft>
-                <a:spcPts val="1140"/>
-              </a:spcAft>
-              <a:buClr>
-                <a:srgbClr val="000000"/>
-              </a:buClr>
-              <a:buSzPct val="45000"/>
-              <a:buFont typeface="Wingdings" charset="2"/>
-              <a:buChar char=""/>
-            </a:pPr>
-            <a:r>
-              <a:rPr b="1" lang="pt-BR" sz="1600" spc="-1" strike="noStrike">
-                <a:solidFill>
-                  <a:srgbClr val="1c1c1c"/>
-                </a:solidFill>
-                <a:latin typeface="Latin Modern Sans"/>
-                <a:ea typeface="DejaVu Sans"/>
-              </a:rPr>
-              <a:t>Codificar!</a:t>
-            </a:r>
-            <a:endParaRPr b="0" lang="en-US" sz="1600" spc="-1" strike="noStrike">
-              <a:solidFill>
-                <a:srgbClr val="000000"/>
-              </a:solidFill>
-              <a:latin typeface="Arial"/>
-            </a:endParaRPr>
-          </a:p>
-          <a:p>
             <a:pPr>
               <a:lnSpc>
                 <a:spcPct val="100000"/>
@@ -23550,7 +23656,7 @@
                 <a:spcPts val="1140"/>
               </a:spcAft>
             </a:pPr>
-            <a:endParaRPr b="0" lang="en-US" sz="1800" spc="-1" strike="noStrike">
+            <a:endParaRPr b="0" lang="en-US" sz="1600" spc="-1" strike="noStrike">
               <a:solidFill>
                 <a:srgbClr val="000000"/>
               </a:solidFill>
@@ -23566,7 +23672,7 @@
                 <a:spcPts val="1140"/>
               </a:spcAft>
             </a:pPr>
-            <a:endParaRPr b="0" lang="en-US" sz="1800" spc="-1" strike="noStrike">
+            <a:endParaRPr b="0" lang="en-US" sz="1600" spc="-1" strike="noStrike">
               <a:solidFill>
                 <a:srgbClr val="000000"/>
               </a:solidFill>
@@ -23582,7 +23688,7 @@
                 <a:spcPts val="1140"/>
               </a:spcAft>
             </a:pPr>
-            <a:endParaRPr b="0" lang="en-US" sz="1800" spc="-1" strike="noStrike">
+            <a:endParaRPr b="0" lang="en-US" sz="1600" spc="-1" strike="noStrike">
               <a:solidFill>
                 <a:srgbClr val="000000"/>
               </a:solidFill>
@@ -23598,7 +23704,7 @@
                 <a:spcPts val="1140"/>
               </a:spcAft>
             </a:pPr>
-            <a:endParaRPr b="0" lang="en-US" sz="1800" spc="-1" strike="noStrike">
+            <a:endParaRPr b="0" lang="en-US" sz="1600" spc="-1" strike="noStrike">
               <a:solidFill>
                 <a:srgbClr val="000000"/>
               </a:solidFill>
@@ -23614,7 +23720,39 @@
                 <a:spcPts val="1140"/>
               </a:spcAft>
             </a:pPr>
-            <a:endParaRPr b="0" lang="en-US" sz="1800" spc="-1" strike="noStrike">
+            <a:endParaRPr b="0" lang="en-US" sz="1600" spc="-1" strike="noStrike">
+              <a:solidFill>
+                <a:srgbClr val="000000"/>
+              </a:solidFill>
+              <a:latin typeface="Arial"/>
+            </a:endParaRPr>
+          </a:p>
+          <a:p>
+            <a:pPr>
+              <a:lnSpc>
+                <a:spcPct val="100000"/>
+              </a:lnSpc>
+              <a:spcAft>
+                <a:spcPts val="1140"/>
+              </a:spcAft>
+            </a:pPr>
+            <a:endParaRPr b="0" lang="en-US" sz="1600" spc="-1" strike="noStrike">
+              <a:solidFill>
+                <a:srgbClr val="000000"/>
+              </a:solidFill>
+              <a:latin typeface="Arial"/>
+            </a:endParaRPr>
+          </a:p>
+          <a:p>
+            <a:pPr>
+              <a:lnSpc>
+                <a:spcPct val="100000"/>
+              </a:lnSpc>
+              <a:spcAft>
+                <a:spcPts val="1140"/>
+              </a:spcAft>
+            </a:pPr>
+            <a:endParaRPr b="0" lang="en-US" sz="1600" spc="-1" strike="noStrike">
               <a:solidFill>
                 <a:srgbClr val="000000"/>
               </a:solidFill>
@@ -23625,14 +23763,14 @@
       </p:sp>
       <p:sp>
         <p:nvSpPr>
-          <p:cNvPr id="268" name="CustomShape 3"/>
+          <p:cNvPr id="267" name="CustomShape 3"/>
           <p:cNvSpPr/>
           <p:nvPr/>
         </p:nvSpPr>
         <p:spPr>
           <a:xfrm>
             <a:off x="7608600" y="6886080"/>
-            <a:ext cx="2278080" cy="357840"/>
+            <a:ext cx="2277720" cy="357480"/>
           </a:xfrm>
           <a:prstGeom prst="rect">
             <a:avLst/>
@@ -23679,14 +23817,14 @@
       </p:sp>
       <p:sp>
         <p:nvSpPr>
-          <p:cNvPr id="269" name="CustomShape 4"/>
+          <p:cNvPr id="268" name="CustomShape 4"/>
           <p:cNvSpPr/>
           <p:nvPr/>
         </p:nvSpPr>
         <p:spPr>
           <a:xfrm>
             <a:off x="897120" y="6886080"/>
-            <a:ext cx="6440040" cy="357840"/>
+            <a:ext cx="6439680" cy="357480"/>
           </a:xfrm>
           <a:prstGeom prst="rect">
             <a:avLst/>
@@ -23733,7 +23871,555 @@
       </p:sp>
       <p:pic>
         <p:nvPicPr>
-          <p:cNvPr id="270" name="Imagem 601" descr=""/>
+          <p:cNvPr id="269" name="Imagem 594" descr=""/>
+          <p:cNvPicPr/>
+          <p:nvPr/>
+        </p:nvPicPr>
+        <p:blipFill>
+          <a:blip r:embed="rId1"/>
+          <a:stretch/>
+        </p:blipFill>
+        <p:spPr>
+          <a:xfrm>
+            <a:off x="713880" y="3944160"/>
+            <a:ext cx="3874320" cy="702360"/>
+          </a:xfrm>
+          <a:prstGeom prst="rect">
+            <a:avLst/>
+          </a:prstGeom>
+          <a:ln w="0">
+            <a:noFill/>
+          </a:ln>
+        </p:spPr>
+      </p:pic>
+      <p:pic>
+        <p:nvPicPr>
+          <p:cNvPr id="270" name="Imagem 595" descr=""/>
+          <p:cNvPicPr/>
+          <p:nvPr/>
+        </p:nvPicPr>
+        <p:blipFill>
+          <a:blip r:embed="rId2"/>
+          <a:stretch/>
+        </p:blipFill>
+        <p:spPr>
+          <a:xfrm>
+            <a:off x="5257800" y="4067280"/>
+            <a:ext cx="4700160" cy="1896840"/>
+          </a:xfrm>
+          <a:prstGeom prst="rect">
+            <a:avLst/>
+          </a:prstGeom>
+          <a:ln w="0">
+            <a:noFill/>
+          </a:ln>
+        </p:spPr>
+      </p:pic>
+      <p:pic>
+        <p:nvPicPr>
+          <p:cNvPr id="271" name="Imagem 596" descr=""/>
+          <p:cNvPicPr/>
+          <p:nvPr/>
+        </p:nvPicPr>
+        <p:blipFill>
+          <a:blip r:embed="rId3"/>
+          <a:stretch/>
+        </p:blipFill>
+        <p:spPr>
+          <a:xfrm>
+            <a:off x="323640" y="4785840"/>
+            <a:ext cx="4813200" cy="1386000"/>
+          </a:xfrm>
+          <a:prstGeom prst="rect">
+            <a:avLst/>
+          </a:prstGeom>
+          <a:ln w="0">
+            <a:noFill/>
+          </a:ln>
+        </p:spPr>
+      </p:pic>
+    </p:spTree>
+  </p:cSld>
+  <mc:AlternateContent>
+    <mc:Choice Requires="p14">
+      <p:transition spd="slow" p14:dur="2000"/>
+    </mc:Choice>
+    <mc:Fallback>
+      <p:transition spd="slow"/>
+    </mc:Fallback>
+  </mc:AlternateContent>
+</p:sld>
+</file>
+
+<file path=ppt/slides/slide18.xml><?xml version="1.0" encoding="utf-8"?>
+<p:sld xmlns:a="http://schemas.openxmlformats.org/drawingml/2006/main" xmlns:p="http://schemas.openxmlformats.org/presentationml/2006/main" xmlns:r="http://schemas.openxmlformats.org/officeDocument/2006/relationships" xmlns:p14="http://schemas.microsoft.com/office/powerpoint/2010/main" xmlns:p15="http://schemas.microsoft.com/office/powerpoint/2012/main" xmlns:mc="http://schemas.openxmlformats.org/markup-compatibility/2006">
+  <p:cSld>
+    <p:spTree>
+      <p:nvGrpSpPr>
+        <p:cNvPr id="1" name=""/>
+        <p:cNvGrpSpPr/>
+        <p:nvPr/>
+      </p:nvGrpSpPr>
+      <p:grpSpPr>
+        <a:xfrm>
+          <a:off x="0" y="0"/>
+          <a:ext cx="0" cy="0"/>
+          <a:chOff x="0" y="0"/>
+          <a:chExt cx="0" cy="0"/>
+        </a:xfrm>
+      </p:grpSpPr>
+      <p:sp>
+        <p:nvSpPr>
+          <p:cNvPr id="272" name="CustomShape 1"/>
+          <p:cNvSpPr/>
+          <p:nvPr/>
+        </p:nvSpPr>
+        <p:spPr>
+          <a:xfrm>
+            <a:off x="360000" y="360000"/>
+            <a:ext cx="9352440" cy="892440"/>
+          </a:xfrm>
+          <a:prstGeom prst="rect">
+            <a:avLst/>
+          </a:prstGeom>
+          <a:noFill/>
+          <a:ln w="0">
+            <a:noFill/>
+          </a:ln>
+        </p:spPr>
+        <p:style>
+          <a:lnRef idx="0"/>
+          <a:fillRef idx="0"/>
+          <a:effectRef idx="0"/>
+          <a:fontRef idx="minor"/>
+        </p:style>
+        <p:txBody>
+          <a:bodyPr lIns="0" rIns="0" tIns="0" bIns="0" anchor="b">
+            <a:noAutofit/>
+          </a:bodyPr>
+          <a:p>
+            <a:pPr>
+              <a:lnSpc>
+                <a:spcPct val="100000"/>
+              </a:lnSpc>
+            </a:pPr>
+            <a:r>
+              <a:rPr b="1" lang="pt-BR" sz="3200" spc="-1" strike="noStrike">
+                <a:solidFill>
+                  <a:srgbClr val="ffffff"/>
+                </a:solidFill>
+                <a:latin typeface="Latin Modern Sans"/>
+                <a:ea typeface="DejaVu Sans"/>
+              </a:rPr>
+              <a:t>Programação Dinâmica</a:t>
+            </a:r>
+            <a:endParaRPr b="0" lang="en-US" sz="3200" spc="-1" strike="noStrike">
+              <a:solidFill>
+                <a:srgbClr val="000000"/>
+              </a:solidFill>
+              <a:latin typeface="Arial"/>
+            </a:endParaRPr>
+          </a:p>
+        </p:txBody>
+      </p:sp>
+      <p:sp>
+        <p:nvSpPr>
+          <p:cNvPr id="273" name="CustomShape 2"/>
+          <p:cNvSpPr/>
+          <p:nvPr/>
+        </p:nvSpPr>
+        <p:spPr>
+          <a:xfrm>
+            <a:off x="360000" y="1980000"/>
+            <a:ext cx="9172440" cy="4672440"/>
+          </a:xfrm>
+          <a:prstGeom prst="rect">
+            <a:avLst/>
+          </a:prstGeom>
+          <a:noFill/>
+          <a:ln w="0">
+            <a:noFill/>
+          </a:ln>
+        </p:spPr>
+        <p:style>
+          <a:lnRef idx="0"/>
+          <a:fillRef idx="0"/>
+          <a:effectRef idx="0"/>
+          <a:fontRef idx="minor"/>
+        </p:style>
+        <p:txBody>
+          <a:bodyPr lIns="0" rIns="0" tIns="0" bIns="0" anchor="t">
+            <a:normAutofit/>
+          </a:bodyPr>
+          <a:p>
+            <a:pPr marL="216000" indent="-215280">
+              <a:lnSpc>
+                <a:spcPct val="100000"/>
+              </a:lnSpc>
+              <a:spcAft>
+                <a:spcPts val="1140"/>
+              </a:spcAft>
+              <a:buClr>
+                <a:srgbClr val="000000"/>
+              </a:buClr>
+              <a:buSzPct val="45000"/>
+              <a:buFont typeface="Wingdings" charset="2"/>
+              <a:buChar char=""/>
+            </a:pPr>
+            <a:r>
+              <a:rPr b="1" lang="pt-BR" sz="1600" spc="-1" strike="noStrike">
+                <a:solidFill>
+                  <a:srgbClr val="1c1c1c"/>
+                </a:solidFill>
+                <a:latin typeface="Latin Modern Sans"/>
+                <a:ea typeface="DejaVu Sans"/>
+              </a:rPr>
+              <a:t>Solução: Armazenar subproblemas já computados</a:t>
+            </a:r>
+            <a:endParaRPr b="0" lang="en-US" sz="1600" spc="-1" strike="noStrike">
+              <a:solidFill>
+                <a:srgbClr val="000000"/>
+              </a:solidFill>
+              <a:latin typeface="Arial"/>
+            </a:endParaRPr>
+          </a:p>
+          <a:p>
+            <a:pPr marL="216000" indent="-215280">
+              <a:lnSpc>
+                <a:spcPct val="100000"/>
+              </a:lnSpc>
+              <a:spcAft>
+                <a:spcPts val="1140"/>
+              </a:spcAft>
+              <a:buClr>
+                <a:srgbClr val="000000"/>
+              </a:buClr>
+              <a:buSzPct val="45000"/>
+              <a:buFont typeface="Wingdings" charset="2"/>
+              <a:buChar char=""/>
+            </a:pPr>
+            <a:r>
+              <a:rPr b="1" lang="pt-BR" sz="1600" spc="-1" strike="noStrike">
+                <a:solidFill>
+                  <a:srgbClr val="1c1c1c"/>
+                </a:solidFill>
+                <a:latin typeface="Latin Modern Sans"/>
+                <a:ea typeface="DejaVu Sans"/>
+              </a:rPr>
+              <a:t>O(n)</a:t>
+            </a:r>
+            <a:endParaRPr b="0" lang="en-US" sz="1600" spc="-1" strike="noStrike">
+              <a:solidFill>
+                <a:srgbClr val="000000"/>
+              </a:solidFill>
+              <a:latin typeface="Arial"/>
+            </a:endParaRPr>
+          </a:p>
+          <a:p>
+            <a:pPr>
+              <a:lnSpc>
+                <a:spcPct val="100000"/>
+              </a:lnSpc>
+              <a:spcAft>
+                <a:spcPts val="1140"/>
+              </a:spcAft>
+            </a:pPr>
+            <a:endParaRPr b="0" lang="en-US" sz="1600" spc="-1" strike="noStrike">
+              <a:solidFill>
+                <a:srgbClr val="000000"/>
+              </a:solidFill>
+              <a:latin typeface="Arial"/>
+            </a:endParaRPr>
+          </a:p>
+          <a:p>
+            <a:pPr>
+              <a:lnSpc>
+                <a:spcPct val="100000"/>
+              </a:lnSpc>
+              <a:spcAft>
+                <a:spcPts val="1140"/>
+              </a:spcAft>
+            </a:pPr>
+            <a:endParaRPr b="0" lang="en-US" sz="1600" spc="-1" strike="noStrike">
+              <a:solidFill>
+                <a:srgbClr val="000000"/>
+              </a:solidFill>
+              <a:latin typeface="Arial"/>
+            </a:endParaRPr>
+          </a:p>
+          <a:p>
+            <a:pPr>
+              <a:lnSpc>
+                <a:spcPct val="100000"/>
+              </a:lnSpc>
+              <a:spcAft>
+                <a:spcPts val="1140"/>
+              </a:spcAft>
+            </a:pPr>
+            <a:endParaRPr b="0" lang="en-US" sz="1600" spc="-1" strike="noStrike">
+              <a:solidFill>
+                <a:srgbClr val="000000"/>
+              </a:solidFill>
+              <a:latin typeface="Arial"/>
+            </a:endParaRPr>
+          </a:p>
+          <a:p>
+            <a:pPr>
+              <a:lnSpc>
+                <a:spcPct val="100000"/>
+              </a:lnSpc>
+              <a:spcAft>
+                <a:spcPts val="1140"/>
+              </a:spcAft>
+            </a:pPr>
+            <a:endParaRPr b="0" lang="en-US" sz="1600" spc="-1" strike="noStrike">
+              <a:solidFill>
+                <a:srgbClr val="000000"/>
+              </a:solidFill>
+              <a:latin typeface="Arial"/>
+            </a:endParaRPr>
+          </a:p>
+          <a:p>
+            <a:pPr>
+              <a:lnSpc>
+                <a:spcPct val="100000"/>
+              </a:lnSpc>
+              <a:spcAft>
+                <a:spcPts val="1140"/>
+              </a:spcAft>
+            </a:pPr>
+            <a:endParaRPr b="0" lang="en-US" sz="1600" spc="-1" strike="noStrike">
+              <a:solidFill>
+                <a:srgbClr val="000000"/>
+              </a:solidFill>
+              <a:latin typeface="Arial"/>
+            </a:endParaRPr>
+          </a:p>
+          <a:p>
+            <a:pPr marL="216000" indent="-215280">
+              <a:lnSpc>
+                <a:spcPct val="100000"/>
+              </a:lnSpc>
+              <a:spcAft>
+                <a:spcPts val="1140"/>
+              </a:spcAft>
+              <a:buClr>
+                <a:srgbClr val="000000"/>
+              </a:buClr>
+              <a:buSzPct val="45000"/>
+              <a:buFont typeface="Wingdings" charset="2"/>
+              <a:buChar char=""/>
+            </a:pPr>
+            <a:r>
+              <a:rPr b="1" lang="pt-BR" sz="1600" spc="-1" strike="noStrike">
+                <a:solidFill>
+                  <a:srgbClr val="1c1c1c"/>
+                </a:solidFill>
+                <a:latin typeface="Latin Modern Sans"/>
+                <a:ea typeface="DejaVu Sans"/>
+              </a:rPr>
+              <a:t>Codificar!</a:t>
+            </a:r>
+            <a:endParaRPr b="0" lang="en-US" sz="1600" spc="-1" strike="noStrike">
+              <a:solidFill>
+                <a:srgbClr val="000000"/>
+              </a:solidFill>
+              <a:latin typeface="Arial"/>
+            </a:endParaRPr>
+          </a:p>
+          <a:p>
+            <a:pPr>
+              <a:lnSpc>
+                <a:spcPct val="100000"/>
+              </a:lnSpc>
+              <a:spcAft>
+                <a:spcPts val="1140"/>
+              </a:spcAft>
+            </a:pPr>
+            <a:endParaRPr b="0" lang="en-US" sz="1800" spc="-1" strike="noStrike">
+              <a:solidFill>
+                <a:srgbClr val="000000"/>
+              </a:solidFill>
+              <a:latin typeface="Arial"/>
+            </a:endParaRPr>
+          </a:p>
+          <a:p>
+            <a:pPr>
+              <a:lnSpc>
+                <a:spcPct val="100000"/>
+              </a:lnSpc>
+              <a:spcAft>
+                <a:spcPts val="1140"/>
+              </a:spcAft>
+            </a:pPr>
+            <a:endParaRPr b="0" lang="en-US" sz="1800" spc="-1" strike="noStrike">
+              <a:solidFill>
+                <a:srgbClr val="000000"/>
+              </a:solidFill>
+              <a:latin typeface="Arial"/>
+            </a:endParaRPr>
+          </a:p>
+          <a:p>
+            <a:pPr>
+              <a:lnSpc>
+                <a:spcPct val="100000"/>
+              </a:lnSpc>
+              <a:spcAft>
+                <a:spcPts val="1140"/>
+              </a:spcAft>
+            </a:pPr>
+            <a:endParaRPr b="0" lang="en-US" sz="1800" spc="-1" strike="noStrike">
+              <a:solidFill>
+                <a:srgbClr val="000000"/>
+              </a:solidFill>
+              <a:latin typeface="Arial"/>
+            </a:endParaRPr>
+          </a:p>
+          <a:p>
+            <a:pPr>
+              <a:lnSpc>
+                <a:spcPct val="100000"/>
+              </a:lnSpc>
+              <a:spcAft>
+                <a:spcPts val="1140"/>
+              </a:spcAft>
+            </a:pPr>
+            <a:endParaRPr b="0" lang="en-US" sz="1800" spc="-1" strike="noStrike">
+              <a:solidFill>
+                <a:srgbClr val="000000"/>
+              </a:solidFill>
+              <a:latin typeface="Arial"/>
+            </a:endParaRPr>
+          </a:p>
+          <a:p>
+            <a:pPr>
+              <a:lnSpc>
+                <a:spcPct val="100000"/>
+              </a:lnSpc>
+              <a:spcAft>
+                <a:spcPts val="1140"/>
+              </a:spcAft>
+            </a:pPr>
+            <a:endParaRPr b="0" lang="en-US" sz="1800" spc="-1" strike="noStrike">
+              <a:solidFill>
+                <a:srgbClr val="000000"/>
+              </a:solidFill>
+              <a:latin typeface="Arial"/>
+            </a:endParaRPr>
+          </a:p>
+        </p:txBody>
+      </p:sp>
+      <p:sp>
+        <p:nvSpPr>
+          <p:cNvPr id="274" name="CustomShape 3"/>
+          <p:cNvSpPr/>
+          <p:nvPr/>
+        </p:nvSpPr>
+        <p:spPr>
+          <a:xfrm>
+            <a:off x="7608600" y="6886080"/>
+            <a:ext cx="2277720" cy="357480"/>
+          </a:xfrm>
+          <a:prstGeom prst="rect">
+            <a:avLst/>
+          </a:prstGeom>
+          <a:noFill/>
+          <a:ln w="0">
+            <a:noFill/>
+          </a:ln>
+        </p:spPr>
+        <p:style>
+          <a:lnRef idx="0"/>
+          <a:fillRef idx="0"/>
+          <a:effectRef idx="0"/>
+          <a:fontRef idx="minor"/>
+        </p:style>
+        <p:txBody>
+          <a:bodyPr lIns="90000" rIns="90000" tIns="45000" bIns="45000" anchor="t">
+            <a:noAutofit/>
+          </a:bodyPr>
+          <a:p>
+            <a:pPr>
+              <a:lnSpc>
+                <a:spcPct val="100000"/>
+              </a:lnSpc>
+            </a:pPr>
+            <a:r>
+              <a:rPr b="0" lang="pt-BR" sz="1800" spc="-1" strike="noStrike">
+                <a:solidFill>
+                  <a:srgbClr val="000000"/>
+                </a:solidFill>
+                <a:latin typeface="Arial"/>
+                <a:ea typeface="DejaVu Sans"/>
+              </a:rPr>
+              <a:t>Aula 07</a:t>
+            </a:r>
+            <a:endParaRPr b="0" lang="en-US" sz="1800" spc="-1" strike="noStrike">
+              <a:solidFill>
+                <a:srgbClr val="000000"/>
+              </a:solidFill>
+              <a:latin typeface="Arial"/>
+            </a:endParaRPr>
+          </a:p>
+        </p:txBody>
+      </p:sp>
+      <p:sp>
+        <p:nvSpPr>
+          <p:cNvPr id="275" name="CustomShape 4"/>
+          <p:cNvSpPr/>
+          <p:nvPr/>
+        </p:nvSpPr>
+        <p:spPr>
+          <a:xfrm>
+            <a:off x="897120" y="6886080"/>
+            <a:ext cx="6439680" cy="357480"/>
+          </a:xfrm>
+          <a:prstGeom prst="rect">
+            <a:avLst/>
+          </a:prstGeom>
+          <a:noFill/>
+          <a:ln w="0">
+            <a:noFill/>
+          </a:ln>
+        </p:spPr>
+        <p:style>
+          <a:lnRef idx="0"/>
+          <a:fillRef idx="0"/>
+          <a:effectRef idx="0"/>
+          <a:fontRef idx="minor"/>
+        </p:style>
+        <p:txBody>
+          <a:bodyPr lIns="90000" rIns="90000" tIns="45000" bIns="45000" anchor="t">
+            <a:noAutofit/>
+          </a:bodyPr>
+          <a:p>
+            <a:pPr>
+              <a:lnSpc>
+                <a:spcPct val="100000"/>
+              </a:lnSpc>
+            </a:pPr>
+            <a:r>
+              <a:rPr b="0" lang="pt-BR" sz="1800" spc="-1" strike="noStrike">
+                <a:solidFill>
+                  <a:srgbClr val="000000"/>
+                </a:solidFill>
+                <a:latin typeface="Arial"/>
+                <a:ea typeface="DejaVu Sans"/>
+              </a:rPr>
+              <a:t>Fund. Algoritmos e Estrutura de Dados - Prof. André Hochuli</a:t>
+            </a:r>
+            <a:endParaRPr b="0" lang="en-US" sz="1800" spc="-1" strike="noStrike">
+              <a:solidFill>
+                <a:srgbClr val="000000"/>
+              </a:solidFill>
+              <a:latin typeface="Arial"/>
+            </a:endParaRPr>
+          </a:p>
+        </p:txBody>
+      </p:sp>
+      <p:pic>
+        <p:nvPicPr>
+          <p:cNvPr id="276" name="Imagem 601" descr=""/>
           <p:cNvPicPr/>
           <p:nvPr/>
         </p:nvPicPr>
@@ -23744,7 +24430,7 @@
         <p:spPr>
           <a:xfrm>
             <a:off x="897120" y="2919240"/>
-            <a:ext cx="7287480" cy="1396800"/>
+            <a:ext cx="7287120" cy="1396440"/>
           </a:xfrm>
           <a:prstGeom prst="rect">
             <a:avLst/>
@@ -23793,7 +24479,7 @@
         <p:spPr>
           <a:xfrm>
             <a:off x="360000" y="360000"/>
-            <a:ext cx="9352800" cy="892800"/>
+            <a:ext cx="9352440" cy="892440"/>
           </a:xfrm>
           <a:prstGeom prst="rect">
             <a:avLst/>
@@ -23847,7 +24533,7 @@
         <p:spPr>
           <a:xfrm>
             <a:off x="360000" y="1980000"/>
-            <a:ext cx="9172800" cy="4672800"/>
+            <a:ext cx="9172440" cy="4672440"/>
           </a:xfrm>
           <a:prstGeom prst="rect">
             <a:avLst/>
@@ -24054,7 +24740,7 @@
         <p:spPr>
           <a:xfrm>
             <a:off x="7608600" y="6886080"/>
-            <a:ext cx="2278080" cy="357840"/>
+            <a:ext cx="2277720" cy="357480"/>
           </a:xfrm>
           <a:prstGeom prst="rect">
             <a:avLst/>
@@ -24108,7 +24794,7 @@
         <p:spPr>
           <a:xfrm>
             <a:off x="897120" y="6886080"/>
-            <a:ext cx="6440040" cy="357840"/>
+            <a:ext cx="6439680" cy="357480"/>
           </a:xfrm>
           <a:prstGeom prst="rect">
             <a:avLst/>
@@ -24192,7 +24878,7 @@
         <p:spPr>
           <a:xfrm>
             <a:off x="360000" y="3330000"/>
-            <a:ext cx="9352800" cy="892800"/>
+            <a:ext cx="9352440" cy="892440"/>
           </a:xfrm>
           <a:prstGeom prst="rect">
             <a:avLst/>
@@ -24276,7 +24962,7 @@
         <p:spPr>
           <a:xfrm>
             <a:off x="360000" y="360000"/>
-            <a:ext cx="9352800" cy="892800"/>
+            <a:ext cx="9352440" cy="892440"/>
           </a:xfrm>
           <a:prstGeom prst="rect">
             <a:avLst/>
@@ -24330,7 +25016,7 @@
         <p:spPr>
           <a:xfrm>
             <a:off x="360000" y="1980000"/>
-            <a:ext cx="9172800" cy="4672800"/>
+            <a:ext cx="9172440" cy="4672440"/>
           </a:xfrm>
           <a:prstGeom prst="rect">
             <a:avLst/>
@@ -24489,7 +25175,7 @@
         <p:spPr>
           <a:xfrm>
             <a:off x="7608600" y="6886080"/>
-            <a:ext cx="2278080" cy="357840"/>
+            <a:ext cx="2277720" cy="357480"/>
           </a:xfrm>
           <a:prstGeom prst="rect">
             <a:avLst/>
@@ -24543,7 +25229,7 @@
         <p:spPr>
           <a:xfrm>
             <a:off x="897120" y="6886080"/>
-            <a:ext cx="6440040" cy="357840"/>
+            <a:ext cx="6439680" cy="357480"/>
           </a:xfrm>
           <a:prstGeom prst="rect">
             <a:avLst/>
@@ -25069,7 +25755,7 @@
         <p:spPr>
           <a:xfrm>
             <a:off x="2560320" y="4903920"/>
-            <a:ext cx="5179320" cy="344520"/>
+            <a:ext cx="5178960" cy="344160"/>
           </a:xfrm>
           <a:prstGeom prst="rect">
             <a:avLst/>
@@ -25153,7 +25839,7 @@
         <p:spPr>
           <a:xfrm>
             <a:off x="360000" y="360000"/>
-            <a:ext cx="9352800" cy="892800"/>
+            <a:ext cx="9352440" cy="892440"/>
           </a:xfrm>
           <a:prstGeom prst="rect">
             <a:avLst/>
@@ -25207,7 +25893,7 @@
         <p:spPr>
           <a:xfrm>
             <a:off x="360000" y="1980000"/>
-            <a:ext cx="9172800" cy="4672800"/>
+            <a:ext cx="9172440" cy="4672440"/>
           </a:xfrm>
           <a:prstGeom prst="rect">
             <a:avLst/>
@@ -25462,7 +26148,7 @@
         <p:spPr>
           <a:xfrm>
             <a:off x="7608600" y="6886080"/>
-            <a:ext cx="2278080" cy="357840"/>
+            <a:ext cx="2277720" cy="357480"/>
           </a:xfrm>
           <a:prstGeom prst="rect">
             <a:avLst/>
@@ -25516,7 +26202,7 @@
         <p:spPr>
           <a:xfrm>
             <a:off x="897120" y="6886080"/>
-            <a:ext cx="6440040" cy="357840"/>
+            <a:ext cx="6439680" cy="357480"/>
           </a:xfrm>
           <a:prstGeom prst="rect">
             <a:avLst/>
@@ -25574,7 +26260,7 @@
         <p:spPr>
           <a:xfrm>
             <a:off x="897120" y="4320000"/>
-            <a:ext cx="2239200" cy="2172600"/>
+            <a:ext cx="2238840" cy="2172240"/>
           </a:xfrm>
           <a:prstGeom prst="rect">
             <a:avLst/>
@@ -25596,8 +26282,8 @@
         </p:blipFill>
         <p:spPr>
           <a:xfrm>
-            <a:off x="4500000" y="3998520"/>
-            <a:ext cx="4731120" cy="2660760"/>
+            <a:off x="4572000" y="3992040"/>
+            <a:ext cx="4730760" cy="2660400"/>
           </a:xfrm>
           <a:prstGeom prst="rect">
             <a:avLst/>
@@ -25646,7 +26332,7 @@
         <p:spPr>
           <a:xfrm>
             <a:off x="360000" y="360000"/>
-            <a:ext cx="9352800" cy="892800"/>
+            <a:ext cx="9352440" cy="892440"/>
           </a:xfrm>
           <a:prstGeom prst="rect">
             <a:avLst/>
@@ -25700,7 +26386,7 @@
         <p:spPr>
           <a:xfrm>
             <a:off x="7608600" y="6886080"/>
-            <a:ext cx="2278080" cy="357840"/>
+            <a:ext cx="2277720" cy="357480"/>
           </a:xfrm>
           <a:prstGeom prst="rect">
             <a:avLst/>
@@ -25754,7 +26440,7 @@
         <p:spPr>
           <a:xfrm>
             <a:off x="897120" y="6886080"/>
-            <a:ext cx="6440040" cy="357840"/>
+            <a:ext cx="6439680" cy="357480"/>
           </a:xfrm>
           <a:prstGeom prst="rect">
             <a:avLst/>
@@ -25812,7 +26498,7 @@
         <p:spPr>
           <a:xfrm>
             <a:off x="360000" y="1980000"/>
-            <a:ext cx="3988800" cy="893160"/>
+            <a:ext cx="3988440" cy="892800"/>
           </a:xfrm>
           <a:prstGeom prst="rect">
             <a:avLst/>
@@ -25831,7 +26517,7 @@
         <p:spPr>
           <a:xfrm>
             <a:off x="360000" y="1980000"/>
-            <a:ext cx="9172800" cy="4672800"/>
+            <a:ext cx="9172440" cy="4672440"/>
           </a:xfrm>
           <a:prstGeom prst="rect">
             <a:avLst/>
@@ -26150,8 +26836,8 @@
         </p:blipFill>
         <p:spPr>
           <a:xfrm>
-            <a:off x="4801680" y="2340000"/>
-            <a:ext cx="4731120" cy="2660760"/>
+            <a:off x="3937320" y="2971800"/>
+            <a:ext cx="5595120" cy="3146400"/>
           </a:xfrm>
           <a:prstGeom prst="rect">
             <a:avLst/>
@@ -26200,7 +26886,7 @@
         <p:spPr>
           <a:xfrm>
             <a:off x="360000" y="360000"/>
-            <a:ext cx="9352800" cy="892800"/>
+            <a:ext cx="9352440" cy="892440"/>
           </a:xfrm>
           <a:prstGeom prst="rect">
             <a:avLst/>
@@ -26254,7 +26940,7 @@
         <p:spPr>
           <a:xfrm>
             <a:off x="7608600" y="6886080"/>
-            <a:ext cx="2278080" cy="357840"/>
+            <a:ext cx="2277720" cy="357480"/>
           </a:xfrm>
           <a:prstGeom prst="rect">
             <a:avLst/>
@@ -26308,7 +26994,7 @@
         <p:spPr>
           <a:xfrm>
             <a:off x="897120" y="6886080"/>
-            <a:ext cx="6440040" cy="357840"/>
+            <a:ext cx="6439680" cy="357480"/>
           </a:xfrm>
           <a:prstGeom prst="rect">
             <a:avLst/>
@@ -26362,7 +27048,7 @@
         <p:spPr>
           <a:xfrm>
             <a:off x="360000" y="1980000"/>
-            <a:ext cx="9172800" cy="4672800"/>
+            <a:ext cx="9172440" cy="4672440"/>
           </a:xfrm>
           <a:prstGeom prst="rect">
             <a:avLst/>
@@ -26685,7 +27371,7 @@
         <p:spPr>
           <a:xfrm>
             <a:off x="546840" y="1747800"/>
-            <a:ext cx="3922200" cy="1521720"/>
+            <a:ext cx="3921840" cy="1521360"/>
           </a:xfrm>
           <a:prstGeom prst="rect">
             <a:avLst/>
@@ -26708,7 +27394,7 @@
         <p:spPr>
           <a:xfrm>
             <a:off x="4801680" y="1980000"/>
-            <a:ext cx="4731120" cy="2660760"/>
+            <a:ext cx="4730760" cy="2660400"/>
           </a:xfrm>
           <a:prstGeom prst="rect">
             <a:avLst/>
@@ -26757,7 +27443,7 @@
         <p:spPr>
           <a:xfrm>
             <a:off x="7608600" y="6886080"/>
-            <a:ext cx="2278080" cy="357840"/>
+            <a:ext cx="2277720" cy="357480"/>
           </a:xfrm>
           <a:prstGeom prst="rect">
             <a:avLst/>
@@ -26811,7 +27497,7 @@
         <p:spPr>
           <a:xfrm>
             <a:off x="897120" y="6886080"/>
-            <a:ext cx="6440040" cy="357840"/>
+            <a:ext cx="6439680" cy="357480"/>
           </a:xfrm>
           <a:prstGeom prst="rect">
             <a:avLst/>
@@ -26865,7 +27551,7 @@
         <p:spPr>
           <a:xfrm>
             <a:off x="360000" y="1980000"/>
-            <a:ext cx="9172800" cy="4672800"/>
+            <a:ext cx="9172440" cy="4672440"/>
           </a:xfrm>
           <a:prstGeom prst="rect">
             <a:avLst/>
@@ -27300,7 +27986,7 @@
         <p:spPr>
           <a:xfrm>
             <a:off x="553320" y="1747800"/>
-            <a:ext cx="4089600" cy="1981080"/>
+            <a:ext cx="4089240" cy="1980720"/>
           </a:xfrm>
           <a:prstGeom prst="rect">
             <a:avLst/>
@@ -27319,7 +28005,7 @@
         <p:spPr>
           <a:xfrm>
             <a:off x="249480" y="731520"/>
-            <a:ext cx="3341520" cy="579960"/>
+            <a:ext cx="3341160" cy="579600"/>
           </a:xfrm>
           <a:prstGeom prst="rect">
             <a:avLst/>
@@ -27397,7 +28083,7 @@
         <p:spPr>
           <a:xfrm>
             <a:off x="4860000" y="2558520"/>
-            <a:ext cx="4731120" cy="2660760"/>
+            <a:ext cx="4730760" cy="2660400"/>
           </a:xfrm>
           <a:prstGeom prst="rect">
             <a:avLst/>
@@ -27446,7 +28132,7 @@
         <p:spPr>
           <a:xfrm>
             <a:off x="7608600" y="6886080"/>
-            <a:ext cx="2278080" cy="357840"/>
+            <a:ext cx="2277720" cy="357480"/>
           </a:xfrm>
           <a:prstGeom prst="rect">
             <a:avLst/>
@@ -27500,7 +28186,7 @@
         <p:spPr>
           <a:xfrm>
             <a:off x="897120" y="6886080"/>
-            <a:ext cx="6440040" cy="357840"/>
+            <a:ext cx="6439680" cy="357480"/>
           </a:xfrm>
           <a:prstGeom prst="rect">
             <a:avLst/>
@@ -27554,7 +28240,7 @@
         <p:spPr>
           <a:xfrm>
             <a:off x="3017520" y="2286000"/>
-            <a:ext cx="6033240" cy="4672800"/>
+            <a:ext cx="6032880" cy="4672440"/>
           </a:xfrm>
           <a:prstGeom prst="rect">
             <a:avLst/>
@@ -27825,7 +28511,7 @@
         <p:spPr>
           <a:xfrm>
             <a:off x="182880" y="698400"/>
-            <a:ext cx="4086720" cy="579960"/>
+            <a:ext cx="4086360" cy="579600"/>
           </a:xfrm>
           <a:prstGeom prst="rect">
             <a:avLst/>
@@ -27883,7 +28569,7 @@
         <p:spPr>
           <a:xfrm>
             <a:off x="783360" y="1736640"/>
-            <a:ext cx="2502360" cy="4502520"/>
+            <a:ext cx="2502000" cy="4502160"/>
           </a:xfrm>
           <a:prstGeom prst="rect">
             <a:avLst/>
@@ -27906,7 +28592,7 @@
         <p:spPr>
           <a:xfrm>
             <a:off x="4448160" y="1838520"/>
-            <a:ext cx="4731120" cy="2660760"/>
+            <a:ext cx="4730760" cy="2660400"/>
           </a:xfrm>
           <a:prstGeom prst="rect">
             <a:avLst/>
